--- a/PPT/02- Angular Databinding.pptx
+++ b/PPT/02- Angular Databinding.pptx
@@ -2571,7 +2571,7 @@
           <a:p>
             <a:fld id="{14471771-6CF3-0A4E-92CD-0AAA74C1AC74}" type="datetime1">
               <a:rPr lang="en-US" smtClean="0"/>
-              <a:t>2/24/19</a:t>
+              <a:t>2/25/19</a:t>
             </a:fld>
             <a:endParaRPr lang="en-US"/>
           </a:p>
@@ -2730,7 +2730,7 @@
           <a:p>
             <a:fld id="{AFA0C4A9-B9CF-204F-845A-78855C677058}" type="datetime1">
               <a:rPr lang="en-US" smtClean="0"/>
-              <a:t>2/24/19</a:t>
+              <a:t>2/25/19</a:t>
             </a:fld>
             <a:endParaRPr lang="en-US"/>
           </a:p>
@@ -2921,7 +2921,7 @@
           <a:p>
             <a:fld id="{19FA71EB-BBB9-284F-A0BA-D21452800DEF}" type="datetime1">
               <a:rPr lang="en-US" smtClean="0"/>
-              <a:t>2/24/19</a:t>
+              <a:t>2/25/19</a:t>
             </a:fld>
             <a:endParaRPr lang="en-US"/>
           </a:p>
@@ -3046,7 +3046,7 @@
           <a:p>
             <a:fld id="{4FD675FF-E717-2A40-AC09-B7D72BBC8572}" type="datetime1">
               <a:rPr lang="en-US" smtClean="0"/>
-              <a:t>2/24/19</a:t>
+              <a:t>2/25/19</a:t>
             </a:fld>
             <a:endParaRPr lang="en-US"/>
           </a:p>
@@ -3142,7 +3142,7 @@
           <a:p>
             <a:fld id="{50269BC5-4D28-1B46-B364-F1D1817E9371}" type="datetime1">
               <a:rPr lang="en-US" smtClean="0"/>
-              <a:t>2/24/19</a:t>
+              <a:t>2/25/19</a:t>
             </a:fld>
             <a:endParaRPr lang="en-US"/>
           </a:p>
@@ -3376,7 +3376,7 @@
           <a:p>
             <a:fld id="{0E34B6BF-76F8-634E-A5E2-C7F984B93D64}" type="datetime1">
               <a:rPr lang="en-US" smtClean="0"/>
-              <a:t>2/24/19</a:t>
+              <a:t>2/25/19</a:t>
             </a:fld>
             <a:endParaRPr lang="en-US"/>
           </a:p>
@@ -5360,7 +5360,7 @@
               </a:rPr>
               <a:t>public</a:t>
             </a:r>
-            <a:endParaRPr sz="1950">
+            <a:endParaRPr sz="1950" dirty="0">
               <a:latin typeface="Courier New"/>
               <a:cs typeface="Courier New"/>
             </a:endParaRPr>
@@ -5451,7 +5451,7 @@
               </a:rPr>
               <a:t>meter</a:t>
             </a:r>
-            <a:endParaRPr sz="1950">
+            <a:endParaRPr sz="1950" dirty="0">
               <a:latin typeface="Verdana"/>
               <a:cs typeface="Verdana"/>
             </a:endParaRPr>
@@ -7095,6 +7095,20 @@
               </a:rPr>
               <a:t> </a:t>
             </a:r>
+            <a:endParaRPr lang="nl-NL" sz="1700" spc="-10" dirty="0">
+              <a:latin typeface="Times New Roman"/>
+              <a:cs typeface="Times New Roman"/>
+            </a:endParaRPr>
+          </a:p>
+          <a:p>
+            <a:pPr marL="1115695" marR="1225550">
+              <a:lnSpc>
+                <a:spcPct val="101499"/>
+              </a:lnSpc>
+              <a:spcBef>
+                <a:spcPts val="5"/>
+              </a:spcBef>
+            </a:pPr>
             <a:r>
               <a:rPr sz="1700" b="1" spc="-5" dirty="0">
                 <a:solidFill>
@@ -10444,7 +10458,7 @@
                 <a:latin typeface="Verdana"/>
                 <a:cs typeface="Verdana"/>
               </a:rPr>
-              <a:t> 1c + 1d + 1e</a:t>
+              <a:t> 2a + 2b + 2c + 2d + 2e</a:t>
             </a:r>
             <a:endParaRPr sz="1950" b="1" dirty="0">
               <a:latin typeface="Verdana"/>
@@ -10680,7 +10694,7 @@
         <p:spPr>
           <a:xfrm>
             <a:off x="1236104" y="5121217"/>
-            <a:ext cx="7847965" cy="303530"/>
+            <a:ext cx="7847965" cy="718145"/>
           </a:xfrm>
           <a:prstGeom prst="rect">
             <a:avLst/>
@@ -10733,63 +10747,63 @@
               <a:t> </a:t>
             </a:r>
             <a:r>
-              <a:rPr sz="2350" spc="10" dirty="0">
+              <a:rPr sz="2350" b="1" spc="10" dirty="0">
                 <a:latin typeface="Verdana"/>
                 <a:cs typeface="Verdana"/>
               </a:rPr>
               <a:t>mouse,</a:t>
             </a:r>
             <a:r>
-              <a:rPr sz="2350" spc="250" dirty="0">
-                <a:latin typeface="Times New Roman"/>
-                <a:cs typeface="Times New Roman"/>
-              </a:rPr>
-              <a:t> </a:t>
-            </a:r>
-            <a:r>
-              <a:rPr sz="2350" spc="-15" dirty="0">
+              <a:rPr sz="2350" b="1" spc="250" dirty="0">
+                <a:latin typeface="Times New Roman"/>
+                <a:cs typeface="Times New Roman"/>
+              </a:rPr>
+              <a:t> </a:t>
+            </a:r>
+            <a:r>
+              <a:rPr sz="2350" b="1" spc="-15" dirty="0">
                 <a:latin typeface="Verdana"/>
                 <a:cs typeface="Verdana"/>
               </a:rPr>
               <a:t>k</a:t>
             </a:r>
             <a:r>
-              <a:rPr sz="2350" spc="10" dirty="0">
+              <a:rPr sz="2350" b="1" spc="10" dirty="0">
                 <a:latin typeface="Verdana"/>
                 <a:cs typeface="Verdana"/>
               </a:rPr>
               <a:t>eyboard,</a:t>
             </a:r>
             <a:r>
-              <a:rPr sz="2350" spc="250" dirty="0">
-                <a:latin typeface="Times New Roman"/>
-                <a:cs typeface="Times New Roman"/>
-              </a:rPr>
-              <a:t> </a:t>
-            </a:r>
-            <a:r>
-              <a:rPr sz="2350" spc="-15" dirty="0">
+              <a:rPr sz="2350" b="1" spc="250" dirty="0">
+                <a:latin typeface="Times New Roman"/>
+                <a:cs typeface="Times New Roman"/>
+              </a:rPr>
+              <a:t> </a:t>
+            </a:r>
+            <a:r>
+              <a:rPr sz="2350" b="1" spc="-15" dirty="0">
                 <a:latin typeface="Verdana"/>
                 <a:cs typeface="Verdana"/>
               </a:rPr>
               <a:t>h</a:t>
             </a:r>
             <a:r>
-              <a:rPr sz="2350" spc="10" dirty="0">
+              <a:rPr sz="2350" b="1" spc="10" dirty="0">
                 <a:latin typeface="Verdana"/>
                 <a:cs typeface="Verdana"/>
               </a:rPr>
               <a:t>yperlinks</a:t>
             </a:r>
             <a:r>
-              <a:rPr sz="2350" spc="270" dirty="0">
-                <a:latin typeface="Times New Roman"/>
-                <a:cs typeface="Times New Roman"/>
-              </a:rPr>
-              <a:t> </a:t>
-            </a:r>
-            <a:r>
-              <a:rPr sz="2350" spc="10" dirty="0">
+              <a:rPr sz="2350" b="1" spc="270" dirty="0">
+                <a:latin typeface="Times New Roman"/>
+                <a:cs typeface="Times New Roman"/>
+              </a:rPr>
+              <a:t> </a:t>
+            </a:r>
+            <a:r>
+              <a:rPr sz="2350" spc="10" dirty="0" err="1">
                 <a:latin typeface="Verdana"/>
                 <a:cs typeface="Verdana"/>
               </a:rPr>
@@ -10803,13 +10817,20 @@
               <a:t> </a:t>
             </a:r>
             <a:r>
-              <a:rPr sz="2350" spc="15" dirty="0">
+              <a:rPr sz="2350" spc="15" dirty="0" err="1">
                 <a:latin typeface="Verdana"/>
                 <a:cs typeface="Verdana"/>
               </a:rPr>
               <a:t>meer</a:t>
             </a:r>
-            <a:endParaRPr sz="2350">
+            <a:r>
+              <a:rPr lang="nl-NL" sz="2350" spc="15" dirty="0">
+                <a:latin typeface="Verdana"/>
+                <a:cs typeface="Verdana"/>
+              </a:rPr>
+              <a:t>…</a:t>
+            </a:r>
+            <a:endParaRPr sz="2350" dirty="0">
               <a:latin typeface="Verdana"/>
               <a:cs typeface="Verdana"/>
             </a:endParaRPr>
@@ -13969,7 +13990,7 @@
         <p:spPr>
           <a:xfrm>
             <a:off x="1270382" y="1250147"/>
-            <a:ext cx="7416800" cy="5329555"/>
+            <a:ext cx="7416800" cy="5383525"/>
           </a:xfrm>
           <a:prstGeom prst="rect">
             <a:avLst/>
@@ -13993,10 +14014,6 @@
               </a:rPr>
               <a:t>HTML</a:t>
             </a:r>
-            <a:endParaRPr sz="2150">
-              <a:latin typeface="Arial"/>
-              <a:cs typeface="Arial"/>
-            </a:endParaRPr>
           </a:p>
           <a:p>
             <a:pPr marL="570230">
@@ -14247,7 +14264,7 @@
               </a:rPr>
               <a:t>‐&gt;</a:t>
             </a:r>
-            <a:endParaRPr sz="1500">
+            <a:endParaRPr sz="1500" dirty="0">
               <a:latin typeface="Consolas"/>
               <a:cs typeface="Consolas"/>
             </a:endParaRPr>
@@ -14395,7 +14412,7 @@
               </a:rPr>
               <a:t>success"</a:t>
             </a:r>
-            <a:endParaRPr sz="1500">
+            <a:endParaRPr sz="1500" dirty="0">
               <a:latin typeface="Consolas"/>
               <a:cs typeface="Consolas"/>
             </a:endParaRPr>
@@ -14411,10 +14428,20 @@
             </a:pPr>
             <a:r>
               <a:rPr sz="1500" spc="5" dirty="0">
-                <a:latin typeface="Consolas"/>
-                <a:cs typeface="Consolas"/>
-              </a:rPr>
-              <a:t>(click)=</a:t>
+                <a:solidFill>
+                  <a:srgbClr val="C00000"/>
+                </a:solidFill>
+                <a:latin typeface="Consolas"/>
+                <a:cs typeface="Consolas"/>
+              </a:rPr>
+              <a:t>(click)</a:t>
+            </a:r>
+            <a:r>
+              <a:rPr sz="1500" spc="5" dirty="0">
+                <a:latin typeface="Consolas"/>
+                <a:cs typeface="Consolas"/>
+              </a:rPr>
+              <a:t>=</a:t>
             </a:r>
             <a:r>
               <a:rPr sz="1500" b="1" spc="5" dirty="0">
@@ -14551,10 +14578,6 @@
               </a:rPr>
               <a:t>&gt;</a:t>
             </a:r>
-            <a:endParaRPr sz="1500">
-              <a:latin typeface="Consolas"/>
-              <a:cs typeface="Consolas"/>
-            </a:endParaRPr>
           </a:p>
           <a:p>
             <a:pPr>
@@ -14562,7 +14585,7 @@
                 <a:spcPct val="100000"/>
               </a:lnSpc>
             </a:pPr>
-            <a:endParaRPr sz="1500">
+            <a:endParaRPr sz="1500" dirty="0">
               <a:latin typeface="Times New Roman"/>
               <a:cs typeface="Times New Roman"/>
             </a:endParaRPr>
@@ -14576,7 +14599,7 @@
                 <a:spcPts val="30"/>
               </a:spcBef>
             </a:pPr>
-            <a:endParaRPr sz="1900">
+            <a:endParaRPr sz="1900" dirty="0">
               <a:latin typeface="Times New Roman"/>
               <a:cs typeface="Times New Roman"/>
             </a:endParaRPr>
@@ -14594,7 +14617,18 @@
               </a:rPr>
               <a:t>Class</a:t>
             </a:r>
-            <a:endParaRPr sz="2150">
+            <a:endParaRPr lang="nl-NL" sz="2150" spc="-5" dirty="0">
+              <a:latin typeface="Arial"/>
+              <a:cs typeface="Arial"/>
+            </a:endParaRPr>
+          </a:p>
+          <a:p>
+            <a:pPr marL="43180">
+              <a:lnSpc>
+                <a:spcPct val="100000"/>
+              </a:lnSpc>
+            </a:pPr>
+            <a:endParaRPr sz="2150" dirty="0">
               <a:latin typeface="Arial"/>
               <a:cs typeface="Arial"/>
             </a:endParaRPr>
@@ -14690,6 +14724,9 @@
             </a:r>
             <a:r>
               <a:rPr sz="1700" spc="-5" dirty="0">
+                <a:solidFill>
+                  <a:srgbClr val="C00000"/>
+                </a:solidFill>
                 <a:latin typeface="Consolas"/>
                 <a:cs typeface="Consolas"/>
               </a:rPr>
@@ -14697,6 +14734,9 @@
             </a:r>
             <a:r>
               <a:rPr sz="1700" spc="5" dirty="0">
+                <a:solidFill>
+                  <a:srgbClr val="C00000"/>
+                </a:solidFill>
                 <a:latin typeface="Consolas"/>
                 <a:cs typeface="Consolas"/>
               </a:rPr>
@@ -14723,7 +14763,7 @@
               </a:rPr>
               <a:t>{</a:t>
             </a:r>
-            <a:endParaRPr sz="1700">
+            <a:endParaRPr sz="1700" dirty="0">
               <a:latin typeface="Consolas"/>
               <a:cs typeface="Consolas"/>
             </a:endParaRPr>
@@ -14738,13 +14778,429 @@
               </a:spcBef>
             </a:pPr>
             <a:r>
+              <a:rPr sz="1700" spc="-5" dirty="0">
+                <a:latin typeface="Consolas"/>
+                <a:cs typeface="Consolas"/>
+              </a:rPr>
+              <a:t>counter</a:t>
+            </a:r>
+            <a:r>
               <a:rPr sz="1700" spc="5" dirty="0">
                 <a:latin typeface="Consolas"/>
                 <a:cs typeface="Consolas"/>
               </a:rPr>
-              <a:t>…</a:t>
-            </a:r>
-            <a:endParaRPr sz="1700">
+              <a:t>:</a:t>
+            </a:r>
+            <a:r>
+              <a:rPr sz="1700" dirty="0">
+                <a:latin typeface="Times New Roman"/>
+                <a:cs typeface="Times New Roman"/>
+              </a:rPr>
+              <a:t> </a:t>
+            </a:r>
+            <a:r>
+              <a:rPr sz="1700" spc="80" dirty="0">
+                <a:latin typeface="Times New Roman"/>
+                <a:cs typeface="Times New Roman"/>
+              </a:rPr>
+              <a:t> </a:t>
+            </a:r>
+            <a:r>
+              <a:rPr sz="1700" b="1" spc="-5" dirty="0">
+                <a:solidFill>
+                  <a:srgbClr val="000080"/>
+                </a:solidFill>
+                <a:latin typeface="Consolas"/>
+                <a:cs typeface="Consolas"/>
+              </a:rPr>
+              <a:t>numbe</a:t>
+            </a:r>
+            <a:r>
+              <a:rPr sz="1700" b="1" spc="5" dirty="0">
+                <a:solidFill>
+                  <a:srgbClr val="000080"/>
+                </a:solidFill>
+                <a:latin typeface="Consolas"/>
+                <a:cs typeface="Consolas"/>
+              </a:rPr>
+              <a:t>r</a:t>
+            </a:r>
+            <a:r>
+              <a:rPr sz="1700" b="1" dirty="0">
+                <a:solidFill>
+                  <a:srgbClr val="000080"/>
+                </a:solidFill>
+                <a:latin typeface="Times New Roman"/>
+                <a:cs typeface="Times New Roman"/>
+              </a:rPr>
+              <a:t> </a:t>
+            </a:r>
+            <a:r>
+              <a:rPr sz="1700" b="1" spc="90" dirty="0">
+                <a:solidFill>
+                  <a:srgbClr val="000080"/>
+                </a:solidFill>
+                <a:latin typeface="Times New Roman"/>
+                <a:cs typeface="Times New Roman"/>
+              </a:rPr>
+              <a:t> </a:t>
+            </a:r>
+            <a:r>
+              <a:rPr sz="1700" spc="-5" dirty="0">
+                <a:latin typeface="Consolas"/>
+                <a:cs typeface="Consolas"/>
+              </a:rPr>
+              <a:t>=</a:t>
+            </a:r>
+            <a:r>
+              <a:rPr sz="1700" dirty="0">
+                <a:solidFill>
+                  <a:srgbClr val="0000FF"/>
+                </a:solidFill>
+                <a:latin typeface="Consolas"/>
+                <a:cs typeface="Consolas"/>
+              </a:rPr>
+              <a:t>0</a:t>
+            </a:r>
+            <a:r>
+              <a:rPr sz="1700" spc="5" dirty="0">
+                <a:latin typeface="Consolas"/>
+                <a:cs typeface="Consolas"/>
+              </a:rPr>
+              <a:t>;</a:t>
+            </a:r>
+            <a:endParaRPr sz="1700" dirty="0">
+              <a:latin typeface="Consolas"/>
+              <a:cs typeface="Consolas"/>
+            </a:endParaRPr>
+          </a:p>
+          <a:p>
+            <a:pPr>
+              <a:lnSpc>
+                <a:spcPct val="100000"/>
+              </a:lnSpc>
+            </a:pPr>
+            <a:endParaRPr sz="1700" dirty="0">
+              <a:latin typeface="Times New Roman"/>
+              <a:cs typeface="Times New Roman"/>
+            </a:endParaRPr>
+          </a:p>
+          <a:p>
+            <a:pPr>
+              <a:lnSpc>
+                <a:spcPct val="100000"/>
+              </a:lnSpc>
+              <a:spcBef>
+                <a:spcPts val="36"/>
+              </a:spcBef>
+            </a:pPr>
+            <a:endParaRPr sz="1900" dirty="0">
+              <a:latin typeface="Times New Roman"/>
+              <a:cs typeface="Times New Roman"/>
+            </a:endParaRPr>
+          </a:p>
+          <a:p>
+            <a:pPr marL="930275">
+              <a:lnSpc>
+                <a:spcPct val="100000"/>
+              </a:lnSpc>
+            </a:pPr>
+            <a:r>
+              <a:rPr sz="1700" spc="-5" dirty="0">
+                <a:latin typeface="Consolas"/>
+                <a:cs typeface="Consolas"/>
+              </a:rPr>
+              <a:t>btnClick(){</a:t>
+            </a:r>
+            <a:endParaRPr sz="1700" dirty="0">
+              <a:latin typeface="Consolas"/>
+              <a:cs typeface="Consolas"/>
+            </a:endParaRPr>
+          </a:p>
+          <a:p>
+            <a:pPr marL="1289685">
+              <a:lnSpc>
+                <a:spcPct val="100000"/>
+              </a:lnSpc>
+              <a:spcBef>
+                <a:spcPts val="1065"/>
+              </a:spcBef>
+            </a:pPr>
+            <a:r>
+              <a:rPr sz="1700" spc="-5" dirty="0">
+                <a:latin typeface="Consolas"/>
+                <a:cs typeface="Consolas"/>
+              </a:rPr>
+              <a:t>alert(</a:t>
+            </a:r>
+            <a:r>
+              <a:rPr sz="1700" b="1" dirty="0">
+                <a:solidFill>
+                  <a:srgbClr val="008000"/>
+                </a:solidFill>
+                <a:latin typeface="Consolas"/>
+                <a:cs typeface="Consolas"/>
+              </a:rPr>
+              <a:t>'J</a:t>
+            </a:r>
+            <a:r>
+              <a:rPr sz="1700" b="1" spc="5" dirty="0">
+                <a:solidFill>
+                  <a:srgbClr val="008000"/>
+                </a:solidFill>
+                <a:latin typeface="Consolas"/>
+                <a:cs typeface="Consolas"/>
+              </a:rPr>
+              <a:t>e</a:t>
+            </a:r>
+            <a:r>
+              <a:rPr sz="1700" b="1" dirty="0">
+                <a:solidFill>
+                  <a:srgbClr val="008000"/>
+                </a:solidFill>
+                <a:latin typeface="Times New Roman"/>
+                <a:cs typeface="Times New Roman"/>
+              </a:rPr>
+              <a:t> </a:t>
+            </a:r>
+            <a:r>
+              <a:rPr sz="1700" b="1" spc="85" dirty="0">
+                <a:solidFill>
+                  <a:srgbClr val="008000"/>
+                </a:solidFill>
+                <a:latin typeface="Times New Roman"/>
+                <a:cs typeface="Times New Roman"/>
+              </a:rPr>
+              <a:t> </a:t>
+            </a:r>
+            <a:r>
+              <a:rPr sz="1700" b="1" spc="-5" dirty="0">
+                <a:solidFill>
+                  <a:srgbClr val="008000"/>
+                </a:solidFill>
+                <a:latin typeface="Consolas"/>
+                <a:cs typeface="Consolas"/>
+              </a:rPr>
+              <a:t>heb</a:t>
+            </a:r>
+            <a:r>
+              <a:rPr sz="1700" b="1" spc="5" dirty="0">
+                <a:solidFill>
+                  <a:srgbClr val="008000"/>
+                </a:solidFill>
+                <a:latin typeface="Consolas"/>
+                <a:cs typeface="Consolas"/>
+              </a:rPr>
+              <a:t>t</a:t>
+            </a:r>
+            <a:r>
+              <a:rPr sz="1700" b="1" dirty="0">
+                <a:solidFill>
+                  <a:srgbClr val="008000"/>
+                </a:solidFill>
+                <a:latin typeface="Times New Roman"/>
+                <a:cs typeface="Times New Roman"/>
+              </a:rPr>
+              <a:t> </a:t>
+            </a:r>
+            <a:r>
+              <a:rPr sz="1700" b="1" spc="85" dirty="0">
+                <a:solidFill>
+                  <a:srgbClr val="008000"/>
+                </a:solidFill>
+                <a:latin typeface="Times New Roman"/>
+                <a:cs typeface="Times New Roman"/>
+              </a:rPr>
+              <a:t> </a:t>
+            </a:r>
+            <a:r>
+              <a:rPr sz="1700" b="1" spc="-5" dirty="0">
+                <a:solidFill>
+                  <a:srgbClr val="008000"/>
+                </a:solidFill>
+                <a:latin typeface="Consolas"/>
+                <a:cs typeface="Consolas"/>
+              </a:rPr>
+              <a:t>'</a:t>
+            </a:r>
+            <a:r>
+              <a:rPr sz="1700" spc="5" dirty="0">
+                <a:latin typeface="Consolas"/>
+                <a:cs typeface="Consolas"/>
+              </a:rPr>
+              <a:t>+</a:t>
+            </a:r>
+            <a:r>
+              <a:rPr sz="1700" dirty="0">
+                <a:latin typeface="Times New Roman"/>
+                <a:cs typeface="Times New Roman"/>
+              </a:rPr>
+              <a:t> </a:t>
+            </a:r>
+            <a:r>
+              <a:rPr sz="1700" spc="80" dirty="0">
+                <a:latin typeface="Times New Roman"/>
+                <a:cs typeface="Times New Roman"/>
+              </a:rPr>
+              <a:t> </a:t>
+            </a:r>
+            <a:r>
+              <a:rPr sz="1700" dirty="0">
+                <a:latin typeface="Consolas"/>
+                <a:cs typeface="Consolas"/>
+              </a:rPr>
+              <a:t>+</a:t>
+            </a:r>
+            <a:r>
+              <a:rPr sz="1700" spc="-5" dirty="0">
+                <a:latin typeface="Consolas"/>
+                <a:cs typeface="Consolas"/>
+              </a:rPr>
+              <a:t>+</a:t>
+            </a:r>
+            <a:r>
+              <a:rPr sz="1700" b="1" spc="-5" dirty="0">
+                <a:solidFill>
+                  <a:srgbClr val="000080"/>
+                </a:solidFill>
+                <a:latin typeface="Consolas"/>
+                <a:cs typeface="Consolas"/>
+              </a:rPr>
+              <a:t>this</a:t>
+            </a:r>
+            <a:r>
+              <a:rPr sz="1700" spc="-5" dirty="0">
+                <a:latin typeface="Consolas"/>
+                <a:cs typeface="Consolas"/>
+              </a:rPr>
+              <a:t>.counte</a:t>
+            </a:r>
+            <a:r>
+              <a:rPr sz="1700" spc="5" dirty="0">
+                <a:latin typeface="Consolas"/>
+                <a:cs typeface="Consolas"/>
+              </a:rPr>
+              <a:t>r</a:t>
+            </a:r>
+            <a:r>
+              <a:rPr sz="1700" dirty="0">
+                <a:latin typeface="Times New Roman"/>
+                <a:cs typeface="Times New Roman"/>
+              </a:rPr>
+              <a:t> </a:t>
+            </a:r>
+            <a:r>
+              <a:rPr sz="1700" spc="90" dirty="0">
+                <a:latin typeface="Times New Roman"/>
+                <a:cs typeface="Times New Roman"/>
+              </a:rPr>
+              <a:t> </a:t>
+            </a:r>
+            <a:r>
+              <a:rPr sz="1700" spc="-10" dirty="0">
+                <a:latin typeface="Consolas"/>
+                <a:cs typeface="Consolas"/>
+              </a:rPr>
+              <a:t>+</a:t>
+            </a:r>
+            <a:r>
+              <a:rPr sz="1700" b="1" spc="5" dirty="0">
+                <a:solidFill>
+                  <a:srgbClr val="008000"/>
+                </a:solidFill>
+                <a:latin typeface="Consolas"/>
+                <a:cs typeface="Consolas"/>
+              </a:rPr>
+              <a:t>'</a:t>
+            </a:r>
+            <a:r>
+              <a:rPr sz="1700" b="1" dirty="0">
+                <a:solidFill>
+                  <a:srgbClr val="008000"/>
+                </a:solidFill>
+                <a:latin typeface="Times New Roman"/>
+                <a:cs typeface="Times New Roman"/>
+              </a:rPr>
+              <a:t> </a:t>
+            </a:r>
+            <a:r>
+              <a:rPr sz="1700" b="1" spc="80" dirty="0">
+                <a:solidFill>
+                  <a:srgbClr val="008000"/>
+                </a:solidFill>
+                <a:latin typeface="Times New Roman"/>
+                <a:cs typeface="Times New Roman"/>
+              </a:rPr>
+              <a:t> </a:t>
+            </a:r>
+            <a:r>
+              <a:rPr sz="1700" b="1" dirty="0">
+                <a:solidFill>
+                  <a:srgbClr val="008000"/>
+                </a:solidFill>
+                <a:latin typeface="Consolas"/>
+                <a:cs typeface="Consolas"/>
+              </a:rPr>
+              <a:t>kee</a:t>
+            </a:r>
+            <a:r>
+              <a:rPr sz="1700" b="1" spc="5" dirty="0">
+                <a:solidFill>
+                  <a:srgbClr val="008000"/>
+                </a:solidFill>
+                <a:latin typeface="Consolas"/>
+                <a:cs typeface="Consolas"/>
+              </a:rPr>
+              <a:t>r</a:t>
+            </a:r>
+            <a:r>
+              <a:rPr sz="1700" b="1" dirty="0">
+                <a:solidFill>
+                  <a:srgbClr val="008000"/>
+                </a:solidFill>
+                <a:latin typeface="Times New Roman"/>
+                <a:cs typeface="Times New Roman"/>
+              </a:rPr>
+              <a:t> </a:t>
+            </a:r>
+            <a:r>
+              <a:rPr sz="1700" b="1" spc="80" dirty="0">
+                <a:solidFill>
+                  <a:srgbClr val="008000"/>
+                </a:solidFill>
+                <a:latin typeface="Times New Roman"/>
+                <a:cs typeface="Times New Roman"/>
+              </a:rPr>
+              <a:t> </a:t>
+            </a:r>
+            <a:r>
+              <a:rPr sz="1700" b="1" spc="-5" dirty="0">
+                <a:solidFill>
+                  <a:srgbClr val="008000"/>
+                </a:solidFill>
+                <a:latin typeface="Consolas"/>
+                <a:cs typeface="Consolas"/>
+              </a:rPr>
+              <a:t>geklikt</a:t>
+            </a:r>
+            <a:r>
+              <a:rPr sz="1700" b="1" dirty="0">
+                <a:solidFill>
+                  <a:srgbClr val="008000"/>
+                </a:solidFill>
+                <a:latin typeface="Consolas"/>
+                <a:cs typeface="Consolas"/>
+              </a:rPr>
+              <a:t>'</a:t>
+            </a:r>
+            <a:r>
+              <a:rPr sz="1700" spc="-5" dirty="0">
+                <a:latin typeface="Consolas"/>
+                <a:cs typeface="Consolas"/>
+              </a:rPr>
+              <a:t>);</a:t>
+            </a:r>
+            <a:endParaRPr sz="1700" dirty="0">
               <a:latin typeface="Consolas"/>
               <a:cs typeface="Consolas"/>
             </a:endParaRPr>
@@ -14759,450 +15215,13 @@
               </a:spcBef>
             </a:pPr>
             <a:r>
-              <a:rPr sz="1700" spc="-5" dirty="0">
-                <a:latin typeface="Consolas"/>
-                <a:cs typeface="Consolas"/>
-              </a:rPr>
-              <a:t>counter</a:t>
-            </a:r>
-            <a:r>
               <a:rPr sz="1700" spc="5" dirty="0">
                 <a:latin typeface="Consolas"/>
                 <a:cs typeface="Consolas"/>
               </a:rPr>
-              <a:t>:</a:t>
-            </a:r>
-            <a:r>
-              <a:rPr sz="1700" dirty="0">
-                <a:latin typeface="Times New Roman"/>
-                <a:cs typeface="Times New Roman"/>
-              </a:rPr>
-              <a:t> </a:t>
-            </a:r>
-            <a:r>
-              <a:rPr sz="1700" spc="80" dirty="0">
-                <a:latin typeface="Times New Roman"/>
-                <a:cs typeface="Times New Roman"/>
-              </a:rPr>
-              <a:t> </a:t>
-            </a:r>
-            <a:r>
-              <a:rPr sz="1700" b="1" spc="-5" dirty="0">
-                <a:solidFill>
-                  <a:srgbClr val="000080"/>
-                </a:solidFill>
-                <a:latin typeface="Consolas"/>
-                <a:cs typeface="Consolas"/>
-              </a:rPr>
-              <a:t>numbe</a:t>
-            </a:r>
-            <a:r>
-              <a:rPr sz="1700" b="1" spc="5" dirty="0">
-                <a:solidFill>
-                  <a:srgbClr val="000080"/>
-                </a:solidFill>
-                <a:latin typeface="Consolas"/>
-                <a:cs typeface="Consolas"/>
-              </a:rPr>
-              <a:t>r</a:t>
-            </a:r>
-            <a:r>
-              <a:rPr sz="1700" b="1" dirty="0">
-                <a:solidFill>
-                  <a:srgbClr val="000080"/>
-                </a:solidFill>
-                <a:latin typeface="Times New Roman"/>
-                <a:cs typeface="Times New Roman"/>
-              </a:rPr>
-              <a:t> </a:t>
-            </a:r>
-            <a:r>
-              <a:rPr sz="1700" b="1" spc="90" dirty="0">
-                <a:solidFill>
-                  <a:srgbClr val="000080"/>
-                </a:solidFill>
-                <a:latin typeface="Times New Roman"/>
-                <a:cs typeface="Times New Roman"/>
-              </a:rPr>
-              <a:t> </a:t>
-            </a:r>
-            <a:r>
-              <a:rPr sz="1700" spc="-5" dirty="0">
-                <a:latin typeface="Consolas"/>
-                <a:cs typeface="Consolas"/>
-              </a:rPr>
-              <a:t>=</a:t>
-            </a:r>
-            <a:r>
-              <a:rPr sz="1700" dirty="0">
-                <a:solidFill>
-                  <a:srgbClr val="0000FF"/>
-                </a:solidFill>
-                <a:latin typeface="Consolas"/>
-                <a:cs typeface="Consolas"/>
-              </a:rPr>
-              <a:t>0</a:t>
-            </a:r>
-            <a:r>
-              <a:rPr sz="1700" spc="5" dirty="0">
-                <a:latin typeface="Consolas"/>
-                <a:cs typeface="Consolas"/>
-              </a:rPr>
-              <a:t>;</a:t>
-            </a:r>
-            <a:endParaRPr sz="1700">
-              <a:latin typeface="Consolas"/>
-              <a:cs typeface="Consolas"/>
-            </a:endParaRPr>
-          </a:p>
-          <a:p>
-            <a:pPr>
-              <a:lnSpc>
-                <a:spcPct val="100000"/>
-              </a:lnSpc>
-            </a:pPr>
-            <a:endParaRPr sz="1700">
-              <a:latin typeface="Times New Roman"/>
-              <a:cs typeface="Times New Roman"/>
-            </a:endParaRPr>
-          </a:p>
-          <a:p>
-            <a:pPr>
-              <a:lnSpc>
-                <a:spcPct val="100000"/>
-              </a:lnSpc>
-              <a:spcBef>
-                <a:spcPts val="36"/>
-              </a:spcBef>
-            </a:pPr>
-            <a:endParaRPr sz="1900">
-              <a:latin typeface="Times New Roman"/>
-              <a:cs typeface="Times New Roman"/>
-            </a:endParaRPr>
-          </a:p>
-          <a:p>
-            <a:pPr marL="930275">
-              <a:lnSpc>
-                <a:spcPct val="100000"/>
-              </a:lnSpc>
-            </a:pPr>
-            <a:r>
-              <a:rPr sz="1700" spc="-5" dirty="0">
-                <a:latin typeface="Consolas"/>
-                <a:cs typeface="Consolas"/>
-              </a:rPr>
-              <a:t>btnClick(){</a:t>
-            </a:r>
-            <a:endParaRPr sz="1700">
-              <a:latin typeface="Consolas"/>
-              <a:cs typeface="Consolas"/>
-            </a:endParaRPr>
-          </a:p>
-          <a:p>
-            <a:pPr marL="1289685">
-              <a:lnSpc>
-                <a:spcPct val="100000"/>
-              </a:lnSpc>
-              <a:spcBef>
-                <a:spcPts val="1065"/>
-              </a:spcBef>
-            </a:pPr>
-            <a:r>
-              <a:rPr sz="1700" spc="-5" dirty="0">
-                <a:latin typeface="Consolas"/>
-                <a:cs typeface="Consolas"/>
-              </a:rPr>
-              <a:t>alert(</a:t>
-            </a:r>
-            <a:r>
-              <a:rPr sz="1700" b="1" dirty="0">
-                <a:solidFill>
-                  <a:srgbClr val="008000"/>
-                </a:solidFill>
-                <a:latin typeface="Consolas"/>
-                <a:cs typeface="Consolas"/>
-              </a:rPr>
-              <a:t>'J</a:t>
-            </a:r>
-            <a:r>
-              <a:rPr sz="1700" b="1" spc="5" dirty="0">
-                <a:solidFill>
-                  <a:srgbClr val="008000"/>
-                </a:solidFill>
-                <a:latin typeface="Consolas"/>
-                <a:cs typeface="Consolas"/>
-              </a:rPr>
-              <a:t>e</a:t>
-            </a:r>
-            <a:r>
-              <a:rPr sz="1700" b="1" dirty="0">
-                <a:solidFill>
-                  <a:srgbClr val="008000"/>
-                </a:solidFill>
-                <a:latin typeface="Times New Roman"/>
-                <a:cs typeface="Times New Roman"/>
-              </a:rPr>
-              <a:t> </a:t>
-            </a:r>
-            <a:r>
-              <a:rPr sz="1700" b="1" spc="85" dirty="0">
-                <a:solidFill>
-                  <a:srgbClr val="008000"/>
-                </a:solidFill>
-                <a:latin typeface="Times New Roman"/>
-                <a:cs typeface="Times New Roman"/>
-              </a:rPr>
-              <a:t> </a:t>
-            </a:r>
-            <a:r>
-              <a:rPr sz="1700" b="1" spc="-5" dirty="0">
-                <a:solidFill>
-                  <a:srgbClr val="008000"/>
-                </a:solidFill>
-                <a:latin typeface="Consolas"/>
-                <a:cs typeface="Consolas"/>
-              </a:rPr>
-              <a:t>heb</a:t>
-            </a:r>
-            <a:r>
-              <a:rPr sz="1700" b="1" spc="5" dirty="0">
-                <a:solidFill>
-                  <a:srgbClr val="008000"/>
-                </a:solidFill>
-                <a:latin typeface="Consolas"/>
-                <a:cs typeface="Consolas"/>
-              </a:rPr>
-              <a:t>t</a:t>
-            </a:r>
-            <a:r>
-              <a:rPr sz="1700" b="1" dirty="0">
-                <a:solidFill>
-                  <a:srgbClr val="008000"/>
-                </a:solidFill>
-                <a:latin typeface="Times New Roman"/>
-                <a:cs typeface="Times New Roman"/>
-              </a:rPr>
-              <a:t> </a:t>
-            </a:r>
-            <a:r>
-              <a:rPr sz="1700" b="1" spc="85" dirty="0">
-                <a:solidFill>
-                  <a:srgbClr val="008000"/>
-                </a:solidFill>
-                <a:latin typeface="Times New Roman"/>
-                <a:cs typeface="Times New Roman"/>
-              </a:rPr>
-              <a:t> </a:t>
-            </a:r>
-            <a:r>
-              <a:rPr sz="1700" b="1" spc="-5" dirty="0">
-                <a:solidFill>
-                  <a:srgbClr val="008000"/>
-                </a:solidFill>
-                <a:latin typeface="Consolas"/>
-                <a:cs typeface="Consolas"/>
-              </a:rPr>
-              <a:t>'</a:t>
-            </a:r>
-            <a:r>
-              <a:rPr sz="1700" spc="5" dirty="0">
-                <a:latin typeface="Consolas"/>
-                <a:cs typeface="Consolas"/>
-              </a:rPr>
-              <a:t>+</a:t>
-            </a:r>
-            <a:r>
-              <a:rPr sz="1700" dirty="0">
-                <a:latin typeface="Times New Roman"/>
-                <a:cs typeface="Times New Roman"/>
-              </a:rPr>
-              <a:t> </a:t>
-            </a:r>
-            <a:r>
-              <a:rPr sz="1700" spc="80" dirty="0">
-                <a:latin typeface="Times New Roman"/>
-                <a:cs typeface="Times New Roman"/>
-              </a:rPr>
-              <a:t> </a:t>
-            </a:r>
-            <a:r>
-              <a:rPr sz="1700" dirty="0">
-                <a:latin typeface="Consolas"/>
-                <a:cs typeface="Consolas"/>
-              </a:rPr>
-              <a:t>+</a:t>
-            </a:r>
-            <a:r>
-              <a:rPr sz="1700" spc="-5" dirty="0">
-                <a:latin typeface="Consolas"/>
-                <a:cs typeface="Consolas"/>
-              </a:rPr>
-              <a:t>+</a:t>
-            </a:r>
-            <a:r>
-              <a:rPr sz="1700" b="1" spc="-5" dirty="0">
-                <a:solidFill>
-                  <a:srgbClr val="000080"/>
-                </a:solidFill>
-                <a:latin typeface="Consolas"/>
-                <a:cs typeface="Consolas"/>
-              </a:rPr>
-              <a:t>this</a:t>
-            </a:r>
-            <a:r>
-              <a:rPr sz="1700" spc="-5" dirty="0">
-                <a:latin typeface="Consolas"/>
-                <a:cs typeface="Consolas"/>
-              </a:rPr>
-              <a:t>.counte</a:t>
-            </a:r>
-            <a:r>
-              <a:rPr sz="1700" spc="5" dirty="0">
-                <a:latin typeface="Consolas"/>
-                <a:cs typeface="Consolas"/>
-              </a:rPr>
-              <a:t>r</a:t>
-            </a:r>
-            <a:r>
-              <a:rPr sz="1700" dirty="0">
-                <a:latin typeface="Times New Roman"/>
-                <a:cs typeface="Times New Roman"/>
-              </a:rPr>
-              <a:t> </a:t>
-            </a:r>
-            <a:r>
-              <a:rPr sz="1700" spc="90" dirty="0">
-                <a:latin typeface="Times New Roman"/>
-                <a:cs typeface="Times New Roman"/>
-              </a:rPr>
-              <a:t> </a:t>
-            </a:r>
-            <a:r>
-              <a:rPr sz="1700" spc="-10" dirty="0">
-                <a:latin typeface="Consolas"/>
-                <a:cs typeface="Consolas"/>
-              </a:rPr>
-              <a:t>+</a:t>
-            </a:r>
-            <a:r>
-              <a:rPr sz="1700" b="1" spc="5" dirty="0">
-                <a:solidFill>
-                  <a:srgbClr val="008000"/>
-                </a:solidFill>
-                <a:latin typeface="Consolas"/>
-                <a:cs typeface="Consolas"/>
-              </a:rPr>
-              <a:t>'</a:t>
-            </a:r>
-            <a:r>
-              <a:rPr sz="1700" b="1" dirty="0">
-                <a:solidFill>
-                  <a:srgbClr val="008000"/>
-                </a:solidFill>
-                <a:latin typeface="Times New Roman"/>
-                <a:cs typeface="Times New Roman"/>
-              </a:rPr>
-              <a:t> </a:t>
-            </a:r>
-            <a:r>
-              <a:rPr sz="1700" b="1" spc="80" dirty="0">
-                <a:solidFill>
-                  <a:srgbClr val="008000"/>
-                </a:solidFill>
-                <a:latin typeface="Times New Roman"/>
-                <a:cs typeface="Times New Roman"/>
-              </a:rPr>
-              <a:t> </a:t>
-            </a:r>
-            <a:r>
-              <a:rPr sz="1700" b="1" dirty="0">
-                <a:solidFill>
-                  <a:srgbClr val="008000"/>
-                </a:solidFill>
-                <a:latin typeface="Consolas"/>
-                <a:cs typeface="Consolas"/>
-              </a:rPr>
-              <a:t>kee</a:t>
-            </a:r>
-            <a:r>
-              <a:rPr sz="1700" b="1" spc="5" dirty="0">
-                <a:solidFill>
-                  <a:srgbClr val="008000"/>
-                </a:solidFill>
-                <a:latin typeface="Consolas"/>
-                <a:cs typeface="Consolas"/>
-              </a:rPr>
-              <a:t>r</a:t>
-            </a:r>
-            <a:r>
-              <a:rPr sz="1700" b="1" dirty="0">
-                <a:solidFill>
-                  <a:srgbClr val="008000"/>
-                </a:solidFill>
-                <a:latin typeface="Times New Roman"/>
-                <a:cs typeface="Times New Roman"/>
-              </a:rPr>
-              <a:t> </a:t>
-            </a:r>
-            <a:r>
-              <a:rPr sz="1700" b="1" spc="80" dirty="0">
-                <a:solidFill>
-                  <a:srgbClr val="008000"/>
-                </a:solidFill>
-                <a:latin typeface="Times New Roman"/>
-                <a:cs typeface="Times New Roman"/>
-              </a:rPr>
-              <a:t> </a:t>
-            </a:r>
-            <a:r>
-              <a:rPr sz="1700" b="1" spc="-5" dirty="0">
-                <a:solidFill>
-                  <a:srgbClr val="008000"/>
-                </a:solidFill>
-                <a:latin typeface="Consolas"/>
-                <a:cs typeface="Consolas"/>
-              </a:rPr>
-              <a:t>geklikt</a:t>
-            </a:r>
-            <a:r>
-              <a:rPr sz="1700" b="1" dirty="0">
-                <a:solidFill>
-                  <a:srgbClr val="008000"/>
-                </a:solidFill>
-                <a:latin typeface="Consolas"/>
-                <a:cs typeface="Consolas"/>
-              </a:rPr>
-              <a:t>'</a:t>
-            </a:r>
-            <a:r>
-              <a:rPr sz="1700" spc="-5" dirty="0">
-                <a:latin typeface="Consolas"/>
-                <a:cs typeface="Consolas"/>
-              </a:rPr>
-              <a:t>);</a:t>
-            </a:r>
-            <a:endParaRPr sz="1700">
-              <a:latin typeface="Consolas"/>
-              <a:cs typeface="Consolas"/>
-            </a:endParaRPr>
-          </a:p>
-          <a:p>
-            <a:pPr marL="930275">
-              <a:lnSpc>
-                <a:spcPct val="100000"/>
-              </a:lnSpc>
-              <a:spcBef>
-                <a:spcPts val="1065"/>
-              </a:spcBef>
-            </a:pPr>
-            <a:r>
-              <a:rPr sz="1700" spc="5" dirty="0">
-                <a:latin typeface="Consolas"/>
-                <a:cs typeface="Consolas"/>
-              </a:rPr>
               <a:t>}</a:t>
             </a:r>
-            <a:endParaRPr sz="1700">
+            <a:endParaRPr sz="1700" dirty="0">
               <a:latin typeface="Consolas"/>
               <a:cs typeface="Consolas"/>
             </a:endParaRPr>
@@ -15223,7 +15242,7 @@
               </a:rPr>
               <a:t>}</a:t>
             </a:r>
-            <a:endParaRPr sz="1700">
+            <a:endParaRPr sz="1700" dirty="0">
               <a:latin typeface="Consolas"/>
               <a:cs typeface="Consolas"/>
             </a:endParaRPr>
@@ -15338,7 +15357,7 @@
         <p:spPr>
           <a:xfrm>
             <a:off x="1270394" y="1250149"/>
-            <a:ext cx="8794115" cy="4536627"/>
+            <a:ext cx="8794115" cy="4767459"/>
           </a:xfrm>
           <a:prstGeom prst="rect">
             <a:avLst/>
@@ -15559,10 +15578,20 @@
             </a:r>
             <a:r>
               <a:rPr sz="1500" spc="5" dirty="0">
-                <a:latin typeface="Consolas"/>
-                <a:cs typeface="Consolas"/>
-              </a:rPr>
-              <a:t>(keyup)=</a:t>
+                <a:solidFill>
+                  <a:srgbClr val="C00000"/>
+                </a:solidFill>
+                <a:latin typeface="Consolas"/>
+                <a:cs typeface="Consolas"/>
+              </a:rPr>
+              <a:t>(keyup)</a:t>
+            </a:r>
+            <a:r>
+              <a:rPr sz="1500" spc="5" dirty="0">
+                <a:latin typeface="Consolas"/>
+                <a:cs typeface="Consolas"/>
+              </a:rPr>
+              <a:t>=</a:t>
             </a:r>
             <a:r>
               <a:rPr sz="1500" b="1" spc="5" dirty="0">
@@ -15572,7 +15601,27 @@
                 <a:latin typeface="Consolas"/>
                 <a:cs typeface="Consolas"/>
               </a:rPr>
-              <a:t>"onKeyUp($event)"</a:t>
+              <a:t>"onKeyUp(</a:t>
+            </a:r>
+            <a:r>
+              <a:rPr sz="1500" b="1" spc="5" dirty="0">
+                <a:solidFill>
+                  <a:srgbClr val="C00000"/>
+                </a:solidFill>
+                <a:latin typeface="Consolas"/>
+                <a:cs typeface="Consolas"/>
+              </a:rPr>
+              <a:t>$event</a:t>
+            </a:r>
+            <a:r>
+              <a:rPr sz="1500" b="1" spc="5" dirty="0">
+                <a:solidFill>
+                  <a:srgbClr val="008000"/>
+                </a:solidFill>
+                <a:latin typeface="Consolas"/>
+                <a:cs typeface="Consolas"/>
+              </a:rPr>
+              <a:t>)"</a:t>
             </a:r>
             <a:r>
               <a:rPr sz="1500" dirty="0">
@@ -16286,6 +16335,17 @@
               </a:lnSpc>
             </a:pPr>
             <a:endParaRPr sz="1500" dirty="0">
+              <a:latin typeface="Times New Roman"/>
+              <a:cs typeface="Times New Roman"/>
+            </a:endParaRPr>
+          </a:p>
+          <a:p>
+            <a:pPr>
+              <a:lnSpc>
+                <a:spcPct val="100000"/>
+              </a:lnSpc>
+            </a:pPr>
+            <a:endParaRPr lang="nl-NL" sz="1500" dirty="0">
               <a:latin typeface="Times New Roman"/>
               <a:cs typeface="Times New Roman"/>
             </a:endParaRPr>
@@ -17057,7 +17117,7 @@
         <p:spPr>
           <a:xfrm>
             <a:off x="1266584" y="1627268"/>
-            <a:ext cx="9171305" cy="3640997"/>
+            <a:ext cx="9171305" cy="1955920"/>
           </a:xfrm>
           <a:prstGeom prst="rect">
             <a:avLst/>
@@ -17452,186 +17512,6 @@
                 <a:spcPct val="100000"/>
               </a:lnSpc>
               <a:spcBef>
-                <a:spcPts val="1820"/>
-              </a:spcBef>
-              <a:buFont typeface="Verdana"/>
-              <a:buChar char="•"/>
-              <a:tabLst>
-                <a:tab pos="354330" algn="l"/>
-              </a:tabLst>
-            </a:pPr>
-            <a:r>
-              <a:rPr sz="2150" spc="-5" dirty="0">
-                <a:latin typeface="Verdana"/>
-                <a:cs typeface="Verdana"/>
-              </a:rPr>
-              <a:t>Gebrui</a:t>
-            </a:r>
-            <a:r>
-              <a:rPr sz="2150" dirty="0">
-                <a:latin typeface="Verdana"/>
-                <a:cs typeface="Verdana"/>
-              </a:rPr>
-              <a:t>k</a:t>
-            </a:r>
-            <a:r>
-              <a:rPr sz="2150" spc="220" dirty="0">
-                <a:latin typeface="Times New Roman"/>
-                <a:cs typeface="Times New Roman"/>
-              </a:rPr>
-              <a:t> </a:t>
-            </a:r>
-            <a:r>
-              <a:rPr sz="2150" dirty="0">
-                <a:latin typeface="Verdana"/>
-                <a:cs typeface="Verdana"/>
-              </a:rPr>
-              <a:t>#</a:t>
-            </a:r>
-            <a:r>
-              <a:rPr sz="2150" spc="210" dirty="0">
-                <a:latin typeface="Times New Roman"/>
-                <a:cs typeface="Times New Roman"/>
-              </a:rPr>
-              <a:t> </a:t>
-            </a:r>
-            <a:r>
-              <a:rPr sz="2150" spc="-5" dirty="0">
-                <a:latin typeface="Verdana"/>
-                <a:cs typeface="Verdana"/>
-              </a:rPr>
-              <a:t>o</a:t>
-            </a:r>
-            <a:r>
-              <a:rPr sz="2150" dirty="0">
-                <a:latin typeface="Verdana"/>
-                <a:cs typeface="Verdana"/>
-              </a:rPr>
-              <a:t>m</a:t>
-            </a:r>
-            <a:r>
-              <a:rPr sz="2150" spc="210" dirty="0">
-                <a:latin typeface="Times New Roman"/>
-                <a:cs typeface="Times New Roman"/>
-              </a:rPr>
-              <a:t> </a:t>
-            </a:r>
-            <a:r>
-              <a:rPr sz="2150" dirty="0">
-                <a:latin typeface="Verdana"/>
-                <a:cs typeface="Verdana"/>
-              </a:rPr>
-              <a:t>een</a:t>
-            </a:r>
-            <a:r>
-              <a:rPr sz="2150" spc="210" dirty="0">
-                <a:latin typeface="Times New Roman"/>
-                <a:cs typeface="Times New Roman"/>
-              </a:rPr>
-              <a:t> </a:t>
-            </a:r>
-            <a:r>
-              <a:rPr sz="2150" spc="-5" dirty="0">
-                <a:latin typeface="Verdana"/>
-                <a:cs typeface="Verdana"/>
-              </a:rPr>
-              <a:t>loca</a:t>
-            </a:r>
-            <a:r>
-              <a:rPr sz="2150" dirty="0">
-                <a:latin typeface="Verdana"/>
-                <a:cs typeface="Verdana"/>
-              </a:rPr>
-              <a:t>l</a:t>
-            </a:r>
-            <a:r>
-              <a:rPr sz="2150" spc="200" dirty="0">
-                <a:latin typeface="Times New Roman"/>
-                <a:cs typeface="Times New Roman"/>
-              </a:rPr>
-              <a:t> </a:t>
-            </a:r>
-            <a:r>
-              <a:rPr sz="2150" dirty="0">
-                <a:latin typeface="Verdana"/>
-                <a:cs typeface="Verdana"/>
-              </a:rPr>
-              <a:t>template</a:t>
-            </a:r>
-            <a:r>
-              <a:rPr sz="2150" spc="204" dirty="0">
-                <a:latin typeface="Times New Roman"/>
-                <a:cs typeface="Times New Roman"/>
-              </a:rPr>
-              <a:t> </a:t>
-            </a:r>
-            <a:r>
-              <a:rPr sz="2150" spc="-45" dirty="0">
-                <a:latin typeface="Verdana"/>
-                <a:cs typeface="Verdana"/>
-              </a:rPr>
-              <a:t>v</a:t>
-            </a:r>
-            <a:r>
-              <a:rPr sz="2150" spc="-5" dirty="0">
-                <a:latin typeface="Verdana"/>
-                <a:cs typeface="Verdana"/>
-              </a:rPr>
-              <a:t>ariabl</a:t>
-            </a:r>
-            <a:r>
-              <a:rPr sz="2150" dirty="0">
-                <a:latin typeface="Verdana"/>
-                <a:cs typeface="Verdana"/>
-              </a:rPr>
-              <a:t>e</a:t>
-            </a:r>
-            <a:r>
-              <a:rPr sz="2150" spc="204" dirty="0">
-                <a:latin typeface="Times New Roman"/>
-                <a:cs typeface="Times New Roman"/>
-              </a:rPr>
-              <a:t> </a:t>
-            </a:r>
-            <a:r>
-              <a:rPr sz="2150" spc="-5" dirty="0">
-                <a:latin typeface="Verdana"/>
-                <a:cs typeface="Verdana"/>
-              </a:rPr>
-              <a:t>t</a:t>
-            </a:r>
-            <a:r>
-              <a:rPr sz="2150" dirty="0">
-                <a:latin typeface="Verdana"/>
-                <a:cs typeface="Verdana"/>
-              </a:rPr>
-              <a:t>e</a:t>
-            </a:r>
-            <a:r>
-              <a:rPr sz="2150" spc="210" dirty="0">
-                <a:latin typeface="Times New Roman"/>
-                <a:cs typeface="Times New Roman"/>
-              </a:rPr>
-              <a:t> </a:t>
-            </a:r>
-            <a:r>
-              <a:rPr sz="2150" spc="-5" dirty="0">
-                <a:latin typeface="Verdana"/>
-                <a:cs typeface="Verdana"/>
-              </a:rPr>
-              <a:t>declareren.</a:t>
-            </a:r>
-            <a:endParaRPr sz="2150" dirty="0">
-              <a:latin typeface="Verdana"/>
-              <a:cs typeface="Verdana"/>
-            </a:endParaRPr>
-          </a:p>
-          <a:p>
-            <a:pPr marL="353695" indent="-340995">
-              <a:lnSpc>
-                <a:spcPct val="100000"/>
-              </a:lnSpc>
-              <a:spcBef>
                 <a:spcPts val="1825"/>
               </a:spcBef>
               <a:buFont typeface="Verdana"/>
@@ -17641,240 +17521,6 @@
               </a:tabLst>
             </a:pPr>
             <a:r>
-              <a:rPr sz="2150" spc="-5" dirty="0">
-                <a:latin typeface="Verdana"/>
-                <a:cs typeface="Verdana"/>
-              </a:rPr>
-              <a:t>O</a:t>
-            </a:r>
-            <a:r>
-              <a:rPr sz="2150" dirty="0">
-                <a:latin typeface="Verdana"/>
-                <a:cs typeface="Verdana"/>
-              </a:rPr>
-              <a:t>p</a:t>
-            </a:r>
-            <a:r>
-              <a:rPr sz="2150" spc="220" dirty="0">
-                <a:latin typeface="Times New Roman"/>
-                <a:cs typeface="Times New Roman"/>
-              </a:rPr>
-              <a:t> </a:t>
-            </a:r>
-            <a:r>
-              <a:rPr sz="2150" spc="-5" dirty="0">
-                <a:latin typeface="Verdana"/>
-                <a:cs typeface="Verdana"/>
-              </a:rPr>
-              <a:t>dez</a:t>
-            </a:r>
-            <a:r>
-              <a:rPr sz="2150" dirty="0">
-                <a:latin typeface="Verdana"/>
-                <a:cs typeface="Verdana"/>
-              </a:rPr>
-              <a:t>e</a:t>
-            </a:r>
-            <a:r>
-              <a:rPr sz="2150" spc="215" dirty="0">
-                <a:latin typeface="Times New Roman"/>
-                <a:cs typeface="Times New Roman"/>
-              </a:rPr>
-              <a:t> </a:t>
-            </a:r>
-            <a:r>
-              <a:rPr sz="2150" dirty="0">
-                <a:latin typeface="Verdana"/>
-                <a:cs typeface="Verdana"/>
-              </a:rPr>
-              <a:t>manier</a:t>
-            </a:r>
-            <a:r>
-              <a:rPr sz="2150" spc="200" dirty="0">
-                <a:latin typeface="Times New Roman"/>
-                <a:cs typeface="Times New Roman"/>
-              </a:rPr>
-              <a:t> </a:t>
-            </a:r>
-            <a:r>
-              <a:rPr sz="2150" spc="-5" dirty="0">
-                <a:latin typeface="Verdana"/>
-                <a:cs typeface="Verdana"/>
-              </a:rPr>
-              <a:t>zij</a:t>
-            </a:r>
-            <a:r>
-              <a:rPr sz="2150" dirty="0">
-                <a:latin typeface="Verdana"/>
-                <a:cs typeface="Verdana"/>
-              </a:rPr>
-              <a:t>n</a:t>
-            </a:r>
-            <a:r>
-              <a:rPr sz="2150" spc="204" dirty="0">
-                <a:latin typeface="Times New Roman"/>
-                <a:cs typeface="Times New Roman"/>
-              </a:rPr>
-              <a:t> </a:t>
-            </a:r>
-            <a:r>
-              <a:rPr sz="2150" spc="-5" dirty="0">
-                <a:latin typeface="Verdana"/>
-                <a:cs typeface="Verdana"/>
-              </a:rPr>
-              <a:t>ee</a:t>
-            </a:r>
-            <a:r>
-              <a:rPr sz="2150" spc="-25" dirty="0">
-                <a:latin typeface="Verdana"/>
-                <a:cs typeface="Verdana"/>
-              </a:rPr>
-              <a:t>n</a:t>
-            </a:r>
-            <a:r>
-              <a:rPr sz="2150" spc="-20" dirty="0">
-                <a:latin typeface="Verdana"/>
-                <a:cs typeface="Verdana"/>
-              </a:rPr>
-              <a:t>v</a:t>
-            </a:r>
-            <a:r>
-              <a:rPr sz="2150" dirty="0">
-                <a:latin typeface="Verdana"/>
-                <a:cs typeface="Verdana"/>
-              </a:rPr>
-              <a:t>o</a:t>
-            </a:r>
-            <a:r>
-              <a:rPr sz="2150" spc="-5" dirty="0">
-                <a:latin typeface="Verdana"/>
-                <a:cs typeface="Verdana"/>
-              </a:rPr>
-              <a:t>udig</a:t>
-            </a:r>
-            <a:r>
-              <a:rPr sz="2150" dirty="0">
-                <a:latin typeface="Verdana"/>
-                <a:cs typeface="Verdana"/>
-              </a:rPr>
-              <a:t>e</a:t>
-            </a:r>
-            <a:r>
-              <a:rPr sz="2150" spc="200" dirty="0">
-                <a:latin typeface="Times New Roman"/>
-                <a:cs typeface="Times New Roman"/>
-              </a:rPr>
-              <a:t> </a:t>
-            </a:r>
-            <a:r>
-              <a:rPr sz="2150" spc="-5" dirty="0">
-                <a:latin typeface="Verdana"/>
-                <a:cs typeface="Verdana"/>
-              </a:rPr>
-              <a:t>CRUD-ope</a:t>
-            </a:r>
-            <a:r>
-              <a:rPr sz="2150" spc="-30" dirty="0">
-                <a:latin typeface="Verdana"/>
-                <a:cs typeface="Verdana"/>
-              </a:rPr>
-              <a:t>r</a:t>
-            </a:r>
-            <a:r>
-              <a:rPr sz="2150" spc="-5" dirty="0">
-                <a:latin typeface="Verdana"/>
-                <a:cs typeface="Verdana"/>
-              </a:rPr>
-              <a:t>ation</a:t>
-            </a:r>
-            <a:r>
-              <a:rPr sz="2150" dirty="0">
-                <a:latin typeface="Verdana"/>
-                <a:cs typeface="Verdana"/>
-              </a:rPr>
-              <a:t>s</a:t>
-            </a:r>
-            <a:r>
-              <a:rPr sz="2150" spc="204" dirty="0">
-                <a:latin typeface="Times New Roman"/>
-                <a:cs typeface="Times New Roman"/>
-              </a:rPr>
-              <a:t> </a:t>
-            </a:r>
-            <a:r>
-              <a:rPr sz="2150" spc="-5" dirty="0">
-                <a:latin typeface="Verdana"/>
-                <a:cs typeface="Verdana"/>
-              </a:rPr>
-              <a:t>t</a:t>
-            </a:r>
-            <a:r>
-              <a:rPr sz="2150" dirty="0">
-                <a:latin typeface="Verdana"/>
-                <a:cs typeface="Verdana"/>
-              </a:rPr>
-              <a:t>e</a:t>
-            </a:r>
-            <a:r>
-              <a:rPr sz="2150" spc="204" dirty="0">
-                <a:latin typeface="Times New Roman"/>
-                <a:cs typeface="Times New Roman"/>
-              </a:rPr>
-              <a:t> </a:t>
-            </a:r>
-            <a:r>
-              <a:rPr sz="2150" spc="-5" dirty="0" err="1">
-                <a:latin typeface="Verdana"/>
-                <a:cs typeface="Verdana"/>
-              </a:rPr>
-              <a:t>realiseren</a:t>
-            </a:r>
-            <a:r>
-              <a:rPr sz="2150" spc="-5" dirty="0">
-                <a:latin typeface="Verdana"/>
-                <a:cs typeface="Verdana"/>
-              </a:rPr>
-              <a:t>.</a:t>
-            </a:r>
-            <a:endParaRPr lang="nl-NL" sz="2150" spc="-5" dirty="0">
-              <a:latin typeface="Verdana"/>
-              <a:cs typeface="Verdana"/>
-            </a:endParaRPr>
-          </a:p>
-          <a:p>
-            <a:pPr marL="353695" indent="-340995">
-              <a:lnSpc>
-                <a:spcPct val="100000"/>
-              </a:lnSpc>
-              <a:spcBef>
-                <a:spcPts val="1825"/>
-              </a:spcBef>
-              <a:buFont typeface="Verdana"/>
-              <a:buChar char="•"/>
-              <a:tabLst>
-                <a:tab pos="354330" algn="l"/>
-              </a:tabLst>
-            </a:pPr>
-            <a:endParaRPr lang="en-US" sz="2150" spc="-5" dirty="0">
-              <a:latin typeface="Verdana"/>
-              <a:cs typeface="Verdana"/>
-            </a:endParaRPr>
-          </a:p>
-          <a:p>
-            <a:pPr marL="353695" indent="-340995">
-              <a:lnSpc>
-                <a:spcPct val="100000"/>
-              </a:lnSpc>
-              <a:spcBef>
-                <a:spcPts val="1825"/>
-              </a:spcBef>
-              <a:buFont typeface="Verdana"/>
-              <a:buChar char="•"/>
-              <a:tabLst>
-                <a:tab pos="354330" algn="l"/>
-              </a:tabLst>
-            </a:pPr>
-            <a:r>
               <a:rPr lang="en-US" sz="2150" b="1" spc="-5" dirty="0" err="1">
                 <a:latin typeface="Verdana"/>
                 <a:cs typeface="Verdana"/>
@@ -17886,7 +17532,7 @@
                 <a:latin typeface="Verdana"/>
                 <a:cs typeface="Verdana"/>
               </a:rPr>
-              <a:t> 2a + 2b</a:t>
+              <a:t> 3a + 3b</a:t>
             </a:r>
             <a:endParaRPr sz="2150" b="1" dirty="0">
               <a:latin typeface="Verdana"/>
@@ -18005,6 +17651,10 @@
           </p:nvPr>
         </p:nvSpPr>
         <p:spPr>
+          <a:xfrm>
+            <a:off x="1384300" y="472182"/>
+            <a:ext cx="8633854" cy="423193"/>
+          </a:xfrm>
           <a:prstGeom prst="rect">
             <a:avLst/>
           </a:prstGeom>
@@ -18047,29 +17697,55 @@
               <a:t> </a:t>
             </a:r>
             <a:r>
-              <a:rPr spc="10" dirty="0"/>
-              <a:t>local</a:t>
+              <a:rPr lang="en-US" spc="10" dirty="0">
+                <a:solidFill>
+                  <a:srgbClr val="C00000"/>
+                </a:solidFill>
+              </a:rPr>
+              <a:t>lo</a:t>
+            </a:r>
+            <a:r>
+              <a:rPr spc="10" dirty="0">
+                <a:solidFill>
+                  <a:srgbClr val="C00000"/>
+                </a:solidFill>
+              </a:rPr>
+              <a:t>cal</a:t>
             </a:r>
             <a:r>
               <a:rPr spc="275" dirty="0">
-                <a:latin typeface="Times New Roman"/>
-                <a:cs typeface="Times New Roman"/>
-              </a:rPr>
-              <a:t> </a:t>
-            </a:r>
-            <a:r>
-              <a:rPr spc="15" dirty="0"/>
+                <a:solidFill>
+                  <a:srgbClr val="C00000"/>
+                </a:solidFill>
+                <a:latin typeface="Times New Roman"/>
+                <a:cs typeface="Times New Roman"/>
+              </a:rPr>
+              <a:t> </a:t>
+            </a:r>
+            <a:r>
+              <a:rPr spc="15" dirty="0">
+                <a:solidFill>
+                  <a:srgbClr val="C00000"/>
+                </a:solidFill>
+              </a:rPr>
               <a:t>template</a:t>
             </a:r>
             <a:r>
               <a:rPr spc="245" dirty="0">
-                <a:latin typeface="Times New Roman"/>
-                <a:cs typeface="Times New Roman"/>
-              </a:rPr>
-              <a:t> </a:t>
-            </a:r>
-            <a:r>
-              <a:rPr spc="15" dirty="0"/>
+                <a:solidFill>
+                  <a:srgbClr val="C00000"/>
+                </a:solidFill>
+                <a:latin typeface="Times New Roman"/>
+                <a:cs typeface="Times New Roman"/>
+              </a:rPr>
+              <a:t> </a:t>
+            </a:r>
+            <a:r>
+              <a:rPr spc="15" dirty="0">
+                <a:solidFill>
+                  <a:srgbClr val="C00000"/>
+                </a:solidFill>
+              </a:rPr>
               <a:t>variable</a:t>
             </a:r>
           </a:p>
@@ -18117,6 +17793,9 @@
             </a:r>
             <a:r>
               <a:rPr sz="1950" i="1" spc="-15" dirty="0">
+                <a:solidFill>
+                  <a:srgbClr val="C00000"/>
+                </a:solidFill>
                 <a:latin typeface="Verdana"/>
                 <a:cs typeface="Verdana"/>
               </a:rPr>
@@ -18124,6 +17803,9 @@
             </a:r>
             <a:r>
               <a:rPr sz="1950" i="1" spc="-10" dirty="0">
+                <a:solidFill>
+                  <a:srgbClr val="C00000"/>
+                </a:solidFill>
                 <a:latin typeface="Verdana"/>
                 <a:cs typeface="Verdana"/>
               </a:rPr>
@@ -18131,6 +17813,9 @@
             </a:r>
             <a:r>
               <a:rPr sz="1950" i="1" spc="195" dirty="0">
+                <a:solidFill>
+                  <a:srgbClr val="C00000"/>
+                </a:solidFill>
                 <a:latin typeface="Times New Roman"/>
                 <a:cs typeface="Times New Roman"/>
               </a:rPr>
@@ -18138,6 +17823,9 @@
             </a:r>
             <a:r>
               <a:rPr sz="1950" i="1" spc="-15" dirty="0">
+                <a:solidFill>
+                  <a:srgbClr val="C00000"/>
+                </a:solidFill>
                 <a:latin typeface="Verdana"/>
                 <a:cs typeface="Verdana"/>
               </a:rPr>
@@ -18145,6 +17833,9 @@
             </a:r>
             <a:r>
               <a:rPr sz="1950" i="1" spc="195" dirty="0">
+                <a:solidFill>
+                  <a:srgbClr val="C00000"/>
+                </a:solidFill>
                 <a:latin typeface="Times New Roman"/>
                 <a:cs typeface="Times New Roman"/>
               </a:rPr>
@@ -18152,6 +17843,9 @@
             </a:r>
             <a:r>
               <a:rPr sz="1950" i="1" spc="-10" dirty="0">
+                <a:solidFill>
+                  <a:srgbClr val="C00000"/>
+                </a:solidFill>
                 <a:latin typeface="Verdana"/>
                 <a:cs typeface="Verdana"/>
               </a:rPr>
@@ -18159,6 +17853,9 @@
             </a:r>
             <a:r>
               <a:rPr sz="1950" i="1" spc="190" dirty="0">
+                <a:solidFill>
+                  <a:srgbClr val="C00000"/>
+                </a:solidFill>
                 <a:latin typeface="Times New Roman"/>
                 <a:cs typeface="Times New Roman"/>
               </a:rPr>
@@ -18351,7 +18048,7 @@
         <p:spPr>
           <a:xfrm>
             <a:off x="1195713" y="3063472"/>
-            <a:ext cx="8339455" cy="3618939"/>
+            <a:ext cx="8339455" cy="3919022"/>
           </a:xfrm>
           <a:prstGeom prst="rect">
             <a:avLst/>
@@ -18369,180 +18066,276 @@
               </a:lnSpc>
             </a:pPr>
             <a:r>
-              <a:rPr sz="1950" spc="-10" dirty="0">
+              <a:rPr sz="1950" i="1" spc="-10" dirty="0">
+                <a:solidFill>
+                  <a:srgbClr val="C00000"/>
+                </a:solidFill>
                 <a:latin typeface="Verdana"/>
                 <a:cs typeface="Verdana"/>
               </a:rPr>
               <a:t>Let</a:t>
             </a:r>
             <a:r>
-              <a:rPr sz="1950" spc="190" dirty="0">
-                <a:latin typeface="Times New Roman"/>
-                <a:cs typeface="Times New Roman"/>
-              </a:rPr>
-              <a:t> </a:t>
-            </a:r>
-            <a:r>
-              <a:rPr sz="1950" spc="-20" dirty="0">
+              <a:rPr sz="1950" i="1" spc="190" dirty="0">
+                <a:solidFill>
+                  <a:srgbClr val="C00000"/>
+                </a:solidFill>
+                <a:latin typeface="Times New Roman"/>
+                <a:cs typeface="Times New Roman"/>
+              </a:rPr>
+              <a:t> </a:t>
+            </a:r>
+            <a:r>
+              <a:rPr sz="1950" i="1" spc="-20" dirty="0">
+                <a:solidFill>
+                  <a:srgbClr val="C00000"/>
+                </a:solidFill>
                 <a:latin typeface="Verdana"/>
                 <a:cs typeface="Verdana"/>
               </a:rPr>
               <a:t>op</a:t>
             </a:r>
             <a:r>
-              <a:rPr sz="1950" spc="-10" dirty="0">
+              <a:rPr sz="1950" i="1" spc="-10" dirty="0">
+                <a:solidFill>
+                  <a:srgbClr val="C00000"/>
+                </a:solidFill>
                 <a:latin typeface="Verdana"/>
                 <a:cs typeface="Verdana"/>
               </a:rPr>
               <a:t>:</a:t>
             </a:r>
             <a:r>
-              <a:rPr sz="1950" spc="195" dirty="0">
-                <a:latin typeface="Times New Roman"/>
-                <a:cs typeface="Times New Roman"/>
-              </a:rPr>
-              <a:t> </a:t>
-            </a:r>
-            <a:r>
-              <a:rPr sz="1950" spc="-20" dirty="0">
+              <a:rPr sz="1950" i="1" spc="195" dirty="0">
+                <a:solidFill>
+                  <a:srgbClr val="C00000"/>
+                </a:solidFill>
+                <a:latin typeface="Times New Roman"/>
+                <a:cs typeface="Times New Roman"/>
+              </a:rPr>
+              <a:t> </a:t>
+            </a:r>
+            <a:r>
+              <a:rPr sz="1950" i="1" spc="-20" dirty="0">
+                <a:solidFill>
+                  <a:srgbClr val="C00000"/>
+                </a:solidFill>
                 <a:latin typeface="Verdana"/>
                 <a:cs typeface="Verdana"/>
               </a:rPr>
               <a:t>wé</a:t>
             </a:r>
             <a:r>
-              <a:rPr sz="1950" spc="-10" dirty="0">
+              <a:rPr sz="1950" i="1" spc="-10" dirty="0">
+                <a:solidFill>
+                  <a:srgbClr val="C00000"/>
+                </a:solidFill>
                 <a:latin typeface="Verdana"/>
                 <a:cs typeface="Verdana"/>
               </a:rPr>
               <a:t>l</a:t>
             </a:r>
             <a:r>
-              <a:rPr sz="1950" spc="215" dirty="0">
-                <a:latin typeface="Times New Roman"/>
-                <a:cs typeface="Times New Roman"/>
-              </a:rPr>
-              <a:t> </a:t>
-            </a:r>
-            <a:r>
-              <a:rPr sz="1950" spc="-20" dirty="0">
+              <a:rPr sz="1950" i="1" spc="215" dirty="0">
+                <a:solidFill>
+                  <a:srgbClr val="C00000"/>
+                </a:solidFill>
+                <a:latin typeface="Times New Roman"/>
+                <a:cs typeface="Times New Roman"/>
+              </a:rPr>
+              <a:t> </a:t>
+            </a:r>
+            <a:r>
+              <a:rPr sz="1950" i="1" spc="-20" dirty="0">
+                <a:solidFill>
+                  <a:srgbClr val="C00000"/>
+                </a:solidFill>
                 <a:latin typeface="Verdana"/>
                 <a:cs typeface="Verdana"/>
               </a:rPr>
               <a:t>binde</a:t>
             </a:r>
             <a:r>
-              <a:rPr sz="1950" spc="-15" dirty="0">
+              <a:rPr sz="1950" i="1" spc="-15" dirty="0">
+                <a:solidFill>
+                  <a:srgbClr val="C00000"/>
+                </a:solidFill>
                 <a:latin typeface="Verdana"/>
                 <a:cs typeface="Verdana"/>
               </a:rPr>
               <a:t>n</a:t>
             </a:r>
             <a:r>
-              <a:rPr sz="1950" spc="215" dirty="0">
-                <a:latin typeface="Times New Roman"/>
-                <a:cs typeface="Times New Roman"/>
-              </a:rPr>
-              <a:t> </a:t>
-            </a:r>
-            <a:r>
-              <a:rPr sz="1950" spc="-15" dirty="0">
+              <a:rPr sz="1950" i="1" spc="215" dirty="0">
+                <a:solidFill>
+                  <a:srgbClr val="C00000"/>
+                </a:solidFill>
+                <a:latin typeface="Times New Roman"/>
+                <a:cs typeface="Times New Roman"/>
+              </a:rPr>
+              <a:t> </a:t>
+            </a:r>
+            <a:r>
+              <a:rPr sz="1950" i="1" spc="-15" dirty="0">
+                <a:solidFill>
+                  <a:srgbClr val="C00000"/>
+                </a:solidFill>
                 <a:latin typeface="Verdana"/>
                 <a:cs typeface="Verdana"/>
               </a:rPr>
               <a:t>aan</a:t>
             </a:r>
             <a:r>
-              <a:rPr sz="1950" spc="190" dirty="0">
-                <a:latin typeface="Times New Roman"/>
-                <a:cs typeface="Times New Roman"/>
-              </a:rPr>
-              <a:t> </a:t>
-            </a:r>
-            <a:r>
-              <a:rPr sz="1950" spc="-15" dirty="0">
+              <a:rPr sz="1950" i="1" spc="190" dirty="0">
+                <a:solidFill>
+                  <a:srgbClr val="C00000"/>
+                </a:solidFill>
+                <a:latin typeface="Times New Roman"/>
+                <a:cs typeface="Times New Roman"/>
+              </a:rPr>
+              <a:t> </a:t>
+            </a:r>
+            <a:r>
+              <a:rPr sz="1950" i="1" spc="-15" dirty="0">
+                <a:solidFill>
+                  <a:srgbClr val="C00000"/>
+                </a:solidFill>
                 <a:latin typeface="Verdana"/>
                 <a:cs typeface="Verdana"/>
               </a:rPr>
               <a:t>e</a:t>
             </a:r>
             <a:r>
-              <a:rPr sz="1950" spc="-35" dirty="0">
+              <a:rPr sz="1950" i="1" spc="-35" dirty="0">
+                <a:solidFill>
+                  <a:srgbClr val="C00000"/>
+                </a:solidFill>
                 <a:latin typeface="Verdana"/>
                 <a:cs typeface="Verdana"/>
               </a:rPr>
               <a:t>v</a:t>
             </a:r>
             <a:r>
-              <a:rPr sz="1950" spc="-10" dirty="0">
+              <a:rPr sz="1950" i="1" spc="-10" dirty="0">
+                <a:solidFill>
+                  <a:srgbClr val="C00000"/>
+                </a:solidFill>
                 <a:latin typeface="Verdana"/>
                 <a:cs typeface="Verdana"/>
               </a:rPr>
               <a:t>ent,</a:t>
             </a:r>
             <a:r>
-              <a:rPr sz="1950" spc="190" dirty="0">
-                <a:latin typeface="Times New Roman"/>
-                <a:cs typeface="Times New Roman"/>
-              </a:rPr>
-              <a:t> </a:t>
-            </a:r>
-            <a:r>
-              <a:rPr sz="1950" spc="-15" dirty="0">
+              <a:rPr sz="1950" i="1" spc="190" dirty="0">
+                <a:solidFill>
+                  <a:srgbClr val="C00000"/>
+                </a:solidFill>
+                <a:latin typeface="Times New Roman"/>
+                <a:cs typeface="Times New Roman"/>
+              </a:rPr>
+              <a:t> </a:t>
+            </a:r>
+            <a:r>
+              <a:rPr sz="1950" i="1" spc="-15" dirty="0">
+                <a:solidFill>
+                  <a:srgbClr val="C00000"/>
+                </a:solidFill>
                 <a:latin typeface="Verdana"/>
                 <a:cs typeface="Verdana"/>
               </a:rPr>
               <a:t>anders</a:t>
             </a:r>
             <a:r>
-              <a:rPr sz="1950" spc="190" dirty="0">
-                <a:latin typeface="Times New Roman"/>
-                <a:cs typeface="Times New Roman"/>
-              </a:rPr>
-              <a:t> </a:t>
-            </a:r>
-            <a:r>
-              <a:rPr sz="1950" spc="-20" dirty="0">
+              <a:rPr sz="1950" i="1" spc="190" dirty="0">
+                <a:solidFill>
+                  <a:srgbClr val="C00000"/>
+                </a:solidFill>
+                <a:latin typeface="Times New Roman"/>
+                <a:cs typeface="Times New Roman"/>
+              </a:rPr>
+              <a:t> </a:t>
+            </a:r>
+            <a:r>
+              <a:rPr sz="1950" i="1" spc="-20" dirty="0">
+                <a:solidFill>
+                  <a:srgbClr val="C00000"/>
+                </a:solidFill>
                 <a:latin typeface="Verdana"/>
                 <a:cs typeface="Verdana"/>
               </a:rPr>
               <a:t>gebeur</a:t>
             </a:r>
             <a:r>
-              <a:rPr sz="1950" spc="-10" dirty="0">
+              <a:rPr sz="1950" i="1" spc="-10" dirty="0">
+                <a:solidFill>
+                  <a:srgbClr val="C00000"/>
+                </a:solidFill>
                 <a:latin typeface="Verdana"/>
                 <a:cs typeface="Verdana"/>
               </a:rPr>
               <a:t>t</a:t>
             </a:r>
             <a:r>
-              <a:rPr sz="1950" spc="195" dirty="0">
-                <a:latin typeface="Times New Roman"/>
-                <a:cs typeface="Times New Roman"/>
-              </a:rPr>
-              <a:t> </a:t>
-            </a:r>
-            <a:r>
-              <a:rPr sz="1950" spc="-10" dirty="0">
+              <a:rPr sz="1950" i="1" spc="195" dirty="0">
+                <a:solidFill>
+                  <a:srgbClr val="C00000"/>
+                </a:solidFill>
+                <a:latin typeface="Times New Roman"/>
+                <a:cs typeface="Times New Roman"/>
+              </a:rPr>
+              <a:t> </a:t>
+            </a:r>
+            <a:r>
+              <a:rPr sz="1950" i="1" spc="-10" dirty="0" err="1">
+                <a:solidFill>
+                  <a:srgbClr val="C00000"/>
+                </a:solidFill>
                 <a:latin typeface="Verdana"/>
                 <a:cs typeface="Verdana"/>
               </a:rPr>
               <a:t>er</a:t>
             </a:r>
             <a:r>
-              <a:rPr sz="1950" spc="195" dirty="0">
-                <a:latin typeface="Times New Roman"/>
-                <a:cs typeface="Times New Roman"/>
-              </a:rPr>
-              <a:t> </a:t>
-            </a:r>
-            <a:r>
-              <a:rPr sz="1950" spc="-15" dirty="0">
-                <a:latin typeface="Verdana"/>
-                <a:cs typeface="Verdana"/>
-              </a:rPr>
-              <a:t>niks.</a:t>
-            </a:r>
+              <a:rPr sz="1950" i="1" spc="195" dirty="0">
+                <a:solidFill>
+                  <a:srgbClr val="C00000"/>
+                </a:solidFill>
+                <a:latin typeface="Times New Roman"/>
+                <a:cs typeface="Times New Roman"/>
+              </a:rPr>
+              <a:t> </a:t>
+            </a:r>
+            <a:r>
+              <a:rPr sz="1950" i="1" spc="-15" dirty="0" err="1">
+                <a:solidFill>
+                  <a:srgbClr val="C00000"/>
+                </a:solidFill>
+                <a:latin typeface="Verdana"/>
+                <a:cs typeface="Verdana"/>
+              </a:rPr>
+              <a:t>niks</a:t>
+            </a:r>
+            <a:r>
+              <a:rPr lang="nl-NL" sz="1950" i="1" spc="-15" dirty="0">
+                <a:solidFill>
+                  <a:srgbClr val="C00000"/>
+                </a:solidFill>
+                <a:latin typeface="Verdana"/>
+                <a:cs typeface="Verdana"/>
+              </a:rPr>
+              <a:t>!</a:t>
+            </a:r>
+            <a:endParaRPr lang="nl-NL" sz="1950" spc="-15" dirty="0">
+              <a:latin typeface="Verdana"/>
+              <a:cs typeface="Verdana"/>
+            </a:endParaRPr>
+          </a:p>
+          <a:p>
+            <a:pPr marR="1454785" algn="ctr">
+              <a:lnSpc>
+                <a:spcPct val="100000"/>
+              </a:lnSpc>
+            </a:pPr>
             <a:endParaRPr sz="1950" dirty="0">
               <a:latin typeface="Verdana"/>
               <a:cs typeface="Verdana"/>
@@ -21223,96 +21016,6 @@
             <a:endParaRPr sz="1500">
               <a:latin typeface="Consolas"/>
               <a:cs typeface="Consolas"/>
-            </a:endParaRPr>
-          </a:p>
-        </p:txBody>
-      </p:sp>
-      <p:sp>
-        <p:nvSpPr>
-          <p:cNvPr id="5" name="object 5"/>
-          <p:cNvSpPr/>
-          <p:nvPr/>
-        </p:nvSpPr>
-        <p:spPr>
-          <a:xfrm>
-            <a:off x="9078345" y="5798058"/>
-            <a:ext cx="867918" cy="1162812"/>
-          </a:xfrm>
-          <a:prstGeom prst="rect">
-            <a:avLst/>
-          </a:prstGeom>
-          <a:blipFill>
-            <a:blip r:embed="rId3" cstate="print"/>
-            <a:stretch>
-              <a:fillRect/>
-            </a:stretch>
-          </a:blipFill>
-        </p:spPr>
-        <p:txBody>
-          <a:bodyPr wrap="square" lIns="0" tIns="0" rIns="0" bIns="0" rtlCol="0"/>
-          <a:lstStyle/>
-          <a:p>
-            <a:endParaRPr/>
-          </a:p>
-        </p:txBody>
-      </p:sp>
-      <p:sp>
-        <p:nvSpPr>
-          <p:cNvPr id="6" name="object 6"/>
-          <p:cNvSpPr txBox="1"/>
-          <p:nvPr/>
-        </p:nvSpPr>
-        <p:spPr>
-          <a:xfrm>
-            <a:off x="10021210" y="6727935"/>
-            <a:ext cx="342900" cy="190500"/>
-          </a:xfrm>
-          <a:prstGeom prst="rect">
-            <a:avLst/>
-          </a:prstGeom>
-        </p:spPr>
-        <p:txBody>
-          <a:bodyPr vert="horz" wrap="square" lIns="0" tIns="0" rIns="0" bIns="0" rtlCol="0">
-            <a:spAutoFit/>
-          </a:bodyPr>
-          <a:lstStyle/>
-          <a:p>
-            <a:pPr marL="12700">
-              <a:lnSpc>
-                <a:spcPct val="100000"/>
-              </a:lnSpc>
-            </a:pPr>
-            <a:r>
-              <a:rPr sz="1300" spc="-180" dirty="0">
-                <a:latin typeface="Arial"/>
-                <a:cs typeface="Arial"/>
-              </a:rPr>
-              <a:t>P</a:t>
-            </a:r>
-            <a:r>
-              <a:rPr sz="1300" spc="-5" dirty="0">
-                <a:latin typeface="Arial"/>
-                <a:cs typeface="Arial"/>
-              </a:rPr>
-              <a:t>.</a:t>
-            </a:r>
-            <a:r>
-              <a:rPr sz="1300" spc="-15" dirty="0">
-                <a:latin typeface="Arial"/>
-                <a:cs typeface="Arial"/>
-              </a:rPr>
-              <a:t>8</a:t>
-            </a:r>
-            <a:r>
-              <a:rPr sz="1300" spc="-10" dirty="0">
-                <a:latin typeface="Arial"/>
-                <a:cs typeface="Arial"/>
-              </a:rPr>
-              <a:t>0</a:t>
-            </a:r>
-            <a:endParaRPr sz="1300">
-              <a:latin typeface="Arial"/>
-              <a:cs typeface="Arial"/>
             </a:endParaRPr>
           </a:p>
         </p:txBody>
@@ -22466,7 +22169,7 @@
                 <a:latin typeface="Verdana"/>
                 <a:cs typeface="Verdana"/>
               </a:rPr>
-              <a:t> 2c + 2d</a:t>
+              <a:t> 3c + 3d</a:t>
             </a:r>
             <a:endParaRPr sz="2150" b="1" dirty="0">
               <a:latin typeface="Verdana"/>
@@ -22946,7 +22649,7 @@
         <p:spPr>
           <a:xfrm>
             <a:off x="1266584" y="1367259"/>
-            <a:ext cx="7214870" cy="1809114"/>
+            <a:ext cx="7214870" cy="2105192"/>
           </a:xfrm>
           <a:prstGeom prst="rect">
             <a:avLst/>
@@ -23148,7 +22851,7 @@
               </a:rPr>
               <a:t>binding.</a:t>
             </a:r>
-            <a:endParaRPr sz="1950">
+            <a:endParaRPr sz="1950" dirty="0">
               <a:latin typeface="Verdana"/>
               <a:cs typeface="Verdana"/>
             </a:endParaRPr>
@@ -23162,15 +22865,43 @@
                 <a:spcPts val="455"/>
               </a:spcBef>
             </a:pPr>
-            <a:r>
-              <a:rPr sz="1950" spc="-20" dirty="0">
+            <a:endParaRPr lang="nl-NL" sz="1950" spc="-20" dirty="0">
+              <a:latin typeface="Verdana"/>
+              <a:cs typeface="Verdana"/>
+            </a:endParaRPr>
+          </a:p>
+          <a:p>
+            <a:pPr marL="12700">
+              <a:lnSpc>
+                <a:spcPct val="100000"/>
+              </a:lnSpc>
+              <a:spcBef>
+                <a:spcPts val="455"/>
+              </a:spcBef>
+            </a:pPr>
+            <a:endParaRPr lang="en-US" sz="1950" spc="-20" dirty="0">
+              <a:latin typeface="Verdana"/>
+              <a:cs typeface="Verdana"/>
+            </a:endParaRPr>
+          </a:p>
+          <a:p>
+            <a:pPr marL="12700">
+              <a:lnSpc>
+                <a:spcPct val="100000"/>
+              </a:lnSpc>
+              <a:spcBef>
+                <a:spcPts val="455"/>
+              </a:spcBef>
+            </a:pPr>
+            <a:r>
+              <a:rPr sz="1950" spc="-20" dirty="0" err="1">
                 <a:latin typeface="Verdana"/>
                 <a:cs typeface="Verdana"/>
               </a:rPr>
               <a:t>Gebrui</a:t>
             </a:r>
             <a:r>
-              <a:rPr sz="1950" spc="-15" dirty="0">
+              <a:rPr sz="1950" spc="-15" dirty="0" err="1">
                 <a:latin typeface="Verdana"/>
                 <a:cs typeface="Verdana"/>
               </a:rPr>
@@ -23184,21 +22915,21 @@
               <a:t> </a:t>
             </a:r>
             <a:r>
-              <a:rPr sz="1950" spc="-20" dirty="0">
+              <a:rPr sz="1950" spc="-20" dirty="0" err="1">
                 <a:latin typeface="Verdana"/>
                 <a:cs typeface="Verdana"/>
               </a:rPr>
               <a:t>blokha</a:t>
             </a:r>
             <a:r>
-              <a:rPr sz="1950" spc="-30" dirty="0">
+              <a:rPr sz="1950" spc="-30" dirty="0" err="1">
                 <a:latin typeface="Verdana"/>
                 <a:cs typeface="Verdana"/>
               </a:rPr>
               <a:t>k</a:t>
             </a:r>
             <a:r>
-              <a:rPr sz="1950" spc="-15" dirty="0">
+              <a:rPr sz="1950" spc="-15" dirty="0" err="1">
                 <a:latin typeface="Verdana"/>
                 <a:cs typeface="Verdana"/>
               </a:rPr>
@@ -23212,13 +22943,33 @@
               <a:t> </a:t>
             </a:r>
             <a:r>
-              <a:rPr sz="1950" spc="-15" dirty="0">
+              <a:rPr sz="1950" spc="-15" dirty="0" err="1">
                 <a:latin typeface="Verdana"/>
                 <a:cs typeface="Verdana"/>
               </a:rPr>
               <a:t>syntaxis</a:t>
             </a:r>
-            <a:endParaRPr sz="1950">
+            <a:r>
+              <a:rPr lang="nl-NL" sz="1950" spc="-15" dirty="0">
+                <a:latin typeface="Verdana"/>
+                <a:cs typeface="Verdana"/>
+              </a:rPr>
+              <a:t>: </a:t>
+            </a:r>
+            <a:r>
+              <a:rPr lang="nl-NL" sz="1950" b="1" spc="-15" dirty="0">
+                <a:solidFill>
+                  <a:srgbClr val="C00000"/>
+                </a:solidFill>
+                <a:latin typeface="Verdana"/>
+                <a:cs typeface="Verdana"/>
+              </a:rPr>
+              <a:t>[]</a:t>
+            </a:r>
+            <a:endParaRPr sz="1950" b="1" dirty="0">
+              <a:solidFill>
+                <a:srgbClr val="C00000"/>
+              </a:solidFill>
               <a:latin typeface="Verdana"/>
               <a:cs typeface="Verdana"/>
             </a:endParaRPr>
@@ -23229,192 +22980,9 @@
                 <a:spcPct val="100000"/>
               </a:lnSpc>
             </a:pPr>
-            <a:endParaRPr sz="1900">
+            <a:endParaRPr sz="1900" dirty="0">
               <a:latin typeface="Times New Roman"/>
               <a:cs typeface="Times New Roman"/>
-            </a:endParaRPr>
-          </a:p>
-          <a:p>
-            <a:pPr marL="12700">
-              <a:lnSpc>
-                <a:spcPct val="100000"/>
-              </a:lnSpc>
-              <a:spcBef>
-                <a:spcPts val="1215"/>
-              </a:spcBef>
-            </a:pPr>
-            <a:r>
-              <a:rPr sz="2600" spc="-20" dirty="0">
-                <a:latin typeface="Verdana"/>
-                <a:cs typeface="Verdana"/>
-              </a:rPr>
-              <a:t>Angula</a:t>
-            </a:r>
-            <a:r>
-              <a:rPr sz="2600" spc="-15" dirty="0">
-                <a:latin typeface="Verdana"/>
-                <a:cs typeface="Verdana"/>
-              </a:rPr>
-              <a:t>r</a:t>
-            </a:r>
-            <a:r>
-              <a:rPr sz="2600" spc="285" dirty="0">
-                <a:latin typeface="Times New Roman"/>
-                <a:cs typeface="Times New Roman"/>
-              </a:rPr>
-              <a:t> </a:t>
-            </a:r>
-            <a:r>
-              <a:rPr sz="2600" spc="-15" dirty="0">
-                <a:latin typeface="Verdana"/>
-                <a:cs typeface="Verdana"/>
-              </a:rPr>
-              <a:t>1:</a:t>
-            </a:r>
-            <a:endParaRPr sz="2600">
-              <a:latin typeface="Verdana"/>
-              <a:cs typeface="Verdana"/>
-            </a:endParaRPr>
-          </a:p>
-        </p:txBody>
-      </p:sp>
-      <p:sp>
-        <p:nvSpPr>
-          <p:cNvPr id="4" name="object 4"/>
-          <p:cNvSpPr txBox="1"/>
-          <p:nvPr/>
-        </p:nvSpPr>
-        <p:spPr>
-          <a:xfrm>
-            <a:off x="1266584" y="3268036"/>
-            <a:ext cx="683260" cy="299720"/>
-          </a:xfrm>
-          <a:prstGeom prst="rect">
-            <a:avLst/>
-          </a:prstGeom>
-        </p:spPr>
-        <p:txBody>
-          <a:bodyPr vert="horz" wrap="square" lIns="0" tIns="0" rIns="0" bIns="0" rtlCol="0">
-            <a:spAutoFit/>
-          </a:bodyPr>
-          <a:lstStyle/>
-          <a:p>
-            <a:pPr marL="12700">
-              <a:lnSpc>
-                <a:spcPct val="100000"/>
-              </a:lnSpc>
-            </a:pPr>
-            <a:r>
-              <a:rPr sz="2150" spc="-5" dirty="0">
-                <a:latin typeface="Courier New"/>
-                <a:cs typeface="Courier New"/>
-              </a:rPr>
-              <a:t>&lt;div</a:t>
-            </a:r>
-            <a:endParaRPr sz="2150">
-              <a:latin typeface="Courier New"/>
-              <a:cs typeface="Courier New"/>
-            </a:endParaRPr>
-          </a:p>
-        </p:txBody>
-      </p:sp>
-      <p:sp>
-        <p:nvSpPr>
-          <p:cNvPr id="5" name="object 5"/>
-          <p:cNvSpPr txBox="1"/>
-          <p:nvPr/>
-        </p:nvSpPr>
-        <p:spPr>
-          <a:xfrm>
-            <a:off x="2088632" y="3268036"/>
-            <a:ext cx="4627880" cy="299720"/>
-          </a:xfrm>
-          <a:prstGeom prst="rect">
-            <a:avLst/>
-          </a:prstGeom>
-        </p:spPr>
-        <p:txBody>
-          <a:bodyPr vert="horz" wrap="square" lIns="0" tIns="0" rIns="0" bIns="0" rtlCol="0">
-            <a:spAutoFit/>
-          </a:bodyPr>
-          <a:lstStyle/>
-          <a:p>
-            <a:pPr marL="12700">
-              <a:lnSpc>
-                <a:spcPct val="100000"/>
-              </a:lnSpc>
-            </a:pPr>
-            <a:r>
-              <a:rPr sz="2150" spc="-5" dirty="0">
-                <a:latin typeface="Courier New"/>
-                <a:cs typeface="Courier New"/>
-              </a:rPr>
-              <a:t>ng-hide=“true|false”&gt;…&lt;/div&gt;</a:t>
-            </a:r>
-            <a:endParaRPr sz="2150">
-              <a:latin typeface="Courier New"/>
-              <a:cs typeface="Courier New"/>
-            </a:endParaRPr>
-          </a:p>
-        </p:txBody>
-      </p:sp>
-      <p:sp>
-        <p:nvSpPr>
-          <p:cNvPr id="6" name="object 6"/>
-          <p:cNvSpPr txBox="1"/>
-          <p:nvPr/>
-        </p:nvSpPr>
-        <p:spPr>
-          <a:xfrm>
-            <a:off x="1266584" y="4045430"/>
-            <a:ext cx="1778000" cy="354965"/>
-          </a:xfrm>
-          <a:prstGeom prst="rect">
-            <a:avLst/>
-          </a:prstGeom>
-        </p:spPr>
-        <p:txBody>
-          <a:bodyPr vert="horz" wrap="square" lIns="0" tIns="0" rIns="0" bIns="0" rtlCol="0">
-            <a:spAutoFit/>
-          </a:bodyPr>
-          <a:lstStyle/>
-          <a:p>
-            <a:pPr marL="12700">
-              <a:lnSpc>
-                <a:spcPct val="100000"/>
-              </a:lnSpc>
-            </a:pPr>
-            <a:r>
-              <a:rPr sz="2600" spc="-20" dirty="0">
-                <a:latin typeface="Verdana"/>
-                <a:cs typeface="Verdana"/>
-              </a:rPr>
-              <a:t>Angula</a:t>
-            </a:r>
-            <a:r>
-              <a:rPr sz="2600" spc="-15" dirty="0">
-                <a:latin typeface="Verdana"/>
-                <a:cs typeface="Verdana"/>
-              </a:rPr>
-              <a:t>r</a:t>
-            </a:r>
-            <a:r>
-              <a:rPr sz="2600" spc="285" dirty="0">
-                <a:latin typeface="Times New Roman"/>
-                <a:cs typeface="Times New Roman"/>
-              </a:rPr>
-              <a:t> </a:t>
-            </a:r>
-            <a:r>
-              <a:rPr sz="2600" spc="-15" dirty="0">
-                <a:latin typeface="Verdana"/>
-                <a:cs typeface="Verdana"/>
-              </a:rPr>
-              <a:t>2:</a:t>
-            </a:r>
-            <a:endParaRPr sz="2600">
-              <a:latin typeface="Verdana"/>
-              <a:cs typeface="Verdana"/>
             </a:endParaRPr>
           </a:p>
         </p:txBody>
@@ -23452,7 +23020,7 @@
               </a:rPr>
               <a:t>&lt;div</a:t>
             </a:r>
-            <a:endParaRPr sz="2150">
+            <a:endParaRPr sz="2150" dirty="0">
               <a:latin typeface="Courier New"/>
               <a:cs typeface="Courier New"/>
             </a:endParaRPr>
@@ -23512,7 +23080,7 @@
               </a:rPr>
               <a:t>=“true”&gt;…&lt;/div&gt;</a:t>
             </a:r>
-            <a:endParaRPr sz="2150">
+            <a:endParaRPr sz="2150" dirty="0">
               <a:latin typeface="Courier New"/>
               <a:cs typeface="Courier New"/>
             </a:endParaRPr>
@@ -23528,7 +23096,7 @@
         <p:spPr>
           <a:xfrm>
             <a:off x="1266584" y="5235936"/>
-            <a:ext cx="7917180" cy="1056005"/>
+            <a:ext cx="7917180" cy="1364476"/>
           </a:xfrm>
           <a:prstGeom prst="rect">
             <a:avLst/>
@@ -23573,7 +23141,18 @@
               </a:rPr>
               <a:t>:</a:t>
             </a:r>
-            <a:endParaRPr sz="1950">
+            <a:endParaRPr lang="nl-NL" sz="1950" spc="-10" dirty="0">
+              <a:latin typeface="Verdana"/>
+              <a:cs typeface="Verdana"/>
+            </a:endParaRPr>
+          </a:p>
+          <a:p>
+            <a:pPr marL="12700">
+              <a:lnSpc>
+                <a:spcPct val="100000"/>
+              </a:lnSpc>
+            </a:pPr>
+            <a:endParaRPr sz="1950" dirty="0">
               <a:latin typeface="Verdana"/>
               <a:cs typeface="Verdana"/>
             </a:endParaRPr>
@@ -23636,9 +23215,26 @@
                 <a:latin typeface="Courier New"/>
                 <a:cs typeface="Courier New"/>
               </a:rPr>
-              <a:t>=“person.hasEmail”&gt;…&lt;/div&gt;</a:t>
-            </a:r>
-            <a:endParaRPr sz="2150">
+              <a:t>=“</a:t>
+            </a:r>
+            <a:r>
+              <a:rPr sz="2150" spc="-5" dirty="0">
+                <a:solidFill>
+                  <a:srgbClr val="C00000"/>
+                </a:solidFill>
+                <a:latin typeface="Courier New"/>
+                <a:cs typeface="Courier New"/>
+              </a:rPr>
+              <a:t>person.hasEmail</a:t>
+            </a:r>
+            <a:r>
+              <a:rPr sz="2150" spc="-5" dirty="0">
+                <a:latin typeface="Courier New"/>
+                <a:cs typeface="Courier New"/>
+              </a:rPr>
+              <a:t>”&gt;…&lt;/div&gt;</a:t>
+            </a:r>
+            <a:endParaRPr sz="2150" dirty="0">
               <a:latin typeface="Courier New"/>
               <a:cs typeface="Courier New"/>
             </a:endParaRPr>
@@ -23684,7 +23280,27 @@
                 <a:latin typeface="Courier New"/>
                 <a:cs typeface="Courier New"/>
               </a:rPr>
-              <a:t>[style.background-color</a:t>
+              <a:t>[</a:t>
+            </a:r>
+            <a:r>
+              <a:rPr sz="2150" b="1" spc="-5" dirty="0" err="1">
+                <a:solidFill>
+                  <a:srgbClr val="FF0000"/>
+                </a:solidFill>
+                <a:latin typeface="Courier New"/>
+                <a:cs typeface="Courier New"/>
+              </a:rPr>
+              <a:t>style.background</a:t>
+            </a:r>
+            <a:r>
+              <a:rPr sz="2150" b="1" spc="-5" dirty="0">
+                <a:solidFill>
+                  <a:srgbClr val="FF0000"/>
+                </a:solidFill>
+                <a:latin typeface="Courier New"/>
+                <a:cs typeface="Courier New"/>
+              </a:rPr>
+              <a:t>-color</a:t>
             </a:r>
             <a:r>
               <a:rPr sz="2150" b="1" dirty="0">
@@ -23701,9 +23317,26 @@
                 <a:latin typeface="Courier New"/>
                 <a:cs typeface="Courier New"/>
               </a:rPr>
-              <a:t>=“’yellow’”&gt;…&lt;/div&gt;</a:t>
-            </a:r>
-            <a:endParaRPr sz="2150">
+              <a:t>=“</a:t>
+            </a:r>
+            <a:r>
+              <a:rPr sz="2150" spc="-5" dirty="0">
+                <a:solidFill>
+                  <a:srgbClr val="C00000"/>
+                </a:solidFill>
+                <a:latin typeface="Courier New"/>
+                <a:cs typeface="Courier New"/>
+              </a:rPr>
+              <a:t>yellow</a:t>
+            </a:r>
+            <a:r>
+              <a:rPr sz="2150" spc="-5" dirty="0">
+                <a:latin typeface="Courier New"/>
+                <a:cs typeface="Courier New"/>
+              </a:rPr>
+              <a:t>”&gt;…&lt;/div&gt;</a:t>
+            </a:r>
+            <a:endParaRPr sz="2150" dirty="0">
               <a:latin typeface="Courier New"/>
               <a:cs typeface="Courier New"/>
             </a:endParaRPr>
@@ -28807,7 +28440,7 @@
         <p:spPr>
           <a:xfrm>
             <a:off x="1266584" y="1612623"/>
-            <a:ext cx="8503285" cy="1723389"/>
+            <a:ext cx="8503285" cy="1485022"/>
           </a:xfrm>
           <a:prstGeom prst="rect">
             <a:avLst/>
@@ -29069,7 +28702,7 @@
               </a:rPr>
               <a:t>eerd</a:t>
             </a:r>
-            <a:endParaRPr sz="1950">
+            <a:endParaRPr sz="1950" dirty="0">
               <a:latin typeface="Verdana"/>
               <a:cs typeface="Verdana"/>
             </a:endParaRPr>
@@ -29080,7 +28713,7 @@
                 <a:spcPct val="100000"/>
               </a:lnSpc>
             </a:pPr>
-            <a:endParaRPr sz="1900">
+            <a:endParaRPr sz="1900" dirty="0">
               <a:latin typeface="Times New Roman"/>
               <a:cs typeface="Times New Roman"/>
             </a:endParaRPr>
@@ -29091,51 +28724,9 @@
                 <a:spcPct val="100000"/>
               </a:lnSpc>
             </a:pPr>
-            <a:endParaRPr sz="1900">
+            <a:endParaRPr sz="1900" dirty="0">
               <a:latin typeface="Times New Roman"/>
               <a:cs typeface="Times New Roman"/>
-            </a:endParaRPr>
-          </a:p>
-          <a:p>
-            <a:pPr marL="12700">
-              <a:lnSpc>
-                <a:spcPct val="100000"/>
-              </a:lnSpc>
-              <a:spcBef>
-                <a:spcPts val="1215"/>
-              </a:spcBef>
-            </a:pPr>
-            <a:r>
-              <a:rPr sz="1950" spc="-20" dirty="0">
-                <a:latin typeface="Verdana"/>
-                <a:cs typeface="Verdana"/>
-              </a:rPr>
-              <a:t>Angula</a:t>
-            </a:r>
-            <a:r>
-              <a:rPr sz="1950" spc="-10" dirty="0">
-                <a:latin typeface="Verdana"/>
-                <a:cs typeface="Verdana"/>
-              </a:rPr>
-              <a:t>r</a:t>
-            </a:r>
-            <a:r>
-              <a:rPr sz="1950" spc="185" dirty="0">
-                <a:latin typeface="Times New Roman"/>
-                <a:cs typeface="Times New Roman"/>
-              </a:rPr>
-              <a:t> </a:t>
-            </a:r>
-            <a:r>
-              <a:rPr sz="1950" spc="-15" dirty="0">
-                <a:latin typeface="Verdana"/>
-                <a:cs typeface="Verdana"/>
-              </a:rPr>
-              <a:t>1:</a:t>
-            </a:r>
-            <a:endParaRPr sz="1950">
-              <a:latin typeface="Verdana"/>
-              <a:cs typeface="Verdana"/>
             </a:endParaRPr>
           </a:p>
         </p:txBody>
@@ -29173,7 +28764,7 @@
               </a:rPr>
               <a:t>&lt;input</a:t>
             </a:r>
-            <a:endParaRPr sz="2150">
+            <a:endParaRPr sz="2150" dirty="0">
               <a:latin typeface="Courier New"/>
               <a:cs typeface="Courier New"/>
             </a:endParaRPr>

--- a/PPT/02- Angular Databinding.pptx
+++ b/PPT/02- Angular Databinding.pptx
@@ -2571,7 +2571,7 @@
           <a:p>
             <a:fld id="{14471771-6CF3-0A4E-92CD-0AAA74C1AC74}" type="datetime1">
               <a:rPr lang="en-US" smtClean="0"/>
-              <a:t>2/25/19</a:t>
+              <a:t>2/26/19</a:t>
             </a:fld>
             <a:endParaRPr lang="en-US"/>
           </a:p>
@@ -2730,7 +2730,7 @@
           <a:p>
             <a:fld id="{AFA0C4A9-B9CF-204F-845A-78855C677058}" type="datetime1">
               <a:rPr lang="en-US" smtClean="0"/>
-              <a:t>2/25/19</a:t>
+              <a:t>2/26/19</a:t>
             </a:fld>
             <a:endParaRPr lang="en-US"/>
           </a:p>
@@ -2921,7 +2921,7 @@
           <a:p>
             <a:fld id="{19FA71EB-BBB9-284F-A0BA-D21452800DEF}" type="datetime1">
               <a:rPr lang="en-US" smtClean="0"/>
-              <a:t>2/25/19</a:t>
+              <a:t>2/26/19</a:t>
             </a:fld>
             <a:endParaRPr lang="en-US"/>
           </a:p>
@@ -3046,7 +3046,7 @@
           <a:p>
             <a:fld id="{4FD675FF-E717-2A40-AC09-B7D72BBC8572}" type="datetime1">
               <a:rPr lang="en-US" smtClean="0"/>
-              <a:t>2/25/19</a:t>
+              <a:t>2/26/19</a:t>
             </a:fld>
             <a:endParaRPr lang="en-US"/>
           </a:p>
@@ -3142,7 +3142,7 @@
           <a:p>
             <a:fld id="{50269BC5-4D28-1B46-B364-F1D1817E9371}" type="datetime1">
               <a:rPr lang="en-US" smtClean="0"/>
-              <a:t>2/25/19</a:t>
+              <a:t>2/26/19</a:t>
             </a:fld>
             <a:endParaRPr lang="en-US"/>
           </a:p>
@@ -3376,7 +3376,7 @@
           <a:p>
             <a:fld id="{0E34B6BF-76F8-634E-A5E2-C7F984B93D64}" type="datetime1">
               <a:rPr lang="en-US" smtClean="0"/>
-              <a:t>2/25/19</a:t>
+              <a:t>2/26/19</a:t>
             </a:fld>
             <a:endParaRPr lang="en-US"/>
           </a:p>
@@ -28733,248 +28733,6 @@
       </p:sp>
       <p:sp>
         <p:nvSpPr>
-          <p:cNvPr id="4" name="object 4"/>
-          <p:cNvSpPr txBox="1"/>
-          <p:nvPr/>
-        </p:nvSpPr>
-        <p:spPr>
-          <a:xfrm>
-            <a:off x="1266584" y="3607888"/>
-            <a:ext cx="1011555" cy="299720"/>
-          </a:xfrm>
-          <a:prstGeom prst="rect">
-            <a:avLst/>
-          </a:prstGeom>
-        </p:spPr>
-        <p:txBody>
-          <a:bodyPr vert="horz" wrap="square" lIns="0" tIns="0" rIns="0" bIns="0" rtlCol="0">
-            <a:spAutoFit/>
-          </a:bodyPr>
-          <a:lstStyle/>
-          <a:p>
-            <a:pPr marL="12700">
-              <a:lnSpc>
-                <a:spcPct val="100000"/>
-              </a:lnSpc>
-            </a:pPr>
-            <a:r>
-              <a:rPr sz="2150" spc="-5" dirty="0">
-                <a:latin typeface="Courier New"/>
-                <a:cs typeface="Courier New"/>
-              </a:rPr>
-              <a:t>&lt;input</a:t>
-            </a:r>
-            <a:endParaRPr sz="2150" dirty="0">
-              <a:latin typeface="Courier New"/>
-              <a:cs typeface="Courier New"/>
-            </a:endParaRPr>
-          </a:p>
-        </p:txBody>
-      </p:sp>
-      <p:sp>
-        <p:nvSpPr>
-          <p:cNvPr id="5" name="object 5"/>
-          <p:cNvSpPr txBox="1"/>
-          <p:nvPr/>
-        </p:nvSpPr>
-        <p:spPr>
-          <a:xfrm>
-            <a:off x="2417210" y="3607888"/>
-            <a:ext cx="4956175" cy="299720"/>
-          </a:xfrm>
-          <a:prstGeom prst="rect">
-            <a:avLst/>
-          </a:prstGeom>
-        </p:spPr>
-        <p:txBody>
-          <a:bodyPr vert="horz" wrap="square" lIns="0" tIns="0" rIns="0" bIns="0" rtlCol="0">
-            <a:spAutoFit/>
-          </a:bodyPr>
-          <a:lstStyle/>
-          <a:p>
-            <a:pPr marL="12700">
-              <a:lnSpc>
-                <a:spcPct val="100000"/>
-              </a:lnSpc>
-              <a:tabLst>
-                <a:tab pos="4613910" algn="l"/>
-              </a:tabLst>
-            </a:pPr>
-            <a:r>
-              <a:rPr sz="2150" spc="-5" dirty="0">
-                <a:latin typeface="Courier New"/>
-                <a:cs typeface="Courier New"/>
-              </a:rPr>
-              <a:t>ng-model=“person.firstName</a:t>
-            </a:r>
-            <a:r>
-              <a:rPr sz="2150" dirty="0">
-                <a:latin typeface="Courier New"/>
-                <a:cs typeface="Courier New"/>
-              </a:rPr>
-              <a:t>”</a:t>
-            </a:r>
-            <a:r>
-              <a:rPr sz="2150" dirty="0">
-                <a:latin typeface="Times New Roman"/>
-                <a:cs typeface="Times New Roman"/>
-              </a:rPr>
-              <a:t>	</a:t>
-            </a:r>
-            <a:r>
-              <a:rPr sz="2150" spc="-5" dirty="0">
-                <a:latin typeface="Courier New"/>
-                <a:cs typeface="Courier New"/>
-              </a:rPr>
-              <a:t>/&gt;</a:t>
-            </a:r>
-            <a:endParaRPr sz="2150">
-              <a:latin typeface="Courier New"/>
-              <a:cs typeface="Courier New"/>
-            </a:endParaRPr>
-          </a:p>
-        </p:txBody>
-      </p:sp>
-      <p:sp>
-        <p:nvSpPr>
-          <p:cNvPr id="6" name="object 6"/>
-          <p:cNvSpPr txBox="1"/>
-          <p:nvPr/>
-        </p:nvSpPr>
-        <p:spPr>
-          <a:xfrm>
-            <a:off x="1266584" y="4628621"/>
-            <a:ext cx="5172075" cy="272415"/>
-          </a:xfrm>
-          <a:prstGeom prst="rect">
-            <a:avLst/>
-          </a:prstGeom>
-        </p:spPr>
-        <p:txBody>
-          <a:bodyPr vert="horz" wrap="square" lIns="0" tIns="0" rIns="0" bIns="0" rtlCol="0">
-            <a:spAutoFit/>
-          </a:bodyPr>
-          <a:lstStyle/>
-          <a:p>
-            <a:pPr marL="12700">
-              <a:lnSpc>
-                <a:spcPct val="100000"/>
-              </a:lnSpc>
-            </a:pPr>
-            <a:r>
-              <a:rPr sz="1950" spc="-15" dirty="0">
-                <a:latin typeface="Verdana"/>
-                <a:cs typeface="Verdana"/>
-              </a:rPr>
-              <a:t>Angular</a:t>
-            </a:r>
-            <a:r>
-              <a:rPr sz="1950" spc="185" dirty="0">
-                <a:latin typeface="Times New Roman"/>
-                <a:cs typeface="Times New Roman"/>
-              </a:rPr>
-              <a:t> </a:t>
-            </a:r>
-            <a:r>
-              <a:rPr sz="1950" spc="-15" dirty="0">
-                <a:latin typeface="Verdana"/>
-                <a:cs typeface="Verdana"/>
-              </a:rPr>
-              <a:t>2:</a:t>
-            </a:r>
-            <a:r>
-              <a:rPr sz="1950" spc="200" dirty="0">
-                <a:latin typeface="Times New Roman"/>
-                <a:cs typeface="Times New Roman"/>
-              </a:rPr>
-              <a:t> </a:t>
-            </a:r>
-            <a:r>
-              <a:rPr sz="1950" spc="-15" dirty="0">
-                <a:latin typeface="Verdana"/>
-                <a:cs typeface="Verdana"/>
-              </a:rPr>
-              <a:t>de</a:t>
-            </a:r>
-            <a:r>
-              <a:rPr sz="1950" spc="200" dirty="0">
-                <a:latin typeface="Times New Roman"/>
-                <a:cs typeface="Times New Roman"/>
-              </a:rPr>
-              <a:t> </a:t>
-            </a:r>
-            <a:r>
-              <a:rPr sz="1950" spc="-10" dirty="0">
-                <a:latin typeface="Verdana"/>
-                <a:cs typeface="Verdana"/>
-              </a:rPr>
-              <a:t>notatie</a:t>
-            </a:r>
-            <a:r>
-              <a:rPr sz="1950" spc="200" dirty="0">
-                <a:latin typeface="Times New Roman"/>
-                <a:cs typeface="Times New Roman"/>
-              </a:rPr>
-              <a:t> </a:t>
-            </a:r>
-            <a:r>
-              <a:rPr sz="1950" spc="-15" dirty="0">
-                <a:latin typeface="Verdana"/>
-                <a:cs typeface="Verdana"/>
-              </a:rPr>
-              <a:t>is</a:t>
-            </a:r>
-            <a:r>
-              <a:rPr sz="1950" spc="200" dirty="0">
-                <a:latin typeface="Times New Roman"/>
-                <a:cs typeface="Times New Roman"/>
-              </a:rPr>
-              <a:t> </a:t>
-            </a:r>
-            <a:r>
-              <a:rPr sz="1950" spc="-15" dirty="0">
-                <a:latin typeface="Verdana"/>
-                <a:cs typeface="Verdana"/>
-              </a:rPr>
-              <a:t>een</a:t>
-            </a:r>
-            <a:r>
-              <a:rPr sz="1950" spc="200" dirty="0">
-                <a:latin typeface="Times New Roman"/>
-                <a:cs typeface="Times New Roman"/>
-              </a:rPr>
-              <a:t> </a:t>
-            </a:r>
-            <a:r>
-              <a:rPr sz="1950" spc="-15" dirty="0">
-                <a:latin typeface="Verdana"/>
-                <a:cs typeface="Verdana"/>
-              </a:rPr>
-              <a:t>beetje</a:t>
-            </a:r>
-            <a:r>
-              <a:rPr sz="1950" spc="215" dirty="0">
-                <a:latin typeface="Times New Roman"/>
-                <a:cs typeface="Times New Roman"/>
-              </a:rPr>
-              <a:t> </a:t>
-            </a:r>
-            <a:r>
-              <a:rPr sz="1950" spc="-10" dirty="0">
-                <a:latin typeface="Verdana"/>
-                <a:cs typeface="Verdana"/>
-              </a:rPr>
-              <a:t>bizar:</a:t>
-            </a:r>
-            <a:endParaRPr sz="1950">
-              <a:latin typeface="Verdana"/>
-              <a:cs typeface="Verdana"/>
-            </a:endParaRPr>
-          </a:p>
-        </p:txBody>
-      </p:sp>
-      <p:sp>
-        <p:nvSpPr>
           <p:cNvPr id="7" name="object 7"/>
           <p:cNvSpPr txBox="1"/>
           <p:nvPr/>
@@ -29006,7 +28764,7 @@
               </a:rPr>
               <a:t>&lt;input</a:t>
             </a:r>
-            <a:endParaRPr sz="2600">
+            <a:endParaRPr sz="2600" dirty="0">
               <a:latin typeface="Courier New"/>
               <a:cs typeface="Courier New"/>
             </a:endParaRPr>
@@ -29090,7 +28848,7 @@
               </a:rPr>
               <a:t>/&gt;</a:t>
             </a:r>
-            <a:endParaRPr sz="2600">
+            <a:endParaRPr sz="2600" dirty="0">
               <a:latin typeface="Courier New"/>
               <a:cs typeface="Courier New"/>
             </a:endParaRPr>
@@ -29628,69 +29386,90 @@
               </a:lnSpc>
             </a:pPr>
             <a:r>
-              <a:rPr sz="2150" spc="-5" dirty="0">
+              <a:rPr lang="en-US" sz="2150" spc="-5" dirty="0" err="1">
                 <a:latin typeface="Arial"/>
                 <a:cs typeface="Arial"/>
               </a:rPr>
               <a:t>Da</a:t>
             </a:r>
             <a:r>
-              <a:rPr sz="2150" dirty="0">
+              <a:rPr lang="en-US" sz="2150" dirty="0" err="1">
                 <a:latin typeface="Arial"/>
                 <a:cs typeface="Arial"/>
               </a:rPr>
-              <a:t>t </a:t>
-            </a:r>
-            <a:r>
-              <a:rPr sz="2150" spc="-5" dirty="0">
+              <a:t>t</a:t>
+            </a:r>
+            <a:r>
+              <a:rPr lang="en-US" sz="2150" dirty="0">
                 <a:latin typeface="Arial"/>
                 <a:cs typeface="Arial"/>
               </a:rPr>
-              <a:t>i</a:t>
-            </a:r>
-            <a:r>
-              <a:rPr sz="2150" dirty="0">
+              <a:t> </a:t>
+            </a:r>
+            <a:r>
+              <a:rPr lang="en-US" sz="2150" spc="-5" dirty="0">
                 <a:latin typeface="Arial"/>
                 <a:cs typeface="Arial"/>
               </a:rPr>
-              <a:t>s </a:t>
-            </a:r>
-            <a:r>
-              <a:rPr sz="2150" spc="-5" dirty="0">
+              <a:t>i</a:t>
+            </a:r>
+            <a:r>
+              <a:rPr lang="en-US" sz="2150" dirty="0">
                 <a:latin typeface="Arial"/>
                 <a:cs typeface="Arial"/>
               </a:rPr>
-              <a:t>shorthand-notati</a:t>
-            </a:r>
-            <a:r>
-              <a:rPr sz="2150" dirty="0">
+              <a:t>s </a:t>
+            </a:r>
+            <a:r>
+              <a:rPr lang="en-US" sz="2150" spc="-5" dirty="0">
                 <a:latin typeface="Arial"/>
                 <a:cs typeface="Arial"/>
               </a:rPr>
-              <a:t>e</a:t>
-            </a:r>
-            <a:r>
-              <a:rPr sz="2150" spc="-20" dirty="0">
+              <a:t>shorthand-</a:t>
+            </a:r>
+            <a:r>
+              <a:rPr lang="en-US" sz="2150" spc="-5" dirty="0" err="1">
                 <a:latin typeface="Arial"/>
                 <a:cs typeface="Arial"/>
               </a:rPr>
-              <a:t> </a:t>
-            </a:r>
-            <a:r>
-              <a:rPr sz="2150" dirty="0">
+              <a:t>notati</a:t>
+            </a:r>
+            <a:r>
+              <a:rPr lang="en-US" sz="2150" dirty="0" err="1">
                 <a:latin typeface="Arial"/>
                 <a:cs typeface="Arial"/>
               </a:rPr>
-              <a:t>v</a:t>
-            </a:r>
-            <a:r>
-              <a:rPr sz="2150" spc="-5" dirty="0">
+              <a:t>e</a:t>
+            </a:r>
+            <a:r>
+              <a:rPr lang="en-US" sz="2150" spc="-20" dirty="0">
                 <a:latin typeface="Arial"/>
                 <a:cs typeface="Arial"/>
               </a:rPr>
-              <a:t>oor:</a:t>
-            </a:r>
-            <a:endParaRPr sz="2150" dirty="0">
+              <a:t> </a:t>
+            </a:r>
+            <a:r>
+              <a:rPr lang="en-US" sz="2150" dirty="0" err="1">
+                <a:latin typeface="Arial"/>
+                <a:cs typeface="Arial"/>
+              </a:rPr>
+              <a:t>v</a:t>
+            </a:r>
+            <a:r>
+              <a:rPr lang="en-US" sz="2150" spc="-5" dirty="0" err="1">
+                <a:latin typeface="Arial"/>
+                <a:cs typeface="Arial"/>
+              </a:rPr>
+              <a:t>oor</a:t>
+            </a:r>
+            <a:r>
+              <a:rPr lang="en-US" sz="2150" spc="-5" dirty="0">
+                <a:latin typeface="Arial"/>
+                <a:cs typeface="Arial"/>
+              </a:rPr>
+              <a:t>:</a:t>
+            </a:r>
+            <a:endParaRPr lang="en-US" sz="2150" dirty="0">
               <a:latin typeface="Arial"/>
               <a:cs typeface="Arial"/>
             </a:endParaRPr>
@@ -29711,7 +29490,7 @@
               </a:tabLst>
             </a:pPr>
             <a:r>
-              <a:rPr sz="1950" i="1" spc="-20" dirty="0">
+              <a:rPr lang="en-US" sz="1950" i="1" spc="-20" dirty="0">
                 <a:solidFill>
                   <a:srgbClr val="12B124"/>
                 </a:solidFill>
@@ -29721,7 +29500,7 @@
               <a:t>&lt;!</a:t>
             </a:r>
             <a:r>
-              <a:rPr sz="1950" i="1" spc="-25" dirty="0">
+              <a:rPr lang="en-US" sz="1950" i="1" spc="-25" dirty="0">
                 <a:solidFill>
                   <a:srgbClr val="12B124"/>
                 </a:solidFill>
@@ -29731,7 +29510,7 @@
               <a:t>‐</a:t>
             </a:r>
             <a:r>
-              <a:rPr sz="1950" i="1" spc="-15" dirty="0">
+              <a:rPr lang="en-US" sz="1950" i="1" spc="-15" dirty="0">
                 <a:solidFill>
                   <a:srgbClr val="12B124"/>
                 </a:solidFill>
@@ -29741,7 +29520,7 @@
               <a:t>‐ </a:t>
             </a:r>
             <a:r>
-              <a:rPr sz="1950" i="1" spc="-20" dirty="0">
+              <a:rPr lang="en-US" sz="1950" i="1" spc="-20" dirty="0">
                 <a:solidFill>
                   <a:srgbClr val="12B124"/>
                 </a:solidFill>
@@ -29751,7 +29530,7 @@
               <a:t>Tw</a:t>
             </a:r>
             <a:r>
-              <a:rPr sz="1950" i="1" spc="-25" dirty="0">
+              <a:rPr lang="en-US" sz="1950" i="1" spc="-25" dirty="0">
                 <a:solidFill>
                   <a:srgbClr val="12B124"/>
                 </a:solidFill>
@@ -29761,7 +29540,7 @@
               <a:t>o</a:t>
             </a:r>
             <a:r>
-              <a:rPr sz="1950" i="1" spc="-20" dirty="0">
+              <a:rPr lang="en-US" sz="1950" i="1" spc="-20" dirty="0">
                 <a:solidFill>
                   <a:srgbClr val="12B124"/>
                 </a:solidFill>
@@ -29771,7 +29550,7 @@
               <a:t>‐wa</a:t>
             </a:r>
             <a:r>
-              <a:rPr sz="1950" i="1" spc="-15" dirty="0">
+              <a:rPr lang="en-US" sz="1950" i="1" spc="-15" dirty="0">
                 <a:solidFill>
                   <a:srgbClr val="12B124"/>
                 </a:solidFill>
@@ -29781,7 +29560,7 @@
               <a:t>y</a:t>
             </a:r>
             <a:r>
-              <a:rPr sz="1950" i="1" dirty="0">
+              <a:rPr lang="en-US" sz="1950" i="1" dirty="0">
                 <a:solidFill>
                   <a:srgbClr val="12B124"/>
                 </a:solidFill>
@@ -29791,7 +29570,7 @@
               <a:t>	</a:t>
             </a:r>
             <a:r>
-              <a:rPr sz="1950" i="1" spc="-20" dirty="0">
+              <a:rPr lang="en-US" sz="1950" i="1" spc="-20" dirty="0">
                 <a:solidFill>
                   <a:srgbClr val="12B124"/>
                 </a:solidFill>
@@ -29801,7 +29580,7 @@
               <a:t>bindin</a:t>
             </a:r>
             <a:r>
-              <a:rPr sz="1950" i="1" spc="-15" dirty="0">
+              <a:rPr lang="en-US" sz="1950" i="1" spc="-15" dirty="0">
                 <a:solidFill>
                   <a:srgbClr val="12B124"/>
                 </a:solidFill>
@@ -29811,7 +29590,7 @@
               <a:t>g</a:t>
             </a:r>
             <a:r>
-              <a:rPr sz="1950" i="1" dirty="0">
+              <a:rPr lang="en-US" sz="1950" i="1" dirty="0">
                 <a:solidFill>
                   <a:srgbClr val="12B124"/>
                 </a:solidFill>
@@ -29821,7 +29600,7 @@
               <a:t>	</a:t>
             </a:r>
             <a:r>
-              <a:rPr sz="1950" i="1" spc="-20" dirty="0">
+              <a:rPr lang="en-US" sz="1950" i="1" spc="-20" dirty="0">
                 <a:solidFill>
                   <a:srgbClr val="12B124"/>
                 </a:solidFill>
@@ -29831,7 +29610,7 @@
               <a:t>me</a:t>
             </a:r>
             <a:r>
-              <a:rPr sz="1950" i="1" spc="-15" dirty="0">
+              <a:rPr lang="en-US" sz="1950" i="1" spc="-15" dirty="0">
                 <a:solidFill>
                   <a:srgbClr val="12B124"/>
                 </a:solidFill>
@@ -29841,7 +29620,7 @@
               <a:t>t</a:t>
             </a:r>
             <a:r>
-              <a:rPr sz="1950" i="1" dirty="0">
+              <a:rPr lang="en-US" sz="1950" i="1" dirty="0">
                 <a:solidFill>
                   <a:srgbClr val="12B124"/>
                 </a:solidFill>
@@ -29851,7 +29630,7 @@
               <a:t>	</a:t>
             </a:r>
             <a:r>
-              <a:rPr sz="1950" i="1" spc="-20" dirty="0">
+              <a:rPr lang="en-US" sz="1950" i="1" spc="-20" dirty="0" err="1">
                 <a:solidFill>
                   <a:srgbClr val="12B124"/>
                 </a:solidFill>
@@ -29861,7 +29640,7 @@
               <a:t>uitgebreid</a:t>
             </a:r>
             <a:r>
-              <a:rPr sz="1950" i="1" spc="-15" dirty="0">
+              <a:rPr lang="en-US" sz="1950" i="1" spc="-15" dirty="0" err="1">
                 <a:solidFill>
                   <a:srgbClr val="12B124"/>
                 </a:solidFill>
@@ -29871,7 +29650,7 @@
               <a:t>e</a:t>
             </a:r>
             <a:r>
-              <a:rPr sz="1950" i="1" dirty="0">
+              <a:rPr lang="en-US" sz="1950" i="1" dirty="0">
                 <a:solidFill>
                   <a:srgbClr val="12B124"/>
                 </a:solidFill>
@@ -29881,7 +29660,7 @@
               <a:t>	</a:t>
             </a:r>
             <a:r>
-              <a:rPr sz="1950" i="1" spc="-20" dirty="0">
+              <a:rPr lang="en-US" sz="1950" i="1" spc="-20" dirty="0" err="1">
                 <a:solidFill>
                   <a:srgbClr val="12B124"/>
                 </a:solidFill>
@@ -29891,7 +29670,7 @@
               <a:t>syntaxi</a:t>
             </a:r>
             <a:r>
-              <a:rPr sz="1950" i="1" spc="-30" dirty="0">
+              <a:rPr lang="en-US" sz="1950" i="1" spc="-30" dirty="0" err="1">
                 <a:solidFill>
                   <a:srgbClr val="12B124"/>
                 </a:solidFill>
@@ -29901,7 +29680,7 @@
               <a:t>s</a:t>
             </a:r>
             <a:r>
-              <a:rPr sz="1950" i="1" spc="-20" dirty="0">
+              <a:rPr lang="en-US" sz="1950" i="1" spc="-20" dirty="0">
                 <a:solidFill>
                   <a:srgbClr val="12B124"/>
                 </a:solidFill>
@@ -29911,7 +29690,7 @@
               <a:t>‐‐</a:t>
             </a:r>
             <a:r>
-              <a:rPr sz="1950" i="1" spc="-15" dirty="0">
+              <a:rPr lang="en-US" sz="1950" i="1" spc="-15" dirty="0">
                 <a:solidFill>
                   <a:srgbClr val="12B124"/>
                 </a:solidFill>
@@ -29920,7 +29699,7 @@
               </a:rPr>
               <a:t>&gt;</a:t>
             </a:r>
-            <a:endParaRPr sz="1950" dirty="0">
+            <a:endParaRPr lang="en-US" sz="1950" dirty="0">
               <a:latin typeface="Consolas"/>
               <a:cs typeface="Consolas"/>
             </a:endParaRPr>
@@ -29939,14 +29718,14 @@
               </a:tabLst>
             </a:pPr>
             <a:r>
-              <a:rPr sz="1950" spc="-20" dirty="0">
+              <a:rPr lang="en-US" sz="1950" spc="-20" dirty="0">
                 <a:latin typeface="Consolas"/>
                 <a:cs typeface="Consolas"/>
               </a:rPr>
               <a:t>&lt;</a:t>
             </a:r>
             <a:r>
-              <a:rPr sz="1950" b="1" spc="-20" dirty="0">
+              <a:rPr lang="en-US" sz="1950" b="1" spc="-20" dirty="0">
                 <a:solidFill>
                   <a:srgbClr val="000080"/>
                 </a:solidFill>
@@ -29956,7 +29735,7 @@
               <a:t>inpu</a:t>
             </a:r>
             <a:r>
-              <a:rPr sz="1950" b="1" spc="-15" dirty="0">
+              <a:rPr lang="en-US" sz="1950" b="1" spc="-15" dirty="0">
                 <a:solidFill>
                   <a:srgbClr val="000080"/>
                 </a:solidFill>
@@ -29966,44 +29745,88 @@
               <a:t>t</a:t>
             </a:r>
             <a:r>
-              <a:rPr sz="1950" b="1" dirty="0">
+              <a:rPr lang="en-US" sz="1950" b="1" dirty="0">
                 <a:solidFill>
                   <a:srgbClr val="000080"/>
                 </a:solidFill>
                 <a:latin typeface="Times New Roman"/>
                 <a:cs typeface="Times New Roman"/>
               </a:rPr>
+              <a:t>	 </a:t>
+            </a:r>
+            <a:r>
+              <a:rPr lang="en-US" sz="1950" spc="-20" dirty="0">
+                <a:latin typeface="Consolas"/>
+                <a:cs typeface="Consolas"/>
+              </a:rPr>
+              <a:t>type=</a:t>
+            </a:r>
+            <a:r>
+              <a:rPr lang="en-US" sz="1950" b="1" spc="-20" dirty="0">
+                <a:solidFill>
+                  <a:srgbClr val="008000"/>
+                </a:solidFill>
+                <a:latin typeface="Consolas"/>
+                <a:cs typeface="Consolas"/>
+              </a:rPr>
+              <a:t>"text</a:t>
+            </a:r>
+            <a:r>
+              <a:rPr lang="en-US" sz="1950" b="1" spc="-15" dirty="0">
+                <a:solidFill>
+                  <a:srgbClr val="008000"/>
+                </a:solidFill>
+                <a:latin typeface="Consolas"/>
+                <a:cs typeface="Consolas"/>
+              </a:rPr>
+              <a:t>"</a:t>
+            </a:r>
+            <a:r>
+              <a:rPr lang="en-US" sz="1950" b="1" dirty="0">
+                <a:solidFill>
+                  <a:srgbClr val="008000"/>
+                </a:solidFill>
+                <a:latin typeface="Times New Roman"/>
+                <a:cs typeface="Times New Roman"/>
+              </a:rPr>
               <a:t>	</a:t>
             </a:r>
             <a:r>
-              <a:rPr lang="nl-NL" sz="1950" b="1" dirty="0">
-                <a:solidFill>
-                  <a:srgbClr val="000080"/>
-                </a:solidFill>
-                <a:latin typeface="Times New Roman"/>
-                <a:cs typeface="Times New Roman"/>
-              </a:rPr>
-              <a:t> </a:t>
-            </a:r>
-            <a:r>
-              <a:rPr sz="1950" spc="-20" dirty="0">
-                <a:latin typeface="Consolas"/>
-                <a:cs typeface="Consolas"/>
-              </a:rPr>
-              <a:t>type=</a:t>
-            </a:r>
-            <a:r>
-              <a:rPr sz="1950" b="1" spc="-20" dirty="0">
-                <a:solidFill>
-                  <a:srgbClr val="008000"/>
-                </a:solidFill>
-                <a:latin typeface="Consolas"/>
-                <a:cs typeface="Consolas"/>
-              </a:rPr>
-              <a:t>"text</a:t>
-            </a:r>
-            <a:r>
-              <a:rPr sz="1950" b="1" spc="-15" dirty="0">
+              <a:rPr lang="en-US" sz="1950" spc="-20" dirty="0">
+                <a:latin typeface="Consolas"/>
+                <a:cs typeface="Consolas"/>
+              </a:rPr>
+              <a:t>class</a:t>
+            </a:r>
+            <a:r>
+              <a:rPr lang="en-US" sz="1950" spc="-30" dirty="0">
+                <a:latin typeface="Consolas"/>
+                <a:cs typeface="Consolas"/>
+              </a:rPr>
+              <a:t>=</a:t>
+            </a:r>
+            <a:r>
+              <a:rPr lang="en-US" sz="1950" b="1" spc="-20" dirty="0">
+                <a:solidFill>
+                  <a:srgbClr val="008000"/>
+                </a:solidFill>
+                <a:latin typeface="Consolas"/>
+                <a:cs typeface="Consolas"/>
+              </a:rPr>
+              <a:t>"input‐</a:t>
+            </a:r>
+            <a:r>
+              <a:rPr lang="en-US" sz="1950" b="1" spc="-20" dirty="0" err="1">
+                <a:solidFill>
+                  <a:srgbClr val="008000"/>
+                </a:solidFill>
+                <a:latin typeface="Consolas"/>
+                <a:cs typeface="Consolas"/>
+              </a:rPr>
+              <a:t>lg</a:t>
+            </a:r>
+            <a:r>
+              <a:rPr lang="en-US" sz="1950" b="1" spc="-20" dirty="0">
                 <a:solidFill>
                   <a:srgbClr val="008000"/>
                 </a:solidFill>
@@ -30013,7 +29836,101 @@
               <a:t>"</a:t>
             </a:r>
             <a:r>
-              <a:rPr sz="1950" b="1" dirty="0">
+              <a:rPr lang="en-US" sz="1950" b="1" spc="-10" dirty="0">
+                <a:solidFill>
+                  <a:srgbClr val="008000"/>
+                </a:solidFill>
+                <a:latin typeface="Times New Roman"/>
+                <a:cs typeface="Times New Roman"/>
+              </a:rPr>
+              <a:t> </a:t>
+            </a:r>
+            <a:r>
+              <a:rPr lang="en-US" sz="1950" spc="-20" dirty="0">
+                <a:latin typeface="Consolas"/>
+                <a:cs typeface="Consolas"/>
+              </a:rPr>
+              <a:t>[value]=</a:t>
+            </a:r>
+            <a:r>
+              <a:rPr lang="en-US" sz="1950" b="1" spc="-20" dirty="0">
+                <a:solidFill>
+                  <a:srgbClr val="008000"/>
+                </a:solidFill>
+                <a:latin typeface="Consolas"/>
+                <a:cs typeface="Consolas"/>
+              </a:rPr>
+              <a:t>"</a:t>
+            </a:r>
+            <a:r>
+              <a:rPr lang="en-US" sz="1950" b="1" spc="-20" dirty="0" err="1">
+                <a:solidFill>
+                  <a:srgbClr val="008000"/>
+                </a:solidFill>
+                <a:latin typeface="Consolas"/>
+                <a:cs typeface="Consolas"/>
+              </a:rPr>
+              <a:t>newCityExtended</a:t>
+            </a:r>
+            <a:r>
+              <a:rPr lang="en-US" sz="1950" b="1" spc="-20" dirty="0">
+                <a:solidFill>
+                  <a:srgbClr val="008000"/>
+                </a:solidFill>
+                <a:latin typeface="Consolas"/>
+                <a:cs typeface="Consolas"/>
+              </a:rPr>
+              <a:t>"</a:t>
+            </a:r>
+            <a:r>
+              <a:rPr lang="en-US" sz="1950" b="1" spc="-10" dirty="0">
+                <a:solidFill>
+                  <a:srgbClr val="008000"/>
+                </a:solidFill>
+                <a:latin typeface="Times New Roman"/>
+                <a:cs typeface="Times New Roman"/>
+              </a:rPr>
+              <a:t>    </a:t>
+            </a:r>
+            <a:r>
+              <a:rPr lang="en-US" sz="1950" spc="-20" dirty="0">
+                <a:latin typeface="Consolas"/>
+                <a:cs typeface="Consolas"/>
+              </a:rPr>
+              <a:t>(input)=</a:t>
+            </a:r>
+            <a:r>
+              <a:rPr lang="en-US" sz="1950" b="1" spc="-20" dirty="0">
+                <a:solidFill>
+                  <a:srgbClr val="008000"/>
+                </a:solidFill>
+                <a:latin typeface="Consolas"/>
+                <a:cs typeface="Consolas"/>
+              </a:rPr>
+              <a:t>"</a:t>
+            </a:r>
+            <a:r>
+              <a:rPr lang="en-US" sz="1950" b="1" spc="-20" dirty="0" err="1">
+                <a:solidFill>
+                  <a:srgbClr val="008000"/>
+                </a:solidFill>
+                <a:latin typeface="Consolas"/>
+                <a:cs typeface="Consolas"/>
+              </a:rPr>
+              <a:t>newCityExtende</a:t>
+            </a:r>
+            <a:r>
+              <a:rPr lang="en-US" sz="1950" b="1" spc="-15" dirty="0" err="1">
+                <a:solidFill>
+                  <a:srgbClr val="008000"/>
+                </a:solidFill>
+                <a:latin typeface="Consolas"/>
+                <a:cs typeface="Consolas"/>
+              </a:rPr>
+              <a:t>d</a:t>
+            </a:r>
+            <a:r>
+              <a:rPr lang="en-US" sz="1950" b="1" dirty="0">
                 <a:solidFill>
                   <a:srgbClr val="008000"/>
                 </a:solidFill>
@@ -30023,95 +29940,17 @@
               <a:t>	</a:t>
             </a:r>
             <a:r>
-              <a:rPr sz="1950" spc="-20" dirty="0">
-                <a:latin typeface="Consolas"/>
-                <a:cs typeface="Consolas"/>
-              </a:rPr>
-              <a:t>class</a:t>
-            </a:r>
-            <a:r>
-              <a:rPr sz="1950" spc="-30" dirty="0">
+              <a:rPr lang="en-US" sz="1950" b="1" spc="-15" dirty="0">
+                <a:solidFill>
+                  <a:srgbClr val="008000"/>
+                </a:solidFill>
                 <a:latin typeface="Consolas"/>
                 <a:cs typeface="Consolas"/>
               </a:rPr>
               <a:t>=</a:t>
             </a:r>
             <a:r>
-              <a:rPr sz="1950" b="1" spc="-20" dirty="0">
-                <a:solidFill>
-                  <a:srgbClr val="008000"/>
-                </a:solidFill>
-                <a:latin typeface="Consolas"/>
-                <a:cs typeface="Consolas"/>
-              </a:rPr>
-              <a:t>"input‐lg"</a:t>
-            </a:r>
-            <a:r>
-              <a:rPr sz="1950" b="1" spc="-10" dirty="0">
-                <a:solidFill>
-                  <a:srgbClr val="008000"/>
-                </a:solidFill>
-                <a:latin typeface="Times New Roman"/>
-                <a:cs typeface="Times New Roman"/>
-              </a:rPr>
-              <a:t> </a:t>
-            </a:r>
-            <a:r>
-              <a:rPr sz="1950" spc="-20" dirty="0">
-                <a:latin typeface="Consolas"/>
-                <a:cs typeface="Consolas"/>
-              </a:rPr>
-              <a:t>[value]=</a:t>
-            </a:r>
-            <a:r>
-              <a:rPr sz="1950" b="1" spc="-20" dirty="0">
-                <a:solidFill>
-                  <a:srgbClr val="008000"/>
-                </a:solidFill>
-                <a:latin typeface="Consolas"/>
-                <a:cs typeface="Consolas"/>
-              </a:rPr>
-              <a:t>"newCityExtended"</a:t>
-            </a:r>
-            <a:r>
-              <a:rPr sz="1950" b="1" spc="-10" dirty="0">
-                <a:solidFill>
-                  <a:srgbClr val="008000"/>
-                </a:solidFill>
-                <a:latin typeface="Times New Roman"/>
-                <a:cs typeface="Times New Roman"/>
-              </a:rPr>
-              <a:t>    </a:t>
-            </a:r>
-            <a:r>
-              <a:rPr sz="1950" spc="-20" dirty="0">
-                <a:latin typeface="Consolas"/>
-                <a:cs typeface="Consolas"/>
-              </a:rPr>
-              <a:t>(input)=</a:t>
-            </a:r>
-            <a:r>
-              <a:rPr sz="1950" b="1" spc="-20" dirty="0">
-                <a:solidFill>
-                  <a:srgbClr val="008000"/>
-                </a:solidFill>
-                <a:latin typeface="Consolas"/>
-                <a:cs typeface="Consolas"/>
-              </a:rPr>
-              <a:t>"newCityExtende</a:t>
-            </a:r>
-            <a:r>
-              <a:rPr sz="1950" b="1" spc="-15" dirty="0">
-                <a:solidFill>
-                  <a:srgbClr val="008000"/>
-                </a:solidFill>
-                <a:latin typeface="Consolas"/>
-                <a:cs typeface="Consolas"/>
-              </a:rPr>
-              <a:t>d</a:t>
-            </a:r>
-            <a:r>
-              <a:rPr sz="1950" b="1" dirty="0">
+              <a:rPr lang="en-US" sz="1950" b="1" dirty="0">
                 <a:solidFill>
                   <a:srgbClr val="008000"/>
                 </a:solidFill>
@@ -30121,17 +29960,37 @@
               <a:t>	</a:t>
             </a:r>
             <a:r>
-              <a:rPr sz="1950" b="1" spc="-15" dirty="0">
-                <a:solidFill>
-                  <a:srgbClr val="008000"/>
-                </a:solidFill>
-                <a:latin typeface="Consolas"/>
-                <a:cs typeface="Consolas"/>
-              </a:rPr>
-              <a:t>=</a:t>
-            </a:r>
-            <a:r>
-              <a:rPr sz="1950" b="1" dirty="0">
+              <a:rPr lang="en-US" sz="1950" b="1" spc="-20" dirty="0">
+                <a:solidFill>
+                  <a:srgbClr val="008000"/>
+                </a:solidFill>
+                <a:latin typeface="Consolas"/>
+                <a:cs typeface="Consolas"/>
+              </a:rPr>
+              <a:t>$</a:t>
+            </a:r>
+            <a:r>
+              <a:rPr lang="en-US" sz="1950" b="1" spc="-20" dirty="0" err="1">
+                <a:solidFill>
+                  <a:srgbClr val="008000"/>
+                </a:solidFill>
+                <a:latin typeface="Consolas"/>
+                <a:cs typeface="Consolas"/>
+              </a:rPr>
+              <a:t>event.target.value</a:t>
+            </a:r>
+            <a:r>
+              <a:rPr lang="en-US" sz="1950" b="1" spc="-15" dirty="0">
+                <a:solidFill>
+                  <a:srgbClr val="008000"/>
+                </a:solidFill>
+                <a:latin typeface="Consolas"/>
+                <a:cs typeface="Consolas"/>
+              </a:rPr>
+              <a:t>"</a:t>
+            </a:r>
+            <a:r>
+              <a:rPr lang="en-US" sz="1950" b="1" dirty="0">
                 <a:solidFill>
                   <a:srgbClr val="008000"/>
                 </a:solidFill>
@@ -30141,43 +30000,13 @@
               <a:t>	</a:t>
             </a:r>
             <a:r>
-              <a:rPr sz="1950" b="1" spc="-20" dirty="0">
-                <a:solidFill>
-                  <a:srgbClr val="008000"/>
-                </a:solidFill>
-                <a:latin typeface="Consolas"/>
-                <a:cs typeface="Consolas"/>
-              </a:rPr>
-              <a:t>$event.target.value</a:t>
-            </a:r>
-            <a:r>
-              <a:rPr sz="1950" b="1" spc="-15" dirty="0">
-                <a:solidFill>
-                  <a:srgbClr val="008000"/>
-                </a:solidFill>
-                <a:latin typeface="Consolas"/>
-                <a:cs typeface="Consolas"/>
-              </a:rPr>
-              <a:t>"</a:t>
-            </a:r>
-            <a:r>
-              <a:rPr sz="1950" b="1" dirty="0">
-                <a:solidFill>
-                  <a:srgbClr val="008000"/>
-                </a:solidFill>
-                <a:latin typeface="Times New Roman"/>
-                <a:cs typeface="Times New Roman"/>
-              </a:rPr>
-              <a:t>	</a:t>
-            </a:r>
-            <a:r>
-              <a:rPr sz="1950" spc="-25" dirty="0">
+              <a:rPr lang="en-US" sz="1950" spc="-25" dirty="0">
                 <a:latin typeface="Consolas"/>
                 <a:cs typeface="Consolas"/>
               </a:rPr>
               <a:t>/&gt;</a:t>
             </a:r>
-            <a:endParaRPr sz="1950" dirty="0">
+            <a:endParaRPr lang="en-US" sz="1950" dirty="0">
               <a:latin typeface="Consolas"/>
               <a:cs typeface="Consolas"/>
             </a:endParaRPr>
@@ -30196,14 +30025,14 @@
               </a:tabLst>
             </a:pPr>
             <a:r>
-              <a:rPr sz="1950" spc="-20" dirty="0">
+              <a:rPr lang="en-US" sz="1950" spc="-20" dirty="0">
                 <a:latin typeface="Consolas"/>
                 <a:cs typeface="Consolas"/>
               </a:rPr>
               <a:t>&lt;</a:t>
             </a:r>
             <a:r>
-              <a:rPr sz="1950" b="1" spc="-20" dirty="0">
+              <a:rPr lang="en-US" sz="1950" b="1" spc="-20" dirty="0">
                 <a:solidFill>
                   <a:srgbClr val="000080"/>
                 </a:solidFill>
@@ -30213,7 +30042,7 @@
               <a:t>h</a:t>
             </a:r>
             <a:r>
-              <a:rPr sz="1950" b="1" spc="-25" dirty="0">
+              <a:rPr lang="en-US" sz="1950" b="1" spc="-25" dirty="0">
                 <a:solidFill>
                   <a:srgbClr val="000080"/>
                 </a:solidFill>
@@ -30223,63 +30052,63 @@
               <a:t>2</a:t>
             </a:r>
             <a:r>
-              <a:rPr sz="1950" spc="-20" dirty="0">
+              <a:rPr lang="en-US" sz="1950" spc="-20" dirty="0">
                 <a:latin typeface="Consolas"/>
                 <a:cs typeface="Consolas"/>
               </a:rPr>
               <a:t>&gt;{</a:t>
             </a:r>
             <a:r>
-              <a:rPr sz="1950" spc="-15" dirty="0">
+              <a:rPr lang="en-US" sz="1950" spc="-15" dirty="0">
                 <a:latin typeface="Consolas"/>
                 <a:cs typeface="Consolas"/>
               </a:rPr>
               <a:t>{</a:t>
             </a:r>
             <a:r>
-              <a:rPr sz="1950" dirty="0">
+              <a:rPr lang="en-US" sz="1950" dirty="0">
                 <a:latin typeface="Times New Roman"/>
                 <a:cs typeface="Times New Roman"/>
               </a:rPr>
               <a:t>	</a:t>
             </a:r>
             <a:r>
-              <a:rPr sz="1950" spc="-20" dirty="0">
+              <a:rPr lang="en-US" sz="1950" spc="-20" dirty="0" err="1">
                 <a:latin typeface="Consolas"/>
                 <a:cs typeface="Consolas"/>
               </a:rPr>
               <a:t>newCityExtende</a:t>
             </a:r>
             <a:r>
-              <a:rPr sz="1950" spc="-15" dirty="0">
+              <a:rPr lang="en-US" sz="1950" spc="-15" dirty="0" err="1">
                 <a:latin typeface="Consolas"/>
                 <a:cs typeface="Consolas"/>
               </a:rPr>
               <a:t>d</a:t>
             </a:r>
             <a:r>
-              <a:rPr sz="1950" dirty="0">
+              <a:rPr lang="en-US" sz="1950" dirty="0">
                 <a:latin typeface="Times New Roman"/>
                 <a:cs typeface="Times New Roman"/>
               </a:rPr>
               <a:t>	</a:t>
             </a:r>
             <a:r>
-              <a:rPr sz="1950" spc="-20" dirty="0">
+              <a:rPr lang="en-US" sz="1950" spc="-20" dirty="0">
                 <a:latin typeface="Consolas"/>
                 <a:cs typeface="Consolas"/>
               </a:rPr>
               <a:t>}}&lt;</a:t>
             </a:r>
             <a:r>
-              <a:rPr sz="1950" spc="-30" dirty="0">
+              <a:rPr lang="en-US" sz="1950" spc="-30" dirty="0">
                 <a:latin typeface="Consolas"/>
                 <a:cs typeface="Consolas"/>
               </a:rPr>
               <a:t>/</a:t>
             </a:r>
             <a:r>
-              <a:rPr sz="1950" b="1" spc="-25" dirty="0">
+              <a:rPr lang="en-US" sz="1950" b="1" spc="-25" dirty="0">
                 <a:solidFill>
                   <a:srgbClr val="000080"/>
                 </a:solidFill>
@@ -30289,7 +30118,7 @@
               <a:t>h</a:t>
             </a:r>
             <a:r>
-              <a:rPr sz="1950" b="1" spc="-20" dirty="0">
+              <a:rPr lang="en-US" sz="1950" b="1" spc="-20" dirty="0">
                 <a:solidFill>
                   <a:srgbClr val="000080"/>
                 </a:solidFill>
@@ -30299,13 +30128,13 @@
               <a:t>2</a:t>
             </a:r>
             <a:r>
-              <a:rPr sz="1950" spc="-15" dirty="0">
+              <a:rPr lang="en-US" sz="1950" spc="-15" dirty="0">
                 <a:latin typeface="Consolas"/>
                 <a:cs typeface="Consolas"/>
               </a:rPr>
               <a:t>&gt;</a:t>
             </a:r>
-            <a:endParaRPr sz="1950" dirty="0">
+            <a:endParaRPr lang="en-US" sz="1950" dirty="0">
               <a:latin typeface="Consolas"/>
               <a:cs typeface="Consolas"/>
             </a:endParaRPr>
@@ -30420,309 +30249,6 @@
       </p:sp>
       <p:sp>
         <p:nvSpPr>
-          <p:cNvPr id="3" name="object 3"/>
-          <p:cNvSpPr txBox="1">
-            <a:spLocks noGrp="1"/>
-          </p:cNvSpPr>
-          <p:nvPr>
-            <p:ph type="body" idx="1"/>
-          </p:nvPr>
-        </p:nvSpPr>
-        <p:spPr>
-          <a:xfrm>
-            <a:off x="366000" y="1612623"/>
-            <a:ext cx="9961399" cy="1918210"/>
-          </a:xfrm>
-          <a:prstGeom prst="rect">
-            <a:avLst/>
-          </a:prstGeom>
-        </p:spPr>
-        <p:txBody>
-          <a:bodyPr vert="horz" wrap="square" lIns="0" tIns="43173" rIns="0" bIns="0" rtlCol="0">
-            <a:spAutoFit/>
-          </a:bodyPr>
-          <a:lstStyle/>
-          <a:p>
-            <a:pPr marL="1254125" marR="1457325" indent="-340995">
-              <a:lnSpc>
-                <a:spcPct val="149400"/>
-              </a:lnSpc>
-              <a:buFont typeface="Verdana"/>
-              <a:buChar char="•"/>
-              <a:tabLst>
-                <a:tab pos="1254760" algn="l"/>
-              </a:tabLst>
-            </a:pPr>
-            <a:r>
-              <a:rPr spc="-25" dirty="0"/>
-              <a:t>V</a:t>
-            </a:r>
-            <a:r>
-              <a:rPr spc="-15" dirty="0"/>
-              <a:t>roeger</a:t>
-            </a:r>
-            <a:r>
-              <a:rPr spc="270" dirty="0">
-                <a:latin typeface="Times New Roman"/>
-                <a:cs typeface="Times New Roman"/>
-              </a:rPr>
-              <a:t> </a:t>
-            </a:r>
-            <a:r>
-              <a:rPr spc="-20" dirty="0"/>
-              <a:t>maakte</a:t>
-            </a:r>
-            <a:r>
-              <a:rPr spc="254" dirty="0">
-                <a:latin typeface="Times New Roman"/>
-                <a:cs typeface="Times New Roman"/>
-              </a:rPr>
-              <a:t> </a:t>
-            </a:r>
-            <a:r>
-              <a:rPr spc="-20" dirty="0"/>
-              <a:t>de</a:t>
-            </a:r>
-            <a:r>
-              <a:rPr spc="270" dirty="0">
-                <a:latin typeface="Times New Roman"/>
-                <a:cs typeface="Times New Roman"/>
-              </a:rPr>
-              <a:t> </a:t>
-            </a:r>
-            <a:r>
-              <a:rPr spc="-85" dirty="0"/>
-              <a:t>F</a:t>
-            </a:r>
-            <a:r>
-              <a:rPr spc="-25" dirty="0"/>
-              <a:t>o</a:t>
-            </a:r>
-            <a:r>
-              <a:rPr spc="-15" dirty="0"/>
-              <a:t>rmulie</a:t>
-            </a:r>
-            <a:r>
-              <a:rPr spc="-45" dirty="0"/>
-              <a:t>r</a:t>
-            </a:r>
-            <a:r>
-              <a:rPr spc="-20" dirty="0"/>
-              <a:t>-</a:t>
-            </a:r>
-            <a:r>
-              <a:rPr spc="-15" dirty="0"/>
-              <a:t>functionaliteit</a:t>
-            </a:r>
-            <a:r>
-              <a:rPr spc="-10" dirty="0">
-                <a:latin typeface="Times New Roman"/>
-                <a:cs typeface="Times New Roman"/>
-              </a:rPr>
-              <a:t> </a:t>
-            </a:r>
-            <a:r>
-              <a:rPr spc="-20" dirty="0"/>
-              <a:t>standaard</a:t>
-            </a:r>
-            <a:r>
-              <a:rPr spc="280" dirty="0">
-                <a:latin typeface="Times New Roman"/>
-                <a:cs typeface="Times New Roman"/>
-              </a:rPr>
-              <a:t> </a:t>
-            </a:r>
-            <a:r>
-              <a:rPr spc="-25" dirty="0"/>
-              <a:t>dee</a:t>
-            </a:r>
-            <a:r>
-              <a:rPr spc="-10" dirty="0"/>
-              <a:t>l</a:t>
-            </a:r>
-            <a:r>
-              <a:rPr spc="265" dirty="0">
-                <a:latin typeface="Times New Roman"/>
-                <a:cs typeface="Times New Roman"/>
-              </a:rPr>
-              <a:t> </a:t>
-            </a:r>
-            <a:r>
-              <a:rPr spc="-20" dirty="0"/>
-              <a:t>ui</a:t>
-            </a:r>
-            <a:r>
-              <a:rPr spc="-15" dirty="0"/>
-              <a:t>t</a:t>
-            </a:r>
-            <a:r>
-              <a:rPr spc="280" dirty="0">
-                <a:latin typeface="Times New Roman"/>
-                <a:cs typeface="Times New Roman"/>
-              </a:rPr>
-              <a:t> </a:t>
-            </a:r>
-            <a:r>
-              <a:rPr spc="-70" dirty="0"/>
-              <a:t>v</a:t>
-            </a:r>
-            <a:r>
-              <a:rPr spc="-20" dirty="0"/>
-              <a:t>an</a:t>
-            </a:r>
-            <a:r>
-              <a:rPr spc="270" dirty="0">
-                <a:latin typeface="Times New Roman"/>
-                <a:cs typeface="Times New Roman"/>
-              </a:rPr>
-              <a:t> </a:t>
-            </a:r>
-            <a:r>
-              <a:rPr spc="-20" dirty="0"/>
-              <a:t>Angula</a:t>
-            </a:r>
-            <a:r>
-              <a:rPr spc="-390" dirty="0"/>
-              <a:t>r</a:t>
-            </a:r>
-            <a:r>
-              <a:rPr spc="-10" dirty="0"/>
-              <a:t>.</a:t>
-            </a:r>
-          </a:p>
-          <a:p>
-            <a:pPr marL="1254125" indent="-340995">
-              <a:lnSpc>
-                <a:spcPct val="100000"/>
-              </a:lnSpc>
-              <a:spcBef>
-                <a:spcPts val="2160"/>
-              </a:spcBef>
-              <a:buFont typeface="Verdana"/>
-              <a:buChar char="•"/>
-              <a:tabLst>
-                <a:tab pos="1254760" algn="l"/>
-              </a:tabLst>
-            </a:pPr>
-            <a:r>
-              <a:rPr spc="-25" dirty="0"/>
-              <a:t>N</a:t>
-            </a:r>
-            <a:r>
-              <a:rPr spc="-20" dirty="0"/>
-              <a:t>u</a:t>
-            </a:r>
-            <a:r>
-              <a:rPr spc="275" dirty="0">
-                <a:latin typeface="Times New Roman"/>
-                <a:cs typeface="Times New Roman"/>
-              </a:rPr>
-              <a:t> </a:t>
-            </a:r>
-            <a:r>
-              <a:rPr spc="-20" dirty="0"/>
-              <a:t>nie</a:t>
-            </a:r>
-            <a:r>
-              <a:rPr spc="-15" dirty="0"/>
-              <a:t>t</a:t>
-            </a:r>
-            <a:r>
-              <a:rPr spc="275" dirty="0">
-                <a:latin typeface="Times New Roman"/>
-                <a:cs typeface="Times New Roman"/>
-              </a:rPr>
-              <a:t> </a:t>
-            </a:r>
-            <a:r>
-              <a:rPr spc="-25" dirty="0"/>
-              <a:t>mee</a:t>
-            </a:r>
-            <a:r>
-              <a:rPr spc="-15" dirty="0"/>
-              <a:t>r</a:t>
-            </a:r>
-            <a:r>
-              <a:rPr spc="265" dirty="0">
-                <a:latin typeface="Times New Roman"/>
-                <a:cs typeface="Times New Roman"/>
-              </a:rPr>
-              <a:t> </a:t>
-            </a:r>
-            <a:r>
-              <a:rPr spc="-20" dirty="0"/>
-              <a:t>–</a:t>
-            </a:r>
-            <a:r>
-              <a:rPr spc="260" dirty="0">
-                <a:latin typeface="Times New Roman"/>
-                <a:cs typeface="Times New Roman"/>
-              </a:rPr>
-              <a:t> </a:t>
-            </a:r>
-            <a:r>
-              <a:rPr spc="-20" dirty="0"/>
-              <a:t>apar</a:t>
-            </a:r>
-            <a:r>
-              <a:rPr spc="-15" dirty="0"/>
-              <a:t>t</a:t>
-            </a:r>
-            <a:r>
-              <a:rPr spc="275" dirty="0">
-                <a:latin typeface="Times New Roman"/>
-                <a:cs typeface="Times New Roman"/>
-              </a:rPr>
-              <a:t> </a:t>
-            </a:r>
-            <a:r>
-              <a:rPr spc="-20" dirty="0"/>
-              <a:t>importeren</a:t>
-            </a:r>
-            <a:r>
-              <a:rPr spc="305" dirty="0">
-                <a:latin typeface="Times New Roman"/>
-                <a:cs typeface="Times New Roman"/>
-              </a:rPr>
-              <a:t> </a:t>
-            </a:r>
-            <a:r>
-              <a:rPr spc="-15" dirty="0"/>
-              <a:t>i</a:t>
-            </a:r>
-            <a:r>
-              <a:rPr spc="-20" dirty="0"/>
-              <a:t>n</a:t>
-            </a:r>
-            <a:r>
-              <a:rPr spc="270" dirty="0">
-                <a:latin typeface="Times New Roman"/>
-                <a:cs typeface="Times New Roman"/>
-              </a:rPr>
-              <a:t> </a:t>
-            </a:r>
-            <a:r>
-              <a:rPr b="1" spc="-25" dirty="0">
-                <a:solidFill>
-                  <a:srgbClr val="C00000"/>
-                </a:solidFill>
-                <a:latin typeface="Courier New"/>
-                <a:cs typeface="Courier New"/>
-              </a:rPr>
-              <a:t>app.module.ts</a:t>
-            </a:r>
-            <a:r>
-              <a:rPr spc="-25" dirty="0">
-                <a:latin typeface="Courier New"/>
-                <a:cs typeface="Courier New"/>
-              </a:rPr>
-              <a:t>!</a:t>
-            </a:r>
-          </a:p>
-        </p:txBody>
-      </p:sp>
-      <p:sp>
-        <p:nvSpPr>
           <p:cNvPr id="4" name="object 4"/>
           <p:cNvSpPr txBox="1"/>
           <p:nvPr/>
@@ -31085,6 +30611,31 @@
               <a:latin typeface="Courier New"/>
               <a:cs typeface="Courier New"/>
             </a:endParaRPr>
+          </a:p>
+        </p:txBody>
+      </p:sp>
+      <p:sp>
+        <p:nvSpPr>
+          <p:cNvPr id="11" name="Text Placeholder 10">
+            <a:extLst>
+              <a:ext uri="{FF2B5EF4-FFF2-40B4-BE49-F238E27FC236}">
+                <a16:creationId xmlns:a16="http://schemas.microsoft.com/office/drawing/2014/main" id="{ADD926CA-A026-0442-9430-3A0FE6AC987E}"/>
+              </a:ext>
+            </a:extLst>
+          </p:cNvPr>
+          <p:cNvSpPr>
+            <a:spLocks noGrp="1"/>
+          </p:cNvSpPr>
+          <p:nvPr>
+            <p:ph type="body" idx="1"/>
+          </p:nvPr>
+        </p:nvSpPr>
+        <p:spPr/>
+        <p:txBody>
+          <a:bodyPr/>
+          <a:lstStyle/>
+          <a:p>
+            <a:endParaRPr lang="en-US" dirty="0"/>
           </a:p>
         </p:txBody>
       </p:sp>

--- a/PPT/02- Angular Databinding.pptx
+++ b/PPT/02- Angular Databinding.pptx
@@ -2571,7 +2571,7 @@
           <a:p>
             <a:fld id="{14471771-6CF3-0A4E-92CD-0AAA74C1AC74}" type="datetime1">
               <a:rPr lang="en-US" smtClean="0"/>
-              <a:t>2/26/19</a:t>
+              <a:t>4/29/19</a:t>
             </a:fld>
             <a:endParaRPr lang="en-US"/>
           </a:p>
@@ -2730,7 +2730,7 @@
           <a:p>
             <a:fld id="{AFA0C4A9-B9CF-204F-845A-78855C677058}" type="datetime1">
               <a:rPr lang="en-US" smtClean="0"/>
-              <a:t>2/26/19</a:t>
+              <a:t>4/29/19</a:t>
             </a:fld>
             <a:endParaRPr lang="en-US"/>
           </a:p>
@@ -2921,7 +2921,7 @@
           <a:p>
             <a:fld id="{19FA71EB-BBB9-284F-A0BA-D21452800DEF}" type="datetime1">
               <a:rPr lang="en-US" smtClean="0"/>
-              <a:t>2/26/19</a:t>
+              <a:t>4/29/19</a:t>
             </a:fld>
             <a:endParaRPr lang="en-US"/>
           </a:p>
@@ -3046,7 +3046,7 @@
           <a:p>
             <a:fld id="{4FD675FF-E717-2A40-AC09-B7D72BBC8572}" type="datetime1">
               <a:rPr lang="en-US" smtClean="0"/>
-              <a:t>2/26/19</a:t>
+              <a:t>4/29/19</a:t>
             </a:fld>
             <a:endParaRPr lang="en-US"/>
           </a:p>
@@ -3142,7 +3142,7 @@
           <a:p>
             <a:fld id="{50269BC5-4D28-1B46-B364-F1D1817E9371}" type="datetime1">
               <a:rPr lang="en-US" smtClean="0"/>
-              <a:t>2/26/19</a:t>
+              <a:t>4/29/19</a:t>
             </a:fld>
             <a:endParaRPr lang="en-US"/>
           </a:p>
@@ -3376,7 +3376,7 @@
           <a:p>
             <a:fld id="{0E34B6BF-76F8-634E-A5E2-C7F984B93D64}" type="datetime1">
               <a:rPr lang="en-US" smtClean="0"/>
-              <a:t>2/26/19</a:t>
+              <a:t>4/29/19</a:t>
             </a:fld>
             <a:endParaRPr lang="en-US"/>
           </a:p>
@@ -24638,6 +24638,10 @@
           </p:nvPr>
         </p:nvSpPr>
         <p:spPr>
+          <a:xfrm>
+            <a:off x="366000" y="1612623"/>
+            <a:ext cx="9961399" cy="4188583"/>
+          </a:xfrm>
           <a:prstGeom prst="rect">
             <a:avLst/>
           </a:prstGeom>
@@ -24711,7 +24715,7 @@
               <a:rPr sz="1950" spc="-15" dirty="0"/>
               <a:t>views/partials.</a:t>
             </a:r>
-            <a:endParaRPr sz="1950">
+            <a:endParaRPr sz="1950" dirty="0">
               <a:latin typeface="Times New Roman"/>
               <a:cs typeface="Times New Roman"/>
             </a:endParaRPr>
@@ -24772,7 +24776,7 @@
               </a:rPr>
               <a:t>binding</a:t>
             </a:r>
-            <a:endParaRPr sz="1600">
+            <a:endParaRPr sz="1600" dirty="0">
               <a:latin typeface="Verdana"/>
               <a:cs typeface="Verdana"/>
             </a:endParaRPr>
@@ -24833,7 +24837,7 @@
               </a:rPr>
               <a:t>binding</a:t>
             </a:r>
-            <a:endParaRPr sz="1600">
+            <a:endParaRPr sz="1600" dirty="0">
               <a:latin typeface="Verdana"/>
               <a:cs typeface="Verdana"/>
             </a:endParaRPr>
@@ -24922,7 +24926,7 @@
               </a:rPr>
               <a:t>binding</a:t>
             </a:r>
-            <a:endParaRPr sz="1600">
+            <a:endParaRPr sz="1600" dirty="0">
               <a:latin typeface="Verdana"/>
               <a:cs typeface="Verdana"/>
             </a:endParaRPr>
@@ -25018,7 +25022,7 @@
               </a:rPr>
               <a:t>binding</a:t>
             </a:r>
-            <a:endParaRPr sz="1600">
+            <a:endParaRPr sz="1600" dirty="0">
               <a:latin typeface="Verdana"/>
               <a:cs typeface="Verdana"/>
             </a:endParaRPr>
@@ -25034,7 +25038,7 @@
               <a:buFont typeface="Verdana"/>
               <a:buAutoNum type="arabicPeriod"/>
             </a:pPr>
-            <a:endParaRPr sz="1300">
+            <a:endParaRPr sz="1300" dirty="0">
               <a:latin typeface="Times New Roman"/>
               <a:cs typeface="Times New Roman"/>
             </a:endParaRPr>
@@ -25069,7 +25073,7 @@
               <a:rPr sz="1950" spc="-15" dirty="0"/>
               <a:t>1:</a:t>
             </a:r>
-            <a:endParaRPr sz="1950">
+            <a:endParaRPr sz="1950" dirty="0">
               <a:latin typeface="Times New Roman"/>
               <a:cs typeface="Times New Roman"/>
             </a:endParaRPr>
@@ -25303,7 +25307,7 @@
               <a:rPr sz="1600" spc="-20" dirty="0"/>
               <a:t>samenhang</a:t>
             </a:r>
-            <a:endParaRPr sz="1600">
+            <a:endParaRPr sz="1600" dirty="0">
               <a:latin typeface="Times New Roman"/>
               <a:cs typeface="Times New Roman"/>
             </a:endParaRPr>
@@ -25317,7 +25321,7 @@
                 <a:spcPts val="39"/>
               </a:spcBef>
             </a:pPr>
-            <a:endParaRPr sz="1300">
+            <a:endParaRPr sz="1300" dirty="0">
               <a:latin typeface="Times New Roman"/>
               <a:cs typeface="Times New Roman"/>
             </a:endParaRPr>
@@ -25350,9 +25354,17 @@
             </a:r>
             <a:r>
               <a:rPr sz="1950" spc="-15" dirty="0"/>
-              <a:t>2:</a:t>
-            </a:r>
-            <a:endParaRPr sz="1950">
+              <a:t>2</a:t>
+            </a:r>
+            <a:r>
+              <a:rPr lang="nl-NL" sz="1950" spc="-15" dirty="0"/>
+              <a:t>/7</a:t>
+            </a:r>
+            <a:r>
+              <a:rPr sz="1950" spc="-15" dirty="0"/>
+              <a:t>:</a:t>
+            </a:r>
+            <a:endParaRPr sz="1950" dirty="0">
               <a:latin typeface="Times New Roman"/>
               <a:cs typeface="Times New Roman"/>
             </a:endParaRPr>
@@ -25462,7 +25474,7 @@
               </a:rPr>
               <a:t>component.</a:t>
             </a:r>
-            <a:endParaRPr sz="1600">
+            <a:endParaRPr sz="1600" dirty="0">
               <a:latin typeface="Verdana"/>
               <a:cs typeface="Verdana"/>
             </a:endParaRPr>
@@ -33956,7 +33968,37 @@
                 <a:latin typeface="Consolas"/>
                 <a:cs typeface="Consolas"/>
               </a:rPr>
-              <a:t>'angular2/core</a:t>
+              <a:t>'</a:t>
+            </a:r>
+            <a:r>
+              <a:rPr lang="nl-NL" sz="1700" b="1" spc="-5">
+                <a:solidFill>
+                  <a:srgbClr val="008000"/>
+                </a:solidFill>
+                <a:latin typeface="Consolas"/>
+                <a:cs typeface="Consolas"/>
+              </a:rPr>
+              <a:t>@</a:t>
+            </a:r>
+            <a:r>
+              <a:rPr sz="1700" b="1" spc="-5">
+                <a:solidFill>
+                  <a:srgbClr val="008000"/>
+                </a:solidFill>
+                <a:latin typeface="Consolas"/>
+                <a:cs typeface="Consolas"/>
+              </a:rPr>
+              <a:t>angular/</a:t>
+            </a:r>
+            <a:r>
+              <a:rPr sz="1700" b="1" spc="-5" dirty="0">
+                <a:solidFill>
+                  <a:srgbClr val="008000"/>
+                </a:solidFill>
+                <a:latin typeface="Consolas"/>
+                <a:cs typeface="Consolas"/>
+              </a:rPr>
+              <a:t>core</a:t>
             </a:r>
             <a:r>
               <a:rPr sz="1700" b="1" dirty="0">

--- a/PPT/02- Angular Databinding.pptx
+++ b/PPT/02- Angular Databinding.pptx
@@ -612,7 +612,7 @@
               <a:t>ngOnDestroy</a:t>
             </a:r>
             <a:r>
-              <a:rPr lang="en-US" sz="1200" b="0" i="0" kern="1200">
+              <a:rPr lang="en-US" sz="1200" b="0" i="0" kern="1200" dirty="0">
                 <a:solidFill>
                   <a:schemeClr val="tx1"/>
                 </a:solidFill>
@@ -625,7 +625,7 @@
             </a:r>
           </a:p>
           <a:p>
-            <a:endParaRPr lang="en-US"/>
+            <a:endParaRPr lang="en-US" dirty="0"/>
           </a:p>
         </p:txBody>
       </p:sp>
@@ -4746,6 +4746,9 @@
                 <a:solidFill>
                   <a:srgbClr val="000080"/>
                 </a:solidFill>
+                <a:highlight>
+                  <a:srgbClr val="FFFF00"/>
+                </a:highlight>
                 <a:latin typeface="Consolas"/>
                 <a:cs typeface="Consolas"/>
               </a:rPr>
@@ -4756,6 +4759,9 @@
                 <a:solidFill>
                   <a:srgbClr val="000080"/>
                 </a:solidFill>
+                <a:highlight>
+                  <a:srgbClr val="FFFF00"/>
+                </a:highlight>
                 <a:latin typeface="Consolas"/>
                 <a:cs typeface="Consolas"/>
               </a:rPr>
@@ -5467,7 +5473,7 @@
         <p:spPr>
           <a:xfrm>
             <a:off x="6432508" y="4736825"/>
-            <a:ext cx="1847214" cy="295275"/>
+            <a:ext cx="1847214" cy="300082"/>
           </a:xfrm>
           <a:prstGeom prst="rect">
             <a:avLst/>
@@ -5537,21 +5543,7 @@
               </a:rPr>
               <a:t>r</a:t>
             </a:r>
-            <a:r>
-              <a:rPr sz="1950" spc="185" dirty="0">
-                <a:latin typeface="Times New Roman"/>
-                <a:cs typeface="Times New Roman"/>
-              </a:rPr>
-              <a:t> </a:t>
-            </a:r>
-            <a:r>
-              <a:rPr sz="1950" spc="-10" dirty="0">
-                <a:latin typeface="Verdana"/>
-                <a:cs typeface="Verdana"/>
-              </a:rPr>
-              <a:t>:</a:t>
-            </a:r>
-            <a:endParaRPr sz="1950">
+            <a:endParaRPr sz="1950" dirty="0">
               <a:latin typeface="Verdana"/>
               <a:cs typeface="Verdana"/>
             </a:endParaRPr>
@@ -7743,6 +7735,10 @@
           </p:nvPr>
         </p:nvSpPr>
         <p:spPr>
+          <a:xfrm>
+            <a:off x="1384300" y="472182"/>
+            <a:ext cx="8633854" cy="423193"/>
+          </a:xfrm>
           <a:prstGeom prst="rect">
             <a:avLst/>
           </a:prstGeom>
@@ -7797,6 +7793,9 @@
             </a:r>
             <a:r>
               <a:rPr spc="10" dirty="0">
+                <a:highlight>
+                  <a:srgbClr val="FFFF00"/>
+                </a:highlight>
                 <a:latin typeface="Courier New"/>
                 <a:cs typeface="Courier New"/>
               </a:rPr>
@@ -7892,6 +7891,9 @@
             </a:r>
             <a:r>
               <a:rPr sz="1950" spc="-20" dirty="0">
+                <a:highlight>
+                  <a:srgbClr val="FFFF00"/>
+                </a:highlight>
                 <a:latin typeface="Courier New"/>
                 <a:cs typeface="Courier New"/>
               </a:rPr>
@@ -7899,6 +7901,9 @@
             </a:r>
             <a:r>
               <a:rPr sz="1950" spc="-15" dirty="0">
+                <a:highlight>
+                  <a:srgbClr val="FFFF00"/>
+                </a:highlight>
                 <a:latin typeface="Courier New"/>
                 <a:cs typeface="Courier New"/>
               </a:rPr>
@@ -7906,6 +7911,9 @@
             </a:r>
             <a:r>
               <a:rPr sz="1950" spc="25" dirty="0">
+                <a:highlight>
+                  <a:srgbClr val="FFFF00"/>
+                </a:highlight>
                 <a:latin typeface="Times New Roman"/>
                 <a:cs typeface="Times New Roman"/>
               </a:rPr>
@@ -8040,10 +8048,23 @@
                 <a:solidFill>
                   <a:srgbClr val="008000"/>
                 </a:solidFill>
-                <a:latin typeface="Consolas"/>
-                <a:cs typeface="Consolas"/>
-              </a:rPr>
-              <a:t>*ngIf="cities.lengt</a:t>
+                <a:highlight>
+                  <a:srgbClr val="FFFF00"/>
+                </a:highlight>
+                <a:latin typeface="Consolas"/>
+                <a:cs typeface="Consolas"/>
+              </a:rPr>
+              <a:t>*ngIf</a:t>
+            </a:r>
+            <a:r>
+              <a:rPr sz="1700" b="1" spc="-5" dirty="0">
+                <a:solidFill>
+                  <a:srgbClr val="008000"/>
+                </a:solidFill>
+                <a:latin typeface="Consolas"/>
+                <a:cs typeface="Consolas"/>
+              </a:rPr>
+              <a:t>="cities.lengt</a:t>
             </a:r>
             <a:r>
               <a:rPr sz="1700" b="1" spc="5" dirty="0">
@@ -8522,7 +8543,7 @@
               </a:rPr>
               <a:t>houdt:</a:t>
             </a:r>
-            <a:endParaRPr sz="1950">
+            <a:endParaRPr sz="1950" dirty="0">
               <a:latin typeface="Verdana"/>
               <a:cs typeface="Verdana"/>
             </a:endParaRPr>
@@ -8543,7 +8564,7 @@
               </a:rPr>
               <a:t>@Component({</a:t>
             </a:r>
-            <a:endParaRPr sz="1700">
+            <a:endParaRPr sz="1700" dirty="0">
               <a:latin typeface="Consolas"/>
               <a:cs typeface="Consolas"/>
             </a:endParaRPr>
@@ -8659,12 +8680,25 @@
                 <a:solidFill>
                   <a:srgbClr val="008000"/>
                 </a:solidFill>
-                <a:latin typeface="Consolas"/>
-                <a:cs typeface="Consolas"/>
-              </a:rPr>
-              <a:t>'app/app.html'</a:t>
-            </a:r>
-            <a:endParaRPr sz="1700">
+                <a:highlight>
+                  <a:srgbClr val="FFFF00"/>
+                </a:highlight>
+                <a:latin typeface="Consolas"/>
+                <a:cs typeface="Consolas"/>
+              </a:rPr>
+              <a:t>'app/app.html</a:t>
+            </a:r>
+            <a:r>
+              <a:rPr sz="1700" b="1" spc="-5" dirty="0">
+                <a:solidFill>
+                  <a:srgbClr val="008000"/>
+                </a:solidFill>
+                <a:latin typeface="Consolas"/>
+                <a:cs typeface="Consolas"/>
+              </a:rPr>
+              <a:t>'</a:t>
+            </a:r>
+            <a:endParaRPr sz="1700" dirty="0">
               <a:latin typeface="Consolas"/>
               <a:cs typeface="Consolas"/>
             </a:endParaRPr>
@@ -8685,10 +8719,6 @@
               </a:rPr>
               <a:t>})</a:t>
             </a:r>
-            <a:endParaRPr sz="1700">
-              <a:latin typeface="Consolas"/>
-              <a:cs typeface="Consolas"/>
-            </a:endParaRPr>
           </a:p>
         </p:txBody>
       </p:sp>
@@ -8778,14 +8808,14 @@
               </a:lnSpc>
             </a:pPr>
             <a:r>
-              <a:rPr sz="1950" spc="-20" dirty="0">
+              <a:rPr sz="1950" spc="-20" dirty="0" err="1">
                 <a:latin typeface="Arial"/>
                 <a:cs typeface="Arial"/>
               </a:rPr>
               <a:t>Bestan</a:t>
             </a:r>
             <a:r>
-              <a:rPr sz="1950" spc="-15" dirty="0">
+              <a:rPr sz="1950" spc="-15" dirty="0" err="1">
                 <a:latin typeface="Arial"/>
                 <a:cs typeface="Arial"/>
               </a:rPr>
@@ -8799,13 +8829,27 @@
               <a:t> </a:t>
             </a:r>
             <a:r>
-              <a:rPr sz="1950" spc="-20" dirty="0">
+              <a:rPr lang="nl-NL" sz="1950" spc="-10" dirty="0">
+                <a:latin typeface="Arial"/>
+                <a:cs typeface="Arial"/>
+              </a:rPr>
+              <a:t>in </a:t>
+            </a:r>
+            <a:r>
+              <a:rPr sz="1950" spc="-20" dirty="0" err="1">
                 <a:latin typeface="Courier New"/>
                 <a:cs typeface="Courier New"/>
               </a:rPr>
               <a:t>app.html</a:t>
             </a:r>
-            <a:endParaRPr sz="1950">
+            <a:r>
+              <a:rPr lang="nl-NL" sz="1950" spc="-20" dirty="0">
+                <a:latin typeface="Courier New"/>
+                <a:cs typeface="Courier New"/>
+              </a:rPr>
+              <a:t> plaatsen:</a:t>
+            </a:r>
+            <a:endParaRPr sz="1950" dirty="0">
               <a:latin typeface="Courier New"/>
               <a:cs typeface="Courier New"/>
             </a:endParaRPr>
@@ -9039,7 +9083,7 @@
               </a:rPr>
               <a:t>&gt;</a:t>
             </a:r>
-            <a:endParaRPr sz="1700">
+            <a:endParaRPr sz="1700" dirty="0">
               <a:latin typeface="Consolas"/>
               <a:cs typeface="Consolas"/>
             </a:endParaRPr>
@@ -9167,7 +9211,7 @@
               </a:rPr>
               <a:t>&gt;</a:t>
             </a:r>
-            <a:endParaRPr sz="1700">
+            <a:endParaRPr sz="1700" dirty="0">
               <a:latin typeface="Consolas"/>
               <a:cs typeface="Consolas"/>
             </a:endParaRPr>
@@ -9341,7 +9385,7 @@
               </a:rPr>
               <a:t>&gt;</a:t>
             </a:r>
-            <a:endParaRPr sz="1700">
+            <a:endParaRPr sz="1700" dirty="0">
               <a:latin typeface="Consolas"/>
               <a:cs typeface="Consolas"/>
             </a:endParaRPr>
@@ -9584,7 +9628,7 @@
               </a:rPr>
               <a:t>&gt;</a:t>
             </a:r>
-            <a:endParaRPr sz="1700">
+            <a:endParaRPr sz="1700" dirty="0">
               <a:latin typeface="Consolas"/>
               <a:cs typeface="Consolas"/>
             </a:endParaRPr>
@@ -9774,7 +9818,7 @@
               </a:rPr>
               <a:t>&gt;</a:t>
             </a:r>
-            <a:endParaRPr sz="1700">
+            <a:endParaRPr sz="1700" dirty="0">
               <a:latin typeface="Consolas"/>
               <a:cs typeface="Consolas"/>
             </a:endParaRPr>
@@ -9795,7 +9839,7 @@
               </a:rPr>
               <a:t>…</a:t>
             </a:r>
-            <a:endParaRPr sz="1700">
+            <a:endParaRPr sz="1700" dirty="0">
               <a:latin typeface="Consolas"/>
               <a:cs typeface="Consolas"/>
             </a:endParaRPr>
@@ -10342,6 +10386,9 @@
             </a:r>
             <a:r>
               <a:rPr sz="1950" spc="-15" dirty="0" err="1">
+                <a:highlight>
+                  <a:srgbClr val="FFFF00"/>
+                </a:highlight>
                 <a:latin typeface="Verdana"/>
                 <a:cs typeface="Verdana"/>
               </a:rPr>
@@ -10349,6 +10396,9 @@
             </a:r>
             <a:r>
               <a:rPr sz="1950" spc="185" dirty="0">
+                <a:highlight>
+                  <a:srgbClr val="FFFF00"/>
+                </a:highlight>
                 <a:latin typeface="Times New Roman"/>
                 <a:cs typeface="Times New Roman"/>
               </a:rPr>
@@ -10356,6 +10406,9 @@
             </a:r>
             <a:r>
               <a:rPr sz="1950" spc="-20" dirty="0">
+                <a:highlight>
+                  <a:srgbClr val="FFFF00"/>
+                </a:highlight>
                 <a:latin typeface="Verdana"/>
                 <a:cs typeface="Verdana"/>
               </a:rPr>
@@ -10363,6 +10416,9 @@
             </a:r>
             <a:r>
               <a:rPr sz="1950" spc="-165" dirty="0">
+                <a:highlight>
+                  <a:srgbClr val="FFFF00"/>
+                </a:highlight>
                 <a:latin typeface="Verdana"/>
                 <a:cs typeface="Verdana"/>
               </a:rPr>
@@ -10370,12 +10426,18 @@
             </a:r>
             <a:r>
               <a:rPr sz="1950" spc="-20" dirty="0">
+                <a:highlight>
+                  <a:srgbClr val="FFFF00"/>
+                </a:highlight>
                 <a:latin typeface="Verdana"/>
                 <a:cs typeface="Verdana"/>
               </a:rPr>
               <a:t>-templates</a:t>
             </a:r>
             <a:endParaRPr lang="nl-NL" sz="1950" spc="-20" dirty="0">
+              <a:highlight>
+                <a:srgbClr val="FFFF00"/>
+              </a:highlight>
               <a:latin typeface="Verdana"/>
               <a:cs typeface="Verdana"/>
             </a:endParaRPr>
@@ -10396,6 +10458,9 @@
             </a:pPr>
             <a:r>
               <a:rPr lang="en-US" sz="1950" spc="-20" dirty="0">
+                <a:highlight>
+                  <a:srgbClr val="FFFF00"/>
+                </a:highlight>
                 <a:latin typeface="Verdana"/>
                 <a:cs typeface="Verdana"/>
               </a:rPr>
@@ -10403,12 +10468,18 @@
             </a:r>
             <a:r>
               <a:rPr lang="en-US" sz="1950" spc="-20" dirty="0" err="1">
+                <a:highlight>
+                  <a:srgbClr val="FFFF00"/>
+                </a:highlight>
                 <a:latin typeface="Verdana"/>
                 <a:cs typeface="Verdana"/>
               </a:rPr>
               <a:t>inzetten</a:t>
             </a:r>
             <a:endParaRPr lang="nl-NL" sz="1950" spc="-20" dirty="0">
+              <a:highlight>
+                <a:srgbClr val="FFFF00"/>
+              </a:highlight>
               <a:latin typeface="Verdana"/>
               <a:cs typeface="Verdana"/>
             </a:endParaRPr>
@@ -16096,13 +16167,26 @@
                 <a:latin typeface="Consolas"/>
                 <a:cs typeface="Consolas"/>
               </a:rPr>
-              <a:t>onKeyUp(event:</a:t>
+              <a:t>onKeyUp(</a:t>
+            </a:r>
+            <a:r>
+              <a:rPr sz="1500" spc="5" dirty="0">
+                <a:highlight>
+                  <a:srgbClr val="FFFF00"/>
+                </a:highlight>
+                <a:latin typeface="Consolas"/>
+                <a:cs typeface="Consolas"/>
+              </a:rPr>
+              <a:t>event:</a:t>
             </a:r>
             <a:r>
               <a:rPr sz="1500" b="1" dirty="0">
                 <a:solidFill>
                   <a:srgbClr val="000080"/>
                 </a:solidFill>
+                <a:highlight>
+                  <a:srgbClr val="FFFF00"/>
+                </a:highlight>
                 <a:latin typeface="Consolas"/>
                 <a:cs typeface="Consolas"/>
               </a:rPr>
@@ -16113,6 +16197,9 @@
                 <a:solidFill>
                   <a:srgbClr val="000080"/>
                 </a:solidFill>
+                <a:highlight>
+                  <a:srgbClr val="FFFF00"/>
+                </a:highlight>
                 <a:latin typeface="Consolas"/>
                 <a:cs typeface="Consolas"/>
               </a:rPr>
@@ -16809,6 +16896,9 @@
             </a:r>
             <a:r>
               <a:rPr sz="1500" b="1" spc="-5" dirty="0">
+                <a:highlight>
+                  <a:srgbClr val="FFFF00"/>
+                </a:highlight>
                 <a:latin typeface="Arial"/>
                 <a:cs typeface="Arial"/>
               </a:rPr>
@@ -16816,6 +16906,9 @@
             </a:r>
             <a:r>
               <a:rPr sz="1500" b="1" dirty="0">
+                <a:highlight>
+                  <a:srgbClr val="FFFF00"/>
+                </a:highlight>
                 <a:latin typeface="Arial"/>
                 <a:cs typeface="Arial"/>
               </a:rPr>
@@ -16823,6 +16916,9 @@
             </a:r>
             <a:r>
               <a:rPr sz="1500" b="1" spc="-20" dirty="0">
+                <a:highlight>
+                  <a:srgbClr val="FFFF00"/>
+                </a:highlight>
                 <a:latin typeface="Arial"/>
                 <a:cs typeface="Arial"/>
               </a:rPr>
@@ -16830,6 +16926,9 @@
             </a:r>
             <a:r>
               <a:rPr sz="1500" b="1" spc="-5" dirty="0">
+                <a:highlight>
+                  <a:srgbClr val="FFFF00"/>
+                </a:highlight>
                 <a:latin typeface="Arial"/>
                 <a:cs typeface="Arial"/>
               </a:rPr>
@@ -16837,6 +16936,9 @@
             </a:r>
             <a:r>
               <a:rPr sz="1500" b="1" dirty="0">
+                <a:highlight>
+                  <a:srgbClr val="FFFF00"/>
+                </a:highlight>
                 <a:latin typeface="Arial"/>
                 <a:cs typeface="Arial"/>
               </a:rPr>
@@ -16844,6 +16946,9 @@
             </a:r>
             <a:r>
               <a:rPr sz="1500" b="1" spc="-20" dirty="0">
+                <a:highlight>
+                  <a:srgbClr val="FFFF00"/>
+                </a:highlight>
                 <a:latin typeface="Arial"/>
                 <a:cs typeface="Arial"/>
               </a:rPr>
@@ -16851,12 +16956,18 @@
             </a:r>
             <a:r>
               <a:rPr sz="1500" b="1" spc="-5" dirty="0">
+                <a:highlight>
+                  <a:srgbClr val="FFFF00"/>
+                </a:highlight>
                 <a:latin typeface="Arial"/>
                 <a:cs typeface="Arial"/>
               </a:rPr>
               <a:t>variable</a:t>
             </a:r>
             <a:endParaRPr sz="1500" dirty="0">
+              <a:highlight>
+                <a:srgbClr val="FFFF00"/>
+              </a:highlight>
               <a:latin typeface="Arial"/>
               <a:cs typeface="Arial"/>
             </a:endParaRPr>
@@ -18564,6 +18675,9 @@
                 <a:solidFill>
                   <a:srgbClr val="C00000"/>
                 </a:solidFill>
+                <a:highlight>
+                  <a:srgbClr val="FFFF00"/>
+                </a:highlight>
                 <a:latin typeface="Consolas"/>
                 <a:cs typeface="Consolas"/>
               </a:rPr>
@@ -18574,6 +18688,9 @@
                 <a:solidFill>
                   <a:srgbClr val="C00000"/>
                 </a:solidFill>
+                <a:highlight>
+                  <a:srgbClr val="FFFF00"/>
+                </a:highlight>
                 <a:latin typeface="Consolas"/>
                 <a:cs typeface="Consolas"/>
               </a:rPr>
@@ -18584,6 +18701,9 @@
                 <a:solidFill>
                   <a:srgbClr val="C00000"/>
                 </a:solidFill>
+                <a:highlight>
+                  <a:srgbClr val="FFFF00"/>
+                </a:highlight>
                 <a:latin typeface="Times New Roman"/>
                 <a:cs typeface="Times New Roman"/>
               </a:rPr>
@@ -18594,6 +18714,9 @@
                 <a:solidFill>
                   <a:srgbClr val="C00000"/>
                 </a:solidFill>
+                <a:highlight>
+                  <a:srgbClr val="FFFF00"/>
+                </a:highlight>
                 <a:latin typeface="Times New Roman"/>
                 <a:cs typeface="Times New Roman"/>
               </a:rPr>
@@ -19778,6 +19901,9 @@
                 <a:solidFill>
                   <a:srgbClr val="C00000"/>
                 </a:solidFill>
+                <a:highlight>
+                  <a:srgbClr val="FFFF00"/>
+                </a:highlight>
                 <a:latin typeface="Consolas"/>
                 <a:cs typeface="Consolas"/>
               </a:rPr>
@@ -33971,7 +34097,7 @@
               <a:t>'</a:t>
             </a:r>
             <a:r>
-              <a:rPr lang="nl-NL" sz="1700" b="1" spc="-5">
+              <a:rPr lang="nl-NL" sz="1700" b="1" spc="-5" dirty="0">
                 <a:solidFill>
                   <a:srgbClr val="008000"/>
                 </a:solidFill>
@@ -33981,16 +34107,6 @@
               <a:t>@</a:t>
             </a:r>
             <a:r>
-              <a:rPr sz="1700" b="1" spc="-5">
-                <a:solidFill>
-                  <a:srgbClr val="008000"/>
-                </a:solidFill>
-                <a:latin typeface="Consolas"/>
-                <a:cs typeface="Consolas"/>
-              </a:rPr>
-              <a:t>angular/</a:t>
-            </a:r>
-            <a:r>
               <a:rPr sz="1700" b="1" spc="-5" dirty="0">
                 <a:solidFill>
                   <a:srgbClr val="008000"/>
@@ -33998,7 +34114,7 @@
                 <a:latin typeface="Consolas"/>
                 <a:cs typeface="Consolas"/>
               </a:rPr>
-              <a:t>core</a:t>
+              <a:t>angular/core</a:t>
             </a:r>
             <a:r>
               <a:rPr sz="1700" b="1" dirty="0">
@@ -36087,6 +36203,10 @@
           </p:nvPr>
         </p:nvSpPr>
         <p:spPr>
+          <a:xfrm>
+            <a:off x="1384300" y="472182"/>
+            <a:ext cx="8633854" cy="423193"/>
+          </a:xfrm>
           <a:prstGeom prst="rect">
             <a:avLst/>
           </a:prstGeom>
@@ -36152,6 +36272,9 @@
             </a:r>
             <a:r>
               <a:rPr spc="10" dirty="0">
+                <a:highlight>
+                  <a:srgbClr val="FFFF00"/>
+                </a:highlight>
                 <a:latin typeface="Courier New"/>
                 <a:cs typeface="Courier New"/>
               </a:rPr>
@@ -36471,10 +36594,23 @@
                 <a:solidFill>
                   <a:srgbClr val="008000"/>
                 </a:solidFill>
-                <a:latin typeface="Consolas"/>
-                <a:cs typeface="Consolas"/>
-              </a:rPr>
-              <a:t>*ngFor=”le</a:t>
+                <a:highlight>
+                  <a:srgbClr val="FFFF00"/>
+                </a:highlight>
+                <a:latin typeface="Consolas"/>
+                <a:cs typeface="Consolas"/>
+              </a:rPr>
+              <a:t>*ngFor</a:t>
+            </a:r>
+            <a:r>
+              <a:rPr sz="1500" spc="5" dirty="0">
+                <a:solidFill>
+                  <a:srgbClr val="008000"/>
+                </a:solidFill>
+                <a:latin typeface="Consolas"/>
+                <a:cs typeface="Consolas"/>
+              </a:rPr>
+              <a:t>=”le</a:t>
             </a:r>
             <a:r>
               <a:rPr sz="1500" dirty="0">
@@ -37950,7 +38086,7 @@
         <p:spPr>
           <a:xfrm>
             <a:off x="1272672" y="1029679"/>
-            <a:ext cx="9174229" cy="5037213"/>
+            <a:ext cx="9174229" cy="5090817"/>
           </a:xfrm>
           <a:prstGeom prst="rect">
             <a:avLst/>
@@ -38518,356 +38654,17 @@
             </a:endParaRPr>
           </a:p>
           <a:p>
-            <a:pPr marL="364490" indent="-635">
-              <a:lnSpc>
-                <a:spcPct val="100000"/>
-              </a:lnSpc>
-              <a:spcBef>
-                <a:spcPts val="490"/>
-              </a:spcBef>
-            </a:pPr>
-            <a:r>
-              <a:rPr sz="1500" i="1" dirty="0">
-                <a:solidFill>
-                  <a:srgbClr val="46C249"/>
-                </a:solidFill>
-                <a:latin typeface="Consolas"/>
-                <a:cs typeface="Consolas"/>
-              </a:rPr>
-              <a:t>//</a:t>
-            </a:r>
-            <a:r>
-              <a:rPr sz="1500" i="1" dirty="0">
-                <a:solidFill>
-                  <a:srgbClr val="46C249"/>
-                </a:solidFill>
-                <a:latin typeface="Times New Roman"/>
-                <a:cs typeface="Times New Roman"/>
-              </a:rPr>
-              <a:t> </a:t>
-            </a:r>
-            <a:r>
-              <a:rPr sz="1500" i="1" spc="90" dirty="0">
-                <a:solidFill>
-                  <a:srgbClr val="46C249"/>
-                </a:solidFill>
-                <a:latin typeface="Times New Roman"/>
-                <a:cs typeface="Times New Roman"/>
-              </a:rPr>
-              <a:t> </a:t>
-            </a:r>
-            <a:r>
-              <a:rPr sz="1500" i="1" spc="5" dirty="0">
-                <a:solidFill>
-                  <a:srgbClr val="46C249"/>
-                </a:solidFill>
-                <a:latin typeface="Consolas"/>
-                <a:cs typeface="Consolas"/>
-              </a:rPr>
-              <a:t>Clas</a:t>
-            </a:r>
-            <a:r>
-              <a:rPr sz="1500" i="1" dirty="0">
-                <a:solidFill>
-                  <a:srgbClr val="46C249"/>
-                </a:solidFill>
-                <a:latin typeface="Consolas"/>
-                <a:cs typeface="Consolas"/>
-              </a:rPr>
-              <a:t>s</a:t>
-            </a:r>
-            <a:r>
-              <a:rPr sz="1500" i="1" dirty="0">
-                <a:solidFill>
-                  <a:srgbClr val="46C249"/>
-                </a:solidFill>
-                <a:latin typeface="Times New Roman"/>
-                <a:cs typeface="Times New Roman"/>
-              </a:rPr>
-              <a:t> </a:t>
-            </a:r>
-            <a:r>
-              <a:rPr sz="1500" i="1" spc="80" dirty="0">
-                <a:solidFill>
-                  <a:srgbClr val="46C249"/>
-                </a:solidFill>
-                <a:latin typeface="Times New Roman"/>
-                <a:cs typeface="Times New Roman"/>
-              </a:rPr>
-              <a:t> </a:t>
-            </a:r>
-            <a:r>
-              <a:rPr sz="1500" i="1" spc="5" dirty="0">
-                <a:solidFill>
-                  <a:srgbClr val="46C249"/>
-                </a:solidFill>
-                <a:latin typeface="Consolas"/>
-                <a:cs typeface="Consolas"/>
-              </a:rPr>
-              <a:t>me</a:t>
-            </a:r>
-            <a:r>
-              <a:rPr sz="1500" i="1" dirty="0">
-                <a:solidFill>
-                  <a:srgbClr val="46C249"/>
-                </a:solidFill>
-                <a:latin typeface="Consolas"/>
-                <a:cs typeface="Consolas"/>
-              </a:rPr>
-              <a:t>t</a:t>
-            </a:r>
-            <a:r>
-              <a:rPr sz="1500" i="1" dirty="0">
-                <a:solidFill>
-                  <a:srgbClr val="46C249"/>
-                </a:solidFill>
-                <a:latin typeface="Times New Roman"/>
-                <a:cs typeface="Times New Roman"/>
-              </a:rPr>
-              <a:t> </a:t>
-            </a:r>
-            <a:r>
-              <a:rPr sz="1500" i="1" spc="90" dirty="0">
-                <a:solidFill>
-                  <a:srgbClr val="46C249"/>
-                </a:solidFill>
-                <a:latin typeface="Times New Roman"/>
-                <a:cs typeface="Times New Roman"/>
-              </a:rPr>
-              <a:t> </a:t>
-            </a:r>
-            <a:r>
-              <a:rPr sz="1500" i="1" spc="5" dirty="0">
-                <a:solidFill>
-                  <a:srgbClr val="46C249"/>
-                </a:solidFill>
-                <a:latin typeface="Consolas"/>
-                <a:cs typeface="Consolas"/>
-              </a:rPr>
-              <a:t>properties</a:t>
-            </a:r>
-            <a:r>
-              <a:rPr sz="1500" i="1" dirty="0">
-                <a:solidFill>
-                  <a:srgbClr val="46C249"/>
-                </a:solidFill>
-                <a:latin typeface="Consolas"/>
-                <a:cs typeface="Consolas"/>
-              </a:rPr>
-              <a:t>,</a:t>
-            </a:r>
-            <a:r>
-              <a:rPr sz="1500" i="1" dirty="0">
-                <a:solidFill>
-                  <a:srgbClr val="46C249"/>
-                </a:solidFill>
-                <a:latin typeface="Times New Roman"/>
-                <a:cs typeface="Times New Roman"/>
-              </a:rPr>
-              <a:t> </a:t>
-            </a:r>
-            <a:r>
-              <a:rPr sz="1500" i="1" spc="90" dirty="0">
-                <a:solidFill>
-                  <a:srgbClr val="46C249"/>
-                </a:solidFill>
-                <a:latin typeface="Times New Roman"/>
-                <a:cs typeface="Times New Roman"/>
-              </a:rPr>
-              <a:t> </a:t>
-            </a:r>
-            <a:r>
-              <a:rPr sz="1500" i="1" spc="5" dirty="0">
-                <a:solidFill>
-                  <a:srgbClr val="46C249"/>
-                </a:solidFill>
-                <a:latin typeface="Consolas"/>
-                <a:cs typeface="Consolas"/>
-              </a:rPr>
-              <a:t>arra</a:t>
-            </a:r>
-            <a:r>
-              <a:rPr sz="1500" i="1" dirty="0">
-                <a:solidFill>
-                  <a:srgbClr val="46C249"/>
-                </a:solidFill>
-                <a:latin typeface="Consolas"/>
-                <a:cs typeface="Consolas"/>
-              </a:rPr>
-              <a:t>y</a:t>
-            </a:r>
-            <a:r>
-              <a:rPr sz="1500" i="1" dirty="0">
-                <a:solidFill>
-                  <a:srgbClr val="46C249"/>
-                </a:solidFill>
-                <a:latin typeface="Times New Roman"/>
-                <a:cs typeface="Times New Roman"/>
-              </a:rPr>
-              <a:t> </a:t>
-            </a:r>
-            <a:r>
-              <a:rPr sz="1500" i="1" spc="90" dirty="0">
-                <a:solidFill>
-                  <a:srgbClr val="46C249"/>
-                </a:solidFill>
-                <a:latin typeface="Times New Roman"/>
-                <a:cs typeface="Times New Roman"/>
-              </a:rPr>
-              <a:t> </a:t>
-            </a:r>
-            <a:r>
-              <a:rPr sz="1500" i="1" dirty="0">
-                <a:solidFill>
-                  <a:srgbClr val="46C249"/>
-                </a:solidFill>
-                <a:latin typeface="Consolas"/>
-                <a:cs typeface="Consolas"/>
-              </a:rPr>
-              <a:t>met</a:t>
-            </a:r>
-            <a:r>
-              <a:rPr sz="1500" i="1" dirty="0">
-                <a:solidFill>
-                  <a:srgbClr val="46C249"/>
-                </a:solidFill>
-                <a:latin typeface="Times New Roman"/>
-                <a:cs typeface="Times New Roman"/>
-              </a:rPr>
-              <a:t> </a:t>
-            </a:r>
-            <a:r>
-              <a:rPr sz="1500" i="1" spc="95" dirty="0">
-                <a:solidFill>
-                  <a:srgbClr val="46C249"/>
-                </a:solidFill>
-                <a:latin typeface="Times New Roman"/>
-                <a:cs typeface="Times New Roman"/>
-              </a:rPr>
-              <a:t> </a:t>
-            </a:r>
-            <a:r>
-              <a:rPr sz="1500" i="1" dirty="0">
-                <a:solidFill>
-                  <a:srgbClr val="46C249"/>
-                </a:solidFill>
-                <a:latin typeface="Consolas"/>
-                <a:cs typeface="Consolas"/>
-              </a:rPr>
-              <a:t>cities</a:t>
-            </a:r>
-            <a:endParaRPr sz="1500" dirty="0">
-              <a:latin typeface="Consolas"/>
-              <a:cs typeface="Consolas"/>
-            </a:endParaRPr>
-          </a:p>
-          <a:p>
             <a:pPr marL="683260" marR="3937635" indent="-318770">
               <a:lnSpc>
                 <a:spcPct val="151000"/>
               </a:lnSpc>
             </a:pPr>
-            <a:r>
-              <a:rPr sz="1500" b="1" dirty="0">
-                <a:solidFill>
-                  <a:srgbClr val="000080"/>
-                </a:solidFill>
-                <a:latin typeface="Consolas"/>
-                <a:cs typeface="Consolas"/>
-              </a:rPr>
-              <a:t>export</a:t>
-            </a:r>
-            <a:r>
-              <a:rPr sz="1500" b="1" dirty="0">
-                <a:solidFill>
-                  <a:srgbClr val="000080"/>
-                </a:solidFill>
-                <a:latin typeface="Times New Roman"/>
-                <a:cs typeface="Times New Roman"/>
-              </a:rPr>
-              <a:t> </a:t>
-            </a:r>
-            <a:r>
-              <a:rPr sz="1500" b="1" spc="95" dirty="0">
-                <a:solidFill>
-                  <a:srgbClr val="000080"/>
-                </a:solidFill>
-                <a:latin typeface="Times New Roman"/>
-                <a:cs typeface="Times New Roman"/>
-              </a:rPr>
-              <a:t> </a:t>
-            </a:r>
-            <a:r>
-              <a:rPr sz="1500" b="1" dirty="0">
-                <a:solidFill>
-                  <a:srgbClr val="000080"/>
-                </a:solidFill>
-                <a:latin typeface="Consolas"/>
-                <a:cs typeface="Consolas"/>
-              </a:rPr>
-              <a:t>class</a:t>
-            </a:r>
-            <a:r>
-              <a:rPr sz="1500" b="1" dirty="0">
-                <a:solidFill>
-                  <a:srgbClr val="000080"/>
-                </a:solidFill>
-                <a:latin typeface="Times New Roman"/>
-                <a:cs typeface="Times New Roman"/>
-              </a:rPr>
-              <a:t> </a:t>
-            </a:r>
-            <a:r>
-              <a:rPr sz="1500" b="1" spc="90" dirty="0">
-                <a:solidFill>
-                  <a:srgbClr val="000080"/>
-                </a:solidFill>
-                <a:latin typeface="Times New Roman"/>
-                <a:cs typeface="Times New Roman"/>
-              </a:rPr>
-              <a:t> </a:t>
-            </a:r>
-            <a:r>
-              <a:rPr sz="1500" spc="5" dirty="0" err="1">
-                <a:latin typeface="Consolas"/>
-                <a:cs typeface="Consolas"/>
-              </a:rPr>
-              <a:t>AppComponen</a:t>
-            </a:r>
-            <a:r>
-              <a:rPr sz="1500" dirty="0" err="1">
-                <a:latin typeface="Consolas"/>
-                <a:cs typeface="Consolas"/>
-              </a:rPr>
-              <a:t>t</a:t>
-            </a:r>
-            <a:r>
-              <a:rPr sz="1500" dirty="0">
-                <a:latin typeface="Times New Roman"/>
-                <a:cs typeface="Times New Roman"/>
-              </a:rPr>
-              <a:t> </a:t>
-            </a:r>
-            <a:r>
-              <a:rPr lang="en-US" b="1" i="1" dirty="0"/>
-              <a:t>implements</a:t>
-            </a:r>
-            <a:r>
-              <a:rPr lang="en-US" dirty="0"/>
-              <a:t> </a:t>
-            </a:r>
-            <a:r>
-              <a:rPr lang="en-US" b="1" dirty="0" err="1">
-                <a:solidFill>
-                  <a:srgbClr val="C00000"/>
-                </a:solidFill>
-              </a:rPr>
-              <a:t>OnInit</a:t>
-            </a:r>
-            <a:endParaRPr lang="en-US" b="1" dirty="0">
+            <a:endParaRPr lang="nl-NL" sz="1500" b="1" dirty="0">
               <a:solidFill>
-                <a:srgbClr val="C00000"/>
+                <a:srgbClr val="000080"/>
               </a:solidFill>
+              <a:latin typeface="Consolas"/>
+              <a:cs typeface="Consolas"/>
             </a:endParaRPr>
           </a:p>
           <a:p>
@@ -38876,6 +38673,125 @@
                 <a:spcPct val="151000"/>
               </a:lnSpc>
             </a:pPr>
+            <a:r>
+              <a:rPr sz="1500" b="1" dirty="0">
+                <a:solidFill>
+                  <a:srgbClr val="000080"/>
+                </a:solidFill>
+                <a:latin typeface="Consolas"/>
+                <a:cs typeface="Consolas"/>
+              </a:rPr>
+              <a:t>export</a:t>
+            </a:r>
+            <a:r>
+              <a:rPr sz="1500" b="1" dirty="0">
+                <a:solidFill>
+                  <a:srgbClr val="000080"/>
+                </a:solidFill>
+                <a:latin typeface="Times New Roman"/>
+                <a:cs typeface="Times New Roman"/>
+              </a:rPr>
+              <a:t> </a:t>
+            </a:r>
+            <a:r>
+              <a:rPr sz="1500" b="1" spc="95" dirty="0">
+                <a:solidFill>
+                  <a:srgbClr val="000080"/>
+                </a:solidFill>
+                <a:latin typeface="Times New Roman"/>
+                <a:cs typeface="Times New Roman"/>
+              </a:rPr>
+              <a:t> </a:t>
+            </a:r>
+            <a:r>
+              <a:rPr sz="1500" b="1" dirty="0">
+                <a:solidFill>
+                  <a:srgbClr val="000080"/>
+                </a:solidFill>
+                <a:latin typeface="Consolas"/>
+                <a:cs typeface="Consolas"/>
+              </a:rPr>
+              <a:t>class</a:t>
+            </a:r>
+            <a:r>
+              <a:rPr sz="1500" b="1" dirty="0">
+                <a:solidFill>
+                  <a:srgbClr val="000080"/>
+                </a:solidFill>
+                <a:latin typeface="Times New Roman"/>
+                <a:cs typeface="Times New Roman"/>
+              </a:rPr>
+              <a:t> </a:t>
+            </a:r>
+            <a:r>
+              <a:rPr sz="1500" b="1" spc="90" dirty="0">
+                <a:solidFill>
+                  <a:srgbClr val="000080"/>
+                </a:solidFill>
+                <a:latin typeface="Times New Roman"/>
+                <a:cs typeface="Times New Roman"/>
+              </a:rPr>
+              <a:t> </a:t>
+            </a:r>
+            <a:r>
+              <a:rPr sz="1500" spc="5" dirty="0" err="1">
+                <a:latin typeface="Consolas"/>
+                <a:cs typeface="Consolas"/>
+              </a:rPr>
+              <a:t>AppComponen</a:t>
+            </a:r>
+            <a:r>
+              <a:rPr sz="1500" dirty="0" err="1">
+                <a:latin typeface="Consolas"/>
+                <a:cs typeface="Consolas"/>
+              </a:rPr>
+              <a:t>t</a:t>
+            </a:r>
+            <a:r>
+              <a:rPr sz="1500" dirty="0">
+                <a:latin typeface="Times New Roman"/>
+                <a:cs typeface="Times New Roman"/>
+              </a:rPr>
+              <a:t> </a:t>
+            </a:r>
+            <a:r>
+              <a:rPr lang="en-US" b="1" i="1" dirty="0">
+                <a:highlight>
+                  <a:srgbClr val="FFFF00"/>
+                </a:highlight>
+              </a:rPr>
+              <a:t>implements</a:t>
+            </a:r>
+            <a:r>
+              <a:rPr lang="en-US" dirty="0">
+                <a:highlight>
+                  <a:srgbClr val="FFFF00"/>
+                </a:highlight>
+              </a:rPr>
+              <a:t> </a:t>
+            </a:r>
+            <a:r>
+              <a:rPr lang="en-US" b="1" dirty="0" err="1">
+                <a:solidFill>
+                  <a:srgbClr val="C00000"/>
+                </a:solidFill>
+                <a:highlight>
+                  <a:srgbClr val="FFFF00"/>
+                </a:highlight>
+              </a:rPr>
+              <a:t>OnInit</a:t>
+            </a:r>
+            <a:r>
+              <a:rPr lang="en-US" b="1" dirty="0">
+                <a:solidFill>
+                  <a:srgbClr val="C00000"/>
+                </a:solidFill>
+                <a:highlight>
+                  <a:srgbClr val="FFFF00"/>
+                </a:highlight>
+              </a:rPr>
+              <a:t> </a:t>
+            </a:r>
             <a:r>
               <a:rPr sz="1500" dirty="0">
                 <a:latin typeface="Consolas"/>

--- a/PPT/02- Angular Databinding.pptx
+++ b/PPT/02- Angular Databinding.pptx
@@ -1187,7 +1187,820 @@
           </a:bodyPr>
           <a:lstStyle/>
           <a:p>
-            <a:endParaRPr/>
+            <a:pPr marL="0" marR="0" lvl="0" indent="0" algn="l" defTabSz="914400" rtl="0" eaLnBrk="1" fontAlgn="auto" latinLnBrk="0" hangingPunct="1">
+              <a:lnSpc>
+                <a:spcPct val="100000"/>
+              </a:lnSpc>
+              <a:spcBef>
+                <a:spcPts val="0"/>
+              </a:spcBef>
+              <a:spcAft>
+                <a:spcPts val="0"/>
+              </a:spcAft>
+              <a:buClrTx/>
+              <a:buSzTx/>
+              <a:buFontTx/>
+              <a:buNone/>
+              <a:tabLst/>
+              <a:defRPr/>
+            </a:pPr>
+            <a:r>
+              <a:rPr lang="en-US" sz="1200" i="1" spc="-5" dirty="0" err="1">
+                <a:solidFill>
+                  <a:srgbClr val="C00000"/>
+                </a:solidFill>
+                <a:latin typeface="Arial"/>
+                <a:cs typeface="Arial"/>
+              </a:rPr>
+              <a:t>Problee</a:t>
+            </a:r>
+            <a:r>
+              <a:rPr lang="en-US" sz="1200" i="1" dirty="0" err="1">
+                <a:solidFill>
+                  <a:srgbClr val="C00000"/>
+                </a:solidFill>
+                <a:latin typeface="Arial"/>
+                <a:cs typeface="Arial"/>
+              </a:rPr>
+              <a:t>m</a:t>
+            </a:r>
+            <a:r>
+              <a:rPr lang="en-US" sz="1200" dirty="0">
+                <a:latin typeface="Arial"/>
+                <a:cs typeface="Arial"/>
+              </a:rPr>
+              <a:t>:</a:t>
+            </a:r>
+            <a:r>
+              <a:rPr lang="en-US" sz="1200" spc="-25" dirty="0">
+                <a:latin typeface="Arial"/>
+                <a:cs typeface="Arial"/>
+              </a:rPr>
+              <a:t> </a:t>
+            </a:r>
+            <a:r>
+              <a:rPr lang="en-US" sz="1200" spc="-5" dirty="0">
+                <a:latin typeface="Courier New"/>
+                <a:cs typeface="Courier New"/>
+              </a:rPr>
+              <a:t>even</a:t>
+            </a:r>
+            <a:r>
+              <a:rPr lang="en-US" sz="1200" dirty="0">
+                <a:latin typeface="Courier New"/>
+                <a:cs typeface="Courier New"/>
+              </a:rPr>
+              <a:t>t</a:t>
+            </a:r>
+            <a:r>
+              <a:rPr lang="en-US" sz="1200" spc="30" dirty="0">
+                <a:latin typeface="Times New Roman"/>
+                <a:cs typeface="Times New Roman"/>
+              </a:rPr>
+              <a:t> </a:t>
+            </a:r>
+            <a:r>
+              <a:rPr lang="en-US" sz="1200" spc="-5" dirty="0">
+                <a:latin typeface="Arial"/>
+                <a:cs typeface="Arial"/>
+              </a:rPr>
+              <a:t>i</a:t>
+            </a:r>
+            <a:r>
+              <a:rPr lang="en-US" sz="1200" dirty="0">
+                <a:latin typeface="Arial"/>
+                <a:cs typeface="Arial"/>
+              </a:rPr>
+              <a:t>s </a:t>
+            </a:r>
+            <a:r>
+              <a:rPr lang="en-US" sz="1200" spc="-5" dirty="0" err="1">
+                <a:latin typeface="Arial"/>
+                <a:cs typeface="Arial"/>
+              </a:rPr>
+              <a:t>nie</a:t>
+            </a:r>
+            <a:r>
+              <a:rPr lang="en-US" sz="1200" dirty="0" err="1">
+                <a:latin typeface="Arial"/>
+                <a:cs typeface="Arial"/>
+              </a:rPr>
+              <a:t>t</a:t>
+            </a:r>
+            <a:r>
+              <a:rPr lang="en-US" sz="1200" spc="-10" dirty="0">
+                <a:latin typeface="Arial"/>
+                <a:cs typeface="Arial"/>
+              </a:rPr>
+              <a:t> </a:t>
+            </a:r>
+            <a:r>
+              <a:rPr lang="en-US" sz="1200" spc="-5" dirty="0">
+                <a:latin typeface="Arial"/>
+                <a:cs typeface="Arial"/>
+              </a:rPr>
+              <a:t>strongl</a:t>
+            </a:r>
+            <a:r>
+              <a:rPr lang="en-US" sz="1200" dirty="0">
+                <a:latin typeface="Arial"/>
+                <a:cs typeface="Arial"/>
+              </a:rPr>
+              <a:t>y</a:t>
+            </a:r>
+            <a:r>
+              <a:rPr lang="en-US" sz="1200" spc="-15" dirty="0">
+                <a:latin typeface="Arial"/>
+                <a:cs typeface="Arial"/>
+              </a:rPr>
+              <a:t> </a:t>
+            </a:r>
+            <a:r>
+              <a:rPr lang="en-US" sz="1200" spc="-5" dirty="0">
+                <a:latin typeface="Arial"/>
+                <a:cs typeface="Arial"/>
+              </a:rPr>
+              <a:t>typed</a:t>
+            </a:r>
+            <a:r>
+              <a:rPr lang="en-US" sz="1200" dirty="0">
+                <a:latin typeface="Arial"/>
+                <a:cs typeface="Arial"/>
+              </a:rPr>
+              <a:t>.</a:t>
+            </a:r>
+            <a:r>
+              <a:rPr lang="en-US" sz="1200" spc="-100" dirty="0">
+                <a:latin typeface="Arial"/>
+                <a:cs typeface="Arial"/>
+              </a:rPr>
+              <a:t> </a:t>
+            </a:r>
+            <a:r>
+              <a:rPr lang="en-US" sz="1200" spc="-5" dirty="0" err="1">
+                <a:latin typeface="Arial"/>
+                <a:cs typeface="Arial"/>
+              </a:rPr>
+              <a:t>Al</a:t>
+            </a:r>
+            <a:r>
+              <a:rPr lang="en-US" sz="1200" dirty="0" err="1">
+                <a:latin typeface="Arial"/>
+                <a:cs typeface="Arial"/>
+              </a:rPr>
+              <a:t>s</a:t>
+            </a:r>
+            <a:r>
+              <a:rPr lang="en-US" sz="1200" dirty="0">
+                <a:latin typeface="Arial"/>
+                <a:cs typeface="Arial"/>
+              </a:rPr>
+              <a:t> </a:t>
+            </a:r>
+            <a:r>
+              <a:rPr lang="en-US" sz="1200" spc="-5" dirty="0" err="1">
+                <a:latin typeface="Arial"/>
+                <a:cs typeface="Arial"/>
+              </a:rPr>
+              <a:t>j</a:t>
+            </a:r>
+            <a:r>
+              <a:rPr lang="en-US" sz="1200" dirty="0" err="1">
+                <a:latin typeface="Arial"/>
+                <a:cs typeface="Arial"/>
+              </a:rPr>
+              <a:t>e</a:t>
+            </a:r>
+            <a:r>
+              <a:rPr lang="en-US" sz="1200" dirty="0">
+                <a:latin typeface="Arial"/>
+                <a:cs typeface="Arial"/>
+              </a:rPr>
+              <a:t> </a:t>
+            </a:r>
+            <a:r>
+              <a:rPr lang="en-US" sz="1200" spc="-5" dirty="0" err="1">
+                <a:latin typeface="Arial"/>
+                <a:cs typeface="Arial"/>
+              </a:rPr>
+              <a:t>da</a:t>
+            </a:r>
+            <a:r>
+              <a:rPr lang="en-US" sz="1200" dirty="0" err="1">
+                <a:latin typeface="Arial"/>
+                <a:cs typeface="Arial"/>
+              </a:rPr>
+              <a:t>t</a:t>
+            </a:r>
+            <a:r>
+              <a:rPr lang="en-US" sz="1200" spc="-10" dirty="0">
+                <a:latin typeface="Arial"/>
+                <a:cs typeface="Arial"/>
+              </a:rPr>
+              <a:t> </a:t>
+            </a:r>
+            <a:r>
+              <a:rPr lang="en-US" sz="1200" spc="-5" dirty="0" err="1">
+                <a:latin typeface="Arial"/>
+                <a:cs typeface="Arial"/>
+              </a:rPr>
+              <a:t>echte</a:t>
+            </a:r>
+            <a:r>
+              <a:rPr lang="en-US" sz="1200" dirty="0" err="1">
+                <a:latin typeface="Arial"/>
+                <a:cs typeface="Arial"/>
+              </a:rPr>
+              <a:t>r</a:t>
+            </a:r>
+            <a:r>
+              <a:rPr lang="en-US" sz="1200" spc="-20" dirty="0">
+                <a:latin typeface="Arial"/>
+                <a:cs typeface="Arial"/>
+              </a:rPr>
+              <a:t> </a:t>
+            </a:r>
+            <a:r>
+              <a:rPr lang="en-US" sz="1200" spc="-5" dirty="0" err="1">
+                <a:latin typeface="Arial"/>
+                <a:cs typeface="Arial"/>
+              </a:rPr>
+              <a:t>we</a:t>
+            </a:r>
+            <a:r>
+              <a:rPr lang="en-US" sz="1200" dirty="0" err="1">
+                <a:latin typeface="Arial"/>
+                <a:cs typeface="Arial"/>
+              </a:rPr>
+              <a:t>l</a:t>
+            </a:r>
+            <a:r>
+              <a:rPr lang="en-US" sz="1200" dirty="0">
+                <a:latin typeface="Arial"/>
+                <a:cs typeface="Arial"/>
+              </a:rPr>
+              <a:t> </a:t>
+            </a:r>
+            <a:r>
+              <a:rPr lang="en-US" sz="1200" spc="-5" dirty="0" err="1">
+                <a:latin typeface="Arial"/>
+                <a:cs typeface="Arial"/>
+              </a:rPr>
+              <a:t>doet</a:t>
+            </a:r>
+            <a:r>
+              <a:rPr lang="en-US" sz="1200" dirty="0">
+                <a:latin typeface="Arial"/>
+                <a:cs typeface="Arial"/>
+              </a:rPr>
+              <a:t>,</a:t>
+            </a:r>
+            <a:r>
+              <a:rPr lang="en-US" sz="1200" spc="-20" dirty="0">
+                <a:latin typeface="Arial"/>
+                <a:cs typeface="Arial"/>
+              </a:rPr>
+              <a:t> </a:t>
+            </a:r>
+            <a:r>
+              <a:rPr lang="en-US" sz="1200" spc="-5" dirty="0" err="1">
+                <a:latin typeface="Arial"/>
+                <a:cs typeface="Arial"/>
+              </a:rPr>
+              <a:t>word</a:t>
+            </a:r>
+            <a:r>
+              <a:rPr lang="en-US" sz="1200" dirty="0" err="1">
+                <a:latin typeface="Arial"/>
+                <a:cs typeface="Arial"/>
+              </a:rPr>
+              <a:t>t</a:t>
+            </a:r>
+            <a:r>
+              <a:rPr lang="en-US" sz="1200" spc="-10" dirty="0">
+                <a:latin typeface="Arial"/>
+                <a:cs typeface="Arial"/>
+              </a:rPr>
+              <a:t> </a:t>
+            </a:r>
+            <a:r>
+              <a:rPr lang="en-US" sz="1200" spc="-5" dirty="0">
+                <a:latin typeface="Arial"/>
+                <a:cs typeface="Arial"/>
+              </a:rPr>
+              <a:t>d</a:t>
+            </a:r>
+            <a:r>
+              <a:rPr lang="en-US" sz="1200" dirty="0">
+                <a:latin typeface="Arial"/>
+                <a:cs typeface="Arial"/>
+              </a:rPr>
+              <a:t>e</a:t>
+            </a:r>
+            <a:r>
+              <a:rPr lang="en-US" sz="1200" spc="-10" dirty="0">
+                <a:latin typeface="Arial"/>
+                <a:cs typeface="Arial"/>
+              </a:rPr>
+              <a:t> </a:t>
+            </a:r>
+            <a:r>
+              <a:rPr lang="en-US" sz="1200" spc="-5" dirty="0">
+                <a:latin typeface="Arial"/>
+                <a:cs typeface="Arial"/>
+              </a:rPr>
+              <a:t>cl</a:t>
+            </a:r>
+            <a:r>
+              <a:rPr lang="en-US" sz="1200" dirty="0">
+                <a:latin typeface="Arial"/>
+                <a:cs typeface="Arial"/>
+              </a:rPr>
+              <a:t>a</a:t>
+            </a:r>
+            <a:r>
+              <a:rPr lang="en-US" sz="1200" spc="-5" dirty="0">
+                <a:latin typeface="Arial"/>
+                <a:cs typeface="Arial"/>
+              </a:rPr>
+              <a:t>s</a:t>
+            </a:r>
+            <a:r>
+              <a:rPr lang="en-US" sz="1200" dirty="0">
+                <a:latin typeface="Arial"/>
+                <a:cs typeface="Arial"/>
+              </a:rPr>
+              <a:t>s </a:t>
+            </a:r>
+            <a:r>
+              <a:rPr lang="en-US" sz="1200" spc="-5" dirty="0" err="1">
+                <a:latin typeface="Arial"/>
+                <a:cs typeface="Arial"/>
+              </a:rPr>
+              <a:t>vee</a:t>
+            </a:r>
+            <a:r>
+              <a:rPr lang="en-US" sz="1200" dirty="0" err="1">
+                <a:latin typeface="Arial"/>
+                <a:cs typeface="Arial"/>
+              </a:rPr>
+              <a:t>l</a:t>
+            </a:r>
+            <a:r>
+              <a:rPr lang="en-US" sz="1200" dirty="0">
+                <a:latin typeface="Arial"/>
+                <a:cs typeface="Arial"/>
+              </a:rPr>
+              <a:t> </a:t>
+            </a:r>
+            <a:r>
+              <a:rPr lang="en-US" sz="1200" spc="-5" dirty="0">
+                <a:latin typeface="Arial"/>
+                <a:cs typeface="Arial"/>
+              </a:rPr>
+              <a:t>minde</a:t>
+            </a:r>
+            <a:r>
+              <a:rPr lang="en-US" sz="1200" dirty="0">
+                <a:latin typeface="Arial"/>
+                <a:cs typeface="Arial"/>
+              </a:rPr>
+              <a:t>r</a:t>
+            </a:r>
+            <a:r>
+              <a:rPr lang="en-US" sz="1200" spc="-25" dirty="0">
+                <a:latin typeface="Arial"/>
+                <a:cs typeface="Arial"/>
+              </a:rPr>
+              <a:t> </a:t>
+            </a:r>
+            <a:r>
+              <a:rPr lang="en-US" sz="1200" spc="-5" dirty="0">
+                <a:latin typeface="Arial"/>
+                <a:cs typeface="Arial"/>
+              </a:rPr>
+              <a:t>portable</a:t>
+            </a:r>
+          </a:p>
+          <a:p>
+            <a:pPr marL="0" marR="0" lvl="0" indent="0" algn="l" defTabSz="914400" rtl="0" eaLnBrk="1" fontAlgn="auto" latinLnBrk="0" hangingPunct="1">
+              <a:lnSpc>
+                <a:spcPct val="100000"/>
+              </a:lnSpc>
+              <a:spcBef>
+                <a:spcPts val="0"/>
+              </a:spcBef>
+              <a:spcAft>
+                <a:spcPts val="0"/>
+              </a:spcAft>
+              <a:buClrTx/>
+              <a:buSzTx/>
+              <a:buFontTx/>
+              <a:buNone/>
+              <a:tabLst/>
+              <a:defRPr/>
+            </a:pPr>
+            <a:endParaRPr lang="en-US" sz="1200" spc="-5" dirty="0">
+              <a:latin typeface="Arial"/>
+              <a:cs typeface="Arial"/>
+            </a:endParaRPr>
+          </a:p>
+          <a:p>
+            <a:pPr marL="0" marR="0" lvl="0" indent="0" algn="l" defTabSz="914400" rtl="0" eaLnBrk="1" fontAlgn="auto" latinLnBrk="0" hangingPunct="1">
+              <a:lnSpc>
+                <a:spcPct val="100000"/>
+              </a:lnSpc>
+              <a:spcBef>
+                <a:spcPts val="0"/>
+              </a:spcBef>
+              <a:spcAft>
+                <a:spcPts val="0"/>
+              </a:spcAft>
+              <a:buClrTx/>
+              <a:buSzTx/>
+              <a:buFontTx/>
+              <a:buNone/>
+              <a:tabLst/>
+              <a:defRPr/>
+            </a:pPr>
+            <a:r>
+              <a:rPr lang="en-US" sz="1200" i="1" dirty="0" err="1">
+                <a:solidFill>
+                  <a:srgbClr val="C00000"/>
+                </a:solidFill>
+                <a:latin typeface="Arial"/>
+                <a:cs typeface="Arial"/>
+              </a:rPr>
+              <a:t>Oplossin</a:t>
+            </a:r>
+            <a:r>
+              <a:rPr lang="en-US" sz="1200" i="1" spc="-5" dirty="0" err="1">
+                <a:solidFill>
+                  <a:srgbClr val="C00000"/>
+                </a:solidFill>
+                <a:latin typeface="Arial"/>
+                <a:cs typeface="Arial"/>
+              </a:rPr>
+              <a:t>g</a:t>
+            </a:r>
+            <a:r>
+              <a:rPr lang="en-US" sz="1200" dirty="0">
+                <a:latin typeface="Arial"/>
+                <a:cs typeface="Arial"/>
+              </a:rPr>
+              <a:t>:</a:t>
+            </a:r>
+            <a:r>
+              <a:rPr lang="en-US" sz="1200" spc="-20" dirty="0">
+                <a:latin typeface="Arial"/>
+                <a:cs typeface="Arial"/>
+              </a:rPr>
+              <a:t> </a:t>
+            </a:r>
+            <a:r>
+              <a:rPr lang="en-US" sz="1200" spc="-5" dirty="0" err="1">
+                <a:latin typeface="Arial"/>
+                <a:cs typeface="Arial"/>
+              </a:rPr>
+              <a:t>gebrui</a:t>
+            </a:r>
+            <a:r>
+              <a:rPr lang="en-US" sz="1200" dirty="0" err="1">
+                <a:latin typeface="Arial"/>
+                <a:cs typeface="Arial"/>
+              </a:rPr>
+              <a:t>k</a:t>
+            </a:r>
+            <a:r>
+              <a:rPr lang="en-US" sz="1200" spc="-25" dirty="0">
+                <a:latin typeface="Arial"/>
+                <a:cs typeface="Arial"/>
+              </a:rPr>
+              <a:t> </a:t>
+            </a:r>
+            <a:r>
+              <a:rPr lang="en-US" sz="1200" b="1" spc="-5" dirty="0">
+                <a:highlight>
+                  <a:srgbClr val="FFFF00"/>
+                </a:highlight>
+                <a:latin typeface="Arial"/>
+                <a:cs typeface="Arial"/>
+              </a:rPr>
+              <a:t>loca</a:t>
+            </a:r>
+            <a:r>
+              <a:rPr lang="en-US" sz="1200" b="1" dirty="0">
+                <a:highlight>
+                  <a:srgbClr val="FFFF00"/>
+                </a:highlight>
+                <a:latin typeface="Arial"/>
+                <a:cs typeface="Arial"/>
+              </a:rPr>
+              <a:t>l</a:t>
+            </a:r>
+            <a:r>
+              <a:rPr lang="en-US" sz="1200" b="1" spc="-20" dirty="0">
+                <a:highlight>
+                  <a:srgbClr val="FFFF00"/>
+                </a:highlight>
+                <a:latin typeface="Arial"/>
+                <a:cs typeface="Arial"/>
+              </a:rPr>
+              <a:t> </a:t>
+            </a:r>
+            <a:r>
+              <a:rPr lang="en-US" sz="1200" b="1" spc="-5" dirty="0">
+                <a:highlight>
+                  <a:srgbClr val="FFFF00"/>
+                </a:highlight>
+                <a:latin typeface="Arial"/>
+                <a:cs typeface="Arial"/>
+              </a:rPr>
+              <a:t>templat</a:t>
+            </a:r>
+            <a:r>
+              <a:rPr lang="en-US" sz="1200" b="1" dirty="0">
+                <a:highlight>
+                  <a:srgbClr val="FFFF00"/>
+                </a:highlight>
+                <a:latin typeface="Arial"/>
+                <a:cs typeface="Arial"/>
+              </a:rPr>
+              <a:t>e</a:t>
+            </a:r>
+            <a:r>
+              <a:rPr lang="en-US" sz="1200" b="1" spc="-20" dirty="0">
+                <a:highlight>
+                  <a:srgbClr val="FFFF00"/>
+                </a:highlight>
+                <a:latin typeface="Arial"/>
+                <a:cs typeface="Arial"/>
+              </a:rPr>
+              <a:t> </a:t>
+            </a:r>
+            <a:r>
+              <a:rPr lang="en-US" sz="1200" b="1" spc="-5" dirty="0">
+                <a:highlight>
+                  <a:srgbClr val="FFFF00"/>
+                </a:highlight>
+                <a:latin typeface="Arial"/>
+                <a:cs typeface="Arial"/>
+              </a:rPr>
+              <a:t>variable ( </a:t>
+            </a:r>
+            <a:r>
+              <a:rPr lang="en-US" sz="1200" spc="-5" dirty="0" err="1">
+                <a:highlight>
+                  <a:srgbClr val="FFFF00"/>
+                </a:highlight>
+                <a:latin typeface="Arial"/>
+                <a:cs typeface="Arial"/>
+              </a:rPr>
+              <a:t>ze</a:t>
+            </a:r>
+            <a:r>
+              <a:rPr lang="en-US" sz="1200" dirty="0" err="1">
+                <a:highlight>
+                  <a:srgbClr val="FFFF00"/>
+                </a:highlight>
+                <a:latin typeface="Arial"/>
+                <a:cs typeface="Arial"/>
+              </a:rPr>
+              <a:t>g</a:t>
+            </a:r>
+            <a:r>
+              <a:rPr lang="en-US" sz="1200" spc="-20" dirty="0">
+                <a:highlight>
+                  <a:srgbClr val="FFFF00"/>
+                </a:highlight>
+                <a:latin typeface="Arial"/>
+                <a:cs typeface="Arial"/>
+              </a:rPr>
+              <a:t> </a:t>
+            </a:r>
+            <a:r>
+              <a:rPr lang="en-US" sz="1200" spc="-5" dirty="0">
+                <a:highlight>
+                  <a:srgbClr val="FFFF00"/>
+                </a:highlight>
+                <a:latin typeface="Arial"/>
+                <a:cs typeface="Arial"/>
+              </a:rPr>
+              <a:t>maa</a:t>
+            </a:r>
+            <a:r>
+              <a:rPr lang="en-US" sz="1200" dirty="0">
+                <a:highlight>
+                  <a:srgbClr val="FFFF00"/>
+                </a:highlight>
+                <a:latin typeface="Arial"/>
+                <a:cs typeface="Arial"/>
+              </a:rPr>
+              <a:t>r</a:t>
+            </a:r>
+            <a:r>
+              <a:rPr lang="en-US" sz="1200" spc="-20" dirty="0">
+                <a:highlight>
+                  <a:srgbClr val="FFFF00"/>
+                </a:highlight>
+                <a:latin typeface="Arial"/>
+                <a:cs typeface="Arial"/>
+              </a:rPr>
+              <a:t> </a:t>
+            </a:r>
+            <a:r>
+              <a:rPr lang="en-US" sz="1200" spc="-5" dirty="0" err="1">
+                <a:highlight>
+                  <a:srgbClr val="FFFF00"/>
+                </a:highlight>
+                <a:latin typeface="Arial"/>
+                <a:cs typeface="Arial"/>
+              </a:rPr>
+              <a:t>ee</a:t>
+            </a:r>
+            <a:r>
+              <a:rPr lang="en-US" sz="1200" dirty="0" err="1">
+                <a:highlight>
+                  <a:srgbClr val="FFFF00"/>
+                </a:highlight>
+                <a:latin typeface="Arial"/>
+                <a:cs typeface="Arial"/>
+              </a:rPr>
+              <a:t>n</a:t>
+            </a:r>
+            <a:r>
+              <a:rPr lang="en-US" sz="1200" spc="-10" dirty="0">
+                <a:highlight>
+                  <a:srgbClr val="FFFF00"/>
+                </a:highlight>
+                <a:latin typeface="Arial"/>
+                <a:cs typeface="Arial"/>
+              </a:rPr>
+              <a:t> </a:t>
+            </a:r>
+            <a:r>
+              <a:rPr lang="en-US" sz="1200" spc="-5" dirty="0" err="1">
+                <a:highlight>
+                  <a:srgbClr val="FFFF00"/>
+                </a:highlight>
+                <a:latin typeface="Arial"/>
+                <a:cs typeface="Arial"/>
+              </a:rPr>
+              <a:t>soor</a:t>
+            </a:r>
+            <a:r>
+              <a:rPr lang="en-US" sz="1200" dirty="0" err="1">
+                <a:highlight>
+                  <a:srgbClr val="FFFF00"/>
+                </a:highlight>
+                <a:latin typeface="Arial"/>
+                <a:cs typeface="Arial"/>
+              </a:rPr>
+              <a:t>t</a:t>
+            </a:r>
+            <a:r>
+              <a:rPr lang="en-US" sz="1200" spc="-20" dirty="0">
+                <a:highlight>
+                  <a:srgbClr val="FFFF00"/>
+                </a:highlight>
+                <a:latin typeface="Arial"/>
+                <a:cs typeface="Arial"/>
+              </a:rPr>
+              <a:t> </a:t>
+            </a:r>
+            <a:r>
+              <a:rPr lang="en-US" sz="1200" spc="-5" dirty="0">
+                <a:highlight>
+                  <a:srgbClr val="FFFF00"/>
+                </a:highlight>
+                <a:latin typeface="Arial"/>
+                <a:cs typeface="Arial"/>
+              </a:rPr>
+              <a:t>“id</a:t>
+            </a:r>
+            <a:r>
+              <a:rPr lang="en-US" sz="1200" dirty="0">
+                <a:highlight>
+                  <a:srgbClr val="FFFF00"/>
+                </a:highlight>
+                <a:latin typeface="Arial"/>
+                <a:cs typeface="Arial"/>
+              </a:rPr>
+              <a:t>”</a:t>
+            </a:r>
+            <a:r>
+              <a:rPr lang="en-US" sz="1200" spc="-10" dirty="0">
+                <a:highlight>
+                  <a:srgbClr val="FFFF00"/>
+                </a:highlight>
+                <a:latin typeface="Arial"/>
+                <a:cs typeface="Arial"/>
+              </a:rPr>
+              <a:t> </a:t>
+            </a:r>
+            <a:r>
+              <a:rPr lang="en-US" sz="1200" spc="-5" dirty="0" err="1">
+                <a:highlight>
+                  <a:srgbClr val="FFFF00"/>
+                </a:highlight>
+                <a:latin typeface="Arial"/>
+                <a:cs typeface="Arial"/>
+              </a:rPr>
+              <a:t>voo</a:t>
+            </a:r>
+            <a:r>
+              <a:rPr lang="en-US" sz="1200" dirty="0" err="1">
+                <a:highlight>
+                  <a:srgbClr val="FFFF00"/>
+                </a:highlight>
+                <a:latin typeface="Arial"/>
+                <a:cs typeface="Arial"/>
+              </a:rPr>
+              <a:t>r</a:t>
+            </a:r>
+            <a:r>
+              <a:rPr lang="en-US" sz="1200" spc="-20" dirty="0">
+                <a:highlight>
+                  <a:srgbClr val="FFFF00"/>
+                </a:highlight>
+                <a:latin typeface="Arial"/>
+                <a:cs typeface="Arial"/>
+              </a:rPr>
+              <a:t> </a:t>
+            </a:r>
+            <a:r>
+              <a:rPr lang="en-US" sz="1200" spc="-5" dirty="0">
+                <a:highlight>
+                  <a:srgbClr val="FFFF00"/>
+                </a:highlight>
+                <a:latin typeface="Arial"/>
+                <a:cs typeface="Arial"/>
+              </a:rPr>
+              <a:t>he</a:t>
+            </a:r>
+            <a:r>
+              <a:rPr lang="en-US" sz="1200" dirty="0">
+                <a:highlight>
+                  <a:srgbClr val="FFFF00"/>
+                </a:highlight>
+                <a:latin typeface="Arial"/>
+                <a:cs typeface="Arial"/>
+              </a:rPr>
+              <a:t>t</a:t>
+            </a:r>
+            <a:r>
+              <a:rPr lang="en-US" sz="1200" spc="-10" dirty="0">
+                <a:highlight>
+                  <a:srgbClr val="FFFF00"/>
+                </a:highlight>
+                <a:latin typeface="Arial"/>
+                <a:cs typeface="Arial"/>
+              </a:rPr>
+              <a:t> </a:t>
+            </a:r>
+            <a:r>
+              <a:rPr lang="en-US" sz="1200" spc="-5" dirty="0">
+                <a:highlight>
+                  <a:srgbClr val="FFFF00"/>
+                </a:highlight>
+                <a:latin typeface="Arial"/>
+                <a:cs typeface="Arial"/>
+              </a:rPr>
+              <a:t>element)</a:t>
+            </a:r>
+            <a:endParaRPr lang="en-US" sz="1200" dirty="0">
+              <a:highlight>
+                <a:srgbClr val="FFFF00"/>
+              </a:highlight>
+              <a:latin typeface="Arial"/>
+              <a:cs typeface="Arial"/>
+            </a:endParaRPr>
+          </a:p>
+          <a:p>
+            <a:pPr marL="0" marR="0" lvl="0" indent="0" algn="l" defTabSz="914400" rtl="0" eaLnBrk="1" fontAlgn="auto" latinLnBrk="0" hangingPunct="1">
+              <a:lnSpc>
+                <a:spcPct val="100000"/>
+              </a:lnSpc>
+              <a:spcBef>
+                <a:spcPts val="0"/>
+              </a:spcBef>
+              <a:spcAft>
+                <a:spcPts val="0"/>
+              </a:spcAft>
+              <a:buClrTx/>
+              <a:buSzTx/>
+              <a:buFontTx/>
+              <a:buNone/>
+              <a:tabLst/>
+              <a:defRPr/>
+            </a:pPr>
+            <a:endParaRPr lang="en-US" sz="1200" dirty="0">
+              <a:latin typeface="Arial"/>
+              <a:cs typeface="Arial"/>
+            </a:endParaRPr>
+          </a:p>
+          <a:p>
+            <a:endParaRPr dirty="0"/>
           </a:p>
         </p:txBody>
       </p:sp>
@@ -4410,7 +5223,7 @@
                 <a:latin typeface="Courier New"/>
                 <a:cs typeface="Courier New"/>
               </a:rPr>
-              <a:t> 1a + 1b</a:t>
+              <a:t> 2a + 2b</a:t>
             </a:r>
             <a:endParaRPr sz="1950" b="1" dirty="0">
               <a:latin typeface="Courier New"/>
@@ -10529,7 +11342,7 @@
                 <a:latin typeface="Verdana"/>
                 <a:cs typeface="Verdana"/>
               </a:rPr>
-              <a:t> 2a + 2b + 2c + 2d + 2e</a:t>
+              <a:t> 2c + 2d + 2e</a:t>
             </a:r>
             <a:endParaRPr sz="1950" b="1" dirty="0">
               <a:latin typeface="Verdana"/>
@@ -15428,7 +16241,7 @@
         <p:spPr>
           <a:xfrm>
             <a:off x="1270394" y="1250149"/>
-            <a:ext cx="8794115" cy="4767459"/>
+            <a:ext cx="8794115" cy="4408386"/>
           </a:xfrm>
           <a:prstGeom prst="rect">
             <a:avLst/>
@@ -16448,530 +17261,6 @@
               <a:cs typeface="Times New Roman"/>
             </a:endParaRPr>
           </a:p>
-          <a:p>
-            <a:pPr marL="133350">
-              <a:lnSpc>
-                <a:spcPct val="100000"/>
-              </a:lnSpc>
-              <a:spcBef>
-                <a:spcPts val="994"/>
-              </a:spcBef>
-            </a:pPr>
-            <a:r>
-              <a:rPr sz="1500" i="1" spc="-5" dirty="0">
-                <a:solidFill>
-                  <a:srgbClr val="C00000"/>
-                </a:solidFill>
-                <a:latin typeface="Arial"/>
-                <a:cs typeface="Arial"/>
-              </a:rPr>
-              <a:t>Problee</a:t>
-            </a:r>
-            <a:r>
-              <a:rPr sz="1500" i="1" dirty="0">
-                <a:solidFill>
-                  <a:srgbClr val="C00000"/>
-                </a:solidFill>
-                <a:latin typeface="Arial"/>
-                <a:cs typeface="Arial"/>
-              </a:rPr>
-              <a:t>m</a:t>
-            </a:r>
-            <a:r>
-              <a:rPr sz="1500" dirty="0">
-                <a:latin typeface="Arial"/>
-                <a:cs typeface="Arial"/>
-              </a:rPr>
-              <a:t>:</a:t>
-            </a:r>
-            <a:r>
-              <a:rPr sz="1500" spc="-25" dirty="0">
-                <a:latin typeface="Arial"/>
-                <a:cs typeface="Arial"/>
-              </a:rPr>
-              <a:t> </a:t>
-            </a:r>
-            <a:r>
-              <a:rPr sz="1500" spc="-5" dirty="0">
-                <a:latin typeface="Courier New"/>
-                <a:cs typeface="Courier New"/>
-              </a:rPr>
-              <a:t>even</a:t>
-            </a:r>
-            <a:r>
-              <a:rPr sz="1500" dirty="0">
-                <a:latin typeface="Courier New"/>
-                <a:cs typeface="Courier New"/>
-              </a:rPr>
-              <a:t>t</a:t>
-            </a:r>
-            <a:r>
-              <a:rPr sz="1500" spc="30" dirty="0">
-                <a:latin typeface="Times New Roman"/>
-                <a:cs typeface="Times New Roman"/>
-              </a:rPr>
-              <a:t> </a:t>
-            </a:r>
-            <a:r>
-              <a:rPr sz="1500" spc="-5" dirty="0">
-                <a:latin typeface="Arial"/>
-                <a:cs typeface="Arial"/>
-              </a:rPr>
-              <a:t>i</a:t>
-            </a:r>
-            <a:r>
-              <a:rPr sz="1500" dirty="0">
-                <a:latin typeface="Arial"/>
-                <a:cs typeface="Arial"/>
-              </a:rPr>
-              <a:t>s </a:t>
-            </a:r>
-            <a:r>
-              <a:rPr sz="1500" spc="-5" dirty="0">
-                <a:latin typeface="Arial"/>
-                <a:cs typeface="Arial"/>
-              </a:rPr>
-              <a:t>nie</a:t>
-            </a:r>
-            <a:r>
-              <a:rPr sz="1500" dirty="0">
-                <a:latin typeface="Arial"/>
-                <a:cs typeface="Arial"/>
-              </a:rPr>
-              <a:t>t</a:t>
-            </a:r>
-            <a:r>
-              <a:rPr sz="1500" spc="-10" dirty="0">
-                <a:latin typeface="Arial"/>
-                <a:cs typeface="Arial"/>
-              </a:rPr>
-              <a:t> </a:t>
-            </a:r>
-            <a:r>
-              <a:rPr sz="1500" spc="-5" dirty="0">
-                <a:latin typeface="Arial"/>
-                <a:cs typeface="Arial"/>
-              </a:rPr>
-              <a:t>strongl</a:t>
-            </a:r>
-            <a:r>
-              <a:rPr sz="1500" dirty="0">
-                <a:latin typeface="Arial"/>
-                <a:cs typeface="Arial"/>
-              </a:rPr>
-              <a:t>y</a:t>
-            </a:r>
-            <a:r>
-              <a:rPr sz="1500" spc="-15" dirty="0">
-                <a:latin typeface="Arial"/>
-                <a:cs typeface="Arial"/>
-              </a:rPr>
-              <a:t> </a:t>
-            </a:r>
-            <a:r>
-              <a:rPr sz="1500" spc="-5" dirty="0">
-                <a:latin typeface="Arial"/>
-                <a:cs typeface="Arial"/>
-              </a:rPr>
-              <a:t>typed</a:t>
-            </a:r>
-            <a:r>
-              <a:rPr sz="1500" dirty="0">
-                <a:latin typeface="Arial"/>
-                <a:cs typeface="Arial"/>
-              </a:rPr>
-              <a:t>.</a:t>
-            </a:r>
-            <a:r>
-              <a:rPr sz="1500" spc="-100" dirty="0">
-                <a:latin typeface="Arial"/>
-                <a:cs typeface="Arial"/>
-              </a:rPr>
-              <a:t> </a:t>
-            </a:r>
-            <a:r>
-              <a:rPr sz="1500" spc="-5" dirty="0">
-                <a:latin typeface="Arial"/>
-                <a:cs typeface="Arial"/>
-              </a:rPr>
-              <a:t>Al</a:t>
-            </a:r>
-            <a:r>
-              <a:rPr sz="1500" dirty="0">
-                <a:latin typeface="Arial"/>
-                <a:cs typeface="Arial"/>
-              </a:rPr>
-              <a:t>s </a:t>
-            </a:r>
-            <a:r>
-              <a:rPr sz="1500" spc="-5" dirty="0">
-                <a:latin typeface="Arial"/>
-                <a:cs typeface="Arial"/>
-              </a:rPr>
-              <a:t>j</a:t>
-            </a:r>
-            <a:r>
-              <a:rPr sz="1500" dirty="0">
-                <a:latin typeface="Arial"/>
-                <a:cs typeface="Arial"/>
-              </a:rPr>
-              <a:t>e </a:t>
-            </a:r>
-            <a:r>
-              <a:rPr sz="1500" spc="-5" dirty="0">
-                <a:latin typeface="Arial"/>
-                <a:cs typeface="Arial"/>
-              </a:rPr>
-              <a:t>da</a:t>
-            </a:r>
-            <a:r>
-              <a:rPr sz="1500" dirty="0">
-                <a:latin typeface="Arial"/>
-                <a:cs typeface="Arial"/>
-              </a:rPr>
-              <a:t>t</a:t>
-            </a:r>
-            <a:r>
-              <a:rPr sz="1500" spc="-10" dirty="0">
-                <a:latin typeface="Arial"/>
-                <a:cs typeface="Arial"/>
-              </a:rPr>
-              <a:t> </a:t>
-            </a:r>
-            <a:r>
-              <a:rPr sz="1500" spc="-5" dirty="0">
-                <a:latin typeface="Arial"/>
-                <a:cs typeface="Arial"/>
-              </a:rPr>
-              <a:t>echte</a:t>
-            </a:r>
-            <a:r>
-              <a:rPr sz="1500" dirty="0">
-                <a:latin typeface="Arial"/>
-                <a:cs typeface="Arial"/>
-              </a:rPr>
-              <a:t>r</a:t>
-            </a:r>
-            <a:r>
-              <a:rPr sz="1500" spc="-20" dirty="0">
-                <a:latin typeface="Arial"/>
-                <a:cs typeface="Arial"/>
-              </a:rPr>
-              <a:t> </a:t>
-            </a:r>
-            <a:r>
-              <a:rPr sz="1500" spc="-5" dirty="0">
-                <a:latin typeface="Arial"/>
-                <a:cs typeface="Arial"/>
-              </a:rPr>
-              <a:t>we</a:t>
-            </a:r>
-            <a:r>
-              <a:rPr sz="1500" dirty="0">
-                <a:latin typeface="Arial"/>
-                <a:cs typeface="Arial"/>
-              </a:rPr>
-              <a:t>l </a:t>
-            </a:r>
-            <a:r>
-              <a:rPr sz="1500" spc="-5" dirty="0">
-                <a:latin typeface="Arial"/>
-                <a:cs typeface="Arial"/>
-              </a:rPr>
-              <a:t>doet</a:t>
-            </a:r>
-            <a:r>
-              <a:rPr sz="1500" dirty="0">
-                <a:latin typeface="Arial"/>
-                <a:cs typeface="Arial"/>
-              </a:rPr>
-              <a:t>,</a:t>
-            </a:r>
-            <a:r>
-              <a:rPr sz="1500" spc="-20" dirty="0">
-                <a:latin typeface="Arial"/>
-                <a:cs typeface="Arial"/>
-              </a:rPr>
-              <a:t> </a:t>
-            </a:r>
-            <a:r>
-              <a:rPr sz="1500" spc="-5" dirty="0">
-                <a:latin typeface="Arial"/>
-                <a:cs typeface="Arial"/>
-              </a:rPr>
-              <a:t>word</a:t>
-            </a:r>
-            <a:r>
-              <a:rPr sz="1500" dirty="0">
-                <a:latin typeface="Arial"/>
-                <a:cs typeface="Arial"/>
-              </a:rPr>
-              <a:t>t</a:t>
-            </a:r>
-            <a:r>
-              <a:rPr sz="1500" spc="-10" dirty="0">
-                <a:latin typeface="Arial"/>
-                <a:cs typeface="Arial"/>
-              </a:rPr>
-              <a:t> </a:t>
-            </a:r>
-            <a:r>
-              <a:rPr sz="1500" spc="-5" dirty="0">
-                <a:latin typeface="Arial"/>
-                <a:cs typeface="Arial"/>
-              </a:rPr>
-              <a:t>d</a:t>
-            </a:r>
-            <a:r>
-              <a:rPr sz="1500" dirty="0">
-                <a:latin typeface="Arial"/>
-                <a:cs typeface="Arial"/>
-              </a:rPr>
-              <a:t>e</a:t>
-            </a:r>
-            <a:r>
-              <a:rPr sz="1500" spc="-10" dirty="0">
-                <a:latin typeface="Arial"/>
-                <a:cs typeface="Arial"/>
-              </a:rPr>
-              <a:t> </a:t>
-            </a:r>
-            <a:r>
-              <a:rPr sz="1500" spc="-5" dirty="0">
-                <a:latin typeface="Arial"/>
-                <a:cs typeface="Arial"/>
-              </a:rPr>
-              <a:t>cl</a:t>
-            </a:r>
-            <a:r>
-              <a:rPr sz="1500" dirty="0">
-                <a:latin typeface="Arial"/>
-                <a:cs typeface="Arial"/>
-              </a:rPr>
-              <a:t>a</a:t>
-            </a:r>
-            <a:r>
-              <a:rPr sz="1500" spc="-5" dirty="0">
-                <a:latin typeface="Arial"/>
-                <a:cs typeface="Arial"/>
-              </a:rPr>
-              <a:t>s</a:t>
-            </a:r>
-            <a:r>
-              <a:rPr sz="1500" dirty="0">
-                <a:latin typeface="Arial"/>
-                <a:cs typeface="Arial"/>
-              </a:rPr>
-              <a:t>s </a:t>
-            </a:r>
-            <a:r>
-              <a:rPr sz="1500" spc="-5" dirty="0">
-                <a:latin typeface="Arial"/>
-                <a:cs typeface="Arial"/>
-              </a:rPr>
-              <a:t>vee</a:t>
-            </a:r>
-            <a:r>
-              <a:rPr sz="1500" dirty="0">
-                <a:latin typeface="Arial"/>
-                <a:cs typeface="Arial"/>
-              </a:rPr>
-              <a:t>l </a:t>
-            </a:r>
-            <a:r>
-              <a:rPr sz="1500" spc="-5" dirty="0">
-                <a:latin typeface="Arial"/>
-                <a:cs typeface="Arial"/>
-              </a:rPr>
-              <a:t>minde</a:t>
-            </a:r>
-            <a:r>
-              <a:rPr sz="1500" dirty="0">
-                <a:latin typeface="Arial"/>
-                <a:cs typeface="Arial"/>
-              </a:rPr>
-              <a:t>r</a:t>
-            </a:r>
-            <a:r>
-              <a:rPr sz="1500" spc="-25" dirty="0">
-                <a:latin typeface="Arial"/>
-                <a:cs typeface="Arial"/>
-              </a:rPr>
-              <a:t> </a:t>
-            </a:r>
-            <a:r>
-              <a:rPr sz="1500" spc="-5" dirty="0">
-                <a:latin typeface="Arial"/>
-                <a:cs typeface="Arial"/>
-              </a:rPr>
-              <a:t>portable</a:t>
-            </a:r>
-            <a:endParaRPr sz="1500" dirty="0">
-              <a:latin typeface="Arial"/>
-              <a:cs typeface="Arial"/>
-            </a:endParaRPr>
-          </a:p>
-        </p:txBody>
-      </p:sp>
-      <p:sp>
-        <p:nvSpPr>
-          <p:cNvPr id="4" name="object 4"/>
-          <p:cNvSpPr txBox="1"/>
-          <p:nvPr/>
-        </p:nvSpPr>
-        <p:spPr>
-          <a:xfrm>
-            <a:off x="1391643" y="6301055"/>
-            <a:ext cx="3717290" cy="230832"/>
-          </a:xfrm>
-          <a:prstGeom prst="rect">
-            <a:avLst/>
-          </a:prstGeom>
-        </p:spPr>
-        <p:txBody>
-          <a:bodyPr vert="horz" wrap="square" lIns="0" tIns="0" rIns="0" bIns="0" rtlCol="0">
-            <a:spAutoFit/>
-          </a:bodyPr>
-          <a:lstStyle/>
-          <a:p>
-            <a:pPr marL="12700">
-              <a:lnSpc>
-                <a:spcPct val="100000"/>
-              </a:lnSpc>
-            </a:pPr>
-            <a:r>
-              <a:rPr sz="1500" i="1" dirty="0">
-                <a:solidFill>
-                  <a:srgbClr val="C00000"/>
-                </a:solidFill>
-                <a:latin typeface="Arial"/>
-                <a:cs typeface="Arial"/>
-              </a:rPr>
-              <a:t>Oplossin</a:t>
-            </a:r>
-            <a:r>
-              <a:rPr sz="1500" i="1" spc="-5" dirty="0">
-                <a:solidFill>
-                  <a:srgbClr val="C00000"/>
-                </a:solidFill>
-                <a:latin typeface="Arial"/>
-                <a:cs typeface="Arial"/>
-              </a:rPr>
-              <a:t>g</a:t>
-            </a:r>
-            <a:r>
-              <a:rPr sz="1500" dirty="0">
-                <a:latin typeface="Arial"/>
-                <a:cs typeface="Arial"/>
-              </a:rPr>
-              <a:t>:</a:t>
-            </a:r>
-            <a:r>
-              <a:rPr sz="1500" spc="-20" dirty="0">
-                <a:latin typeface="Arial"/>
-                <a:cs typeface="Arial"/>
-              </a:rPr>
-              <a:t> </a:t>
-            </a:r>
-            <a:r>
-              <a:rPr sz="1500" spc="-5" dirty="0">
-                <a:latin typeface="Arial"/>
-                <a:cs typeface="Arial"/>
-              </a:rPr>
-              <a:t>gebrui</a:t>
-            </a:r>
-            <a:r>
-              <a:rPr sz="1500" dirty="0">
-                <a:latin typeface="Arial"/>
-                <a:cs typeface="Arial"/>
-              </a:rPr>
-              <a:t>k</a:t>
-            </a:r>
-            <a:r>
-              <a:rPr sz="1500" spc="-25" dirty="0">
-                <a:latin typeface="Arial"/>
-                <a:cs typeface="Arial"/>
-              </a:rPr>
-              <a:t> </a:t>
-            </a:r>
-            <a:r>
-              <a:rPr sz="1500" b="1" spc="-5" dirty="0">
-                <a:highlight>
-                  <a:srgbClr val="FFFF00"/>
-                </a:highlight>
-                <a:latin typeface="Arial"/>
-                <a:cs typeface="Arial"/>
-              </a:rPr>
-              <a:t>loca</a:t>
-            </a:r>
-            <a:r>
-              <a:rPr sz="1500" b="1" dirty="0">
-                <a:highlight>
-                  <a:srgbClr val="FFFF00"/>
-                </a:highlight>
-                <a:latin typeface="Arial"/>
-                <a:cs typeface="Arial"/>
-              </a:rPr>
-              <a:t>l</a:t>
-            </a:r>
-            <a:r>
-              <a:rPr sz="1500" b="1" spc="-20" dirty="0">
-                <a:highlight>
-                  <a:srgbClr val="FFFF00"/>
-                </a:highlight>
-                <a:latin typeface="Arial"/>
-                <a:cs typeface="Arial"/>
-              </a:rPr>
-              <a:t> </a:t>
-            </a:r>
-            <a:r>
-              <a:rPr sz="1500" b="1" spc="-5" dirty="0">
-                <a:highlight>
-                  <a:srgbClr val="FFFF00"/>
-                </a:highlight>
-                <a:latin typeface="Arial"/>
-                <a:cs typeface="Arial"/>
-              </a:rPr>
-              <a:t>templat</a:t>
-            </a:r>
-            <a:r>
-              <a:rPr sz="1500" b="1" dirty="0">
-                <a:highlight>
-                  <a:srgbClr val="FFFF00"/>
-                </a:highlight>
-                <a:latin typeface="Arial"/>
-                <a:cs typeface="Arial"/>
-              </a:rPr>
-              <a:t>e</a:t>
-            </a:r>
-            <a:r>
-              <a:rPr sz="1500" b="1" spc="-20" dirty="0">
-                <a:highlight>
-                  <a:srgbClr val="FFFF00"/>
-                </a:highlight>
-                <a:latin typeface="Arial"/>
-                <a:cs typeface="Arial"/>
-              </a:rPr>
-              <a:t> </a:t>
-            </a:r>
-            <a:r>
-              <a:rPr sz="1500" b="1" spc="-5" dirty="0">
-                <a:highlight>
-                  <a:srgbClr val="FFFF00"/>
-                </a:highlight>
-                <a:latin typeface="Arial"/>
-                <a:cs typeface="Arial"/>
-              </a:rPr>
-              <a:t>variable</a:t>
-            </a:r>
-            <a:endParaRPr sz="1500" dirty="0">
-              <a:highlight>
-                <a:srgbClr val="FFFF00"/>
-              </a:highlight>
-              <a:latin typeface="Arial"/>
-              <a:cs typeface="Arial"/>
-            </a:endParaRPr>
-          </a:p>
         </p:txBody>
       </p:sp>
       <p:sp>
@@ -16983,7 +17272,7 @@
         <p:spPr>
           <a:xfrm>
             <a:off x="5239758" y="6301055"/>
-            <a:ext cx="3605529" cy="217804"/>
+            <a:ext cx="3605529" cy="230832"/>
           </a:xfrm>
           <a:prstGeom prst="rect">
             <a:avLst/>
@@ -17005,156 +17294,9 @@
                 <a:latin typeface="Arial"/>
                 <a:cs typeface="Arial"/>
               </a:rPr>
-              <a:t>(ze</a:t>
-            </a:r>
-            <a:r>
-              <a:rPr sz="1500" dirty="0">
-                <a:latin typeface="Arial"/>
-                <a:cs typeface="Arial"/>
-              </a:rPr>
-              <a:t>g</a:t>
-            </a:r>
-            <a:r>
-              <a:rPr sz="1500" spc="-20" dirty="0">
-                <a:latin typeface="Arial"/>
-                <a:cs typeface="Arial"/>
-              </a:rPr>
-              <a:t> </a:t>
-            </a:r>
-            <a:r>
-              <a:rPr sz="1500" spc="-5" dirty="0">
-                <a:latin typeface="Arial"/>
-                <a:cs typeface="Arial"/>
-              </a:rPr>
-              <a:t>maa</a:t>
-            </a:r>
-            <a:r>
-              <a:rPr sz="1500" dirty="0">
-                <a:latin typeface="Arial"/>
-                <a:cs typeface="Arial"/>
-              </a:rPr>
-              <a:t>r</a:t>
-            </a:r>
-            <a:r>
-              <a:rPr sz="1500" spc="-20" dirty="0">
-                <a:latin typeface="Arial"/>
-                <a:cs typeface="Arial"/>
-              </a:rPr>
-              <a:t> </a:t>
-            </a:r>
-            <a:r>
-              <a:rPr sz="1500" spc="-5" dirty="0">
-                <a:latin typeface="Arial"/>
-                <a:cs typeface="Arial"/>
-              </a:rPr>
-              <a:t>ee</a:t>
-            </a:r>
-            <a:r>
-              <a:rPr sz="1500" dirty="0">
-                <a:latin typeface="Arial"/>
-                <a:cs typeface="Arial"/>
-              </a:rPr>
-              <a:t>n</a:t>
-            </a:r>
-            <a:r>
-              <a:rPr sz="1500" spc="-10" dirty="0">
-                <a:latin typeface="Arial"/>
-                <a:cs typeface="Arial"/>
-              </a:rPr>
-              <a:t> </a:t>
-            </a:r>
-            <a:r>
-              <a:rPr sz="1500" spc="-5" dirty="0">
-                <a:latin typeface="Arial"/>
-                <a:cs typeface="Arial"/>
-              </a:rPr>
-              <a:t>soor</a:t>
-            </a:r>
-            <a:r>
-              <a:rPr sz="1500" dirty="0">
-                <a:latin typeface="Arial"/>
-                <a:cs typeface="Arial"/>
-              </a:rPr>
-              <a:t>t</a:t>
-            </a:r>
-            <a:r>
-              <a:rPr sz="1500" spc="-20" dirty="0">
-                <a:latin typeface="Arial"/>
-                <a:cs typeface="Arial"/>
-              </a:rPr>
-              <a:t> </a:t>
-            </a:r>
-            <a:r>
-              <a:rPr sz="1500" spc="-5" dirty="0">
-                <a:latin typeface="Arial"/>
-                <a:cs typeface="Arial"/>
-              </a:rPr>
-              <a:t>“id</a:t>
-            </a:r>
-            <a:r>
-              <a:rPr sz="1500" dirty="0">
-                <a:latin typeface="Arial"/>
-                <a:cs typeface="Arial"/>
-              </a:rPr>
-              <a:t>”</a:t>
-            </a:r>
-            <a:r>
-              <a:rPr sz="1500" spc="-10" dirty="0">
-                <a:latin typeface="Arial"/>
-                <a:cs typeface="Arial"/>
-              </a:rPr>
-              <a:t> </a:t>
-            </a:r>
-            <a:r>
-              <a:rPr sz="1500" spc="-5" dirty="0">
-                <a:latin typeface="Arial"/>
-                <a:cs typeface="Arial"/>
-              </a:rPr>
-              <a:t>voo</a:t>
-            </a:r>
-            <a:r>
-              <a:rPr sz="1500" dirty="0">
-                <a:latin typeface="Arial"/>
-                <a:cs typeface="Arial"/>
-              </a:rPr>
-              <a:t>r</a:t>
-            </a:r>
-            <a:r>
-              <a:rPr sz="1500" spc="-20" dirty="0">
-                <a:latin typeface="Arial"/>
-                <a:cs typeface="Arial"/>
-              </a:rPr>
-              <a:t> </a:t>
-            </a:r>
-            <a:r>
-              <a:rPr sz="1500" spc="-5" dirty="0">
-                <a:latin typeface="Arial"/>
-                <a:cs typeface="Arial"/>
-              </a:rPr>
-              <a:t>he</a:t>
-            </a:r>
-            <a:r>
-              <a:rPr sz="1500" dirty="0">
-                <a:latin typeface="Arial"/>
-                <a:cs typeface="Arial"/>
-              </a:rPr>
-              <a:t>t</a:t>
-            </a:r>
-            <a:r>
-              <a:rPr sz="1500" spc="-10" dirty="0">
-                <a:latin typeface="Arial"/>
-                <a:cs typeface="Arial"/>
-              </a:rPr>
-              <a:t> </a:t>
-            </a:r>
-            <a:r>
-              <a:rPr sz="1500" spc="-5" dirty="0">
-                <a:latin typeface="Arial"/>
-                <a:cs typeface="Arial"/>
-              </a:rPr>
-              <a:t>element)</a:t>
-            </a:r>
-            <a:endParaRPr sz="1500">
+              <a:t>(</a:t>
+            </a:r>
+            <a:endParaRPr sz="1500" dirty="0">
               <a:latin typeface="Arial"/>
               <a:cs typeface="Arial"/>
             </a:endParaRPr>
@@ -19593,6 +19735,10 @@
           </p:nvPr>
         </p:nvSpPr>
         <p:spPr>
+          <a:xfrm>
+            <a:off x="1384300" y="472182"/>
+            <a:ext cx="8633854" cy="423193"/>
+          </a:xfrm>
           <a:prstGeom prst="rect">
             <a:avLst/>
           </a:prstGeom>
@@ -19609,42 +19755,58 @@
               </a:lnSpc>
             </a:pPr>
             <a:r>
-              <a:rPr spc="15" dirty="0"/>
-              <a:t>Putting</a:t>
-            </a:r>
-            <a:r>
-              <a:rPr spc="270" dirty="0">
-                <a:latin typeface="Times New Roman"/>
-                <a:cs typeface="Times New Roman"/>
-              </a:rPr>
-              <a:t> </a:t>
-            </a:r>
-            <a:r>
-              <a:rPr spc="10" dirty="0"/>
-              <a:t>it</a:t>
-            </a:r>
-            <a:r>
-              <a:rPr spc="265" dirty="0">
-                <a:latin typeface="Times New Roman"/>
-                <a:cs typeface="Times New Roman"/>
-              </a:rPr>
-              <a:t> </a:t>
-            </a:r>
-            <a:r>
-              <a:rPr spc="10" dirty="0"/>
-              <a:t>all</a:t>
-            </a:r>
-            <a:r>
-              <a:rPr spc="270" dirty="0">
-                <a:latin typeface="Times New Roman"/>
-                <a:cs typeface="Times New Roman"/>
-              </a:rPr>
-              <a:t> </a:t>
-            </a:r>
-            <a:r>
-              <a:rPr spc="15" dirty="0"/>
-              <a:t>together…</a:t>
-            </a:r>
+              <a:rPr lang="en-US" spc="10" dirty="0">
+                <a:solidFill>
+                  <a:srgbClr val="C00000"/>
+                </a:solidFill>
+              </a:rPr>
+              <a:t>L</a:t>
+            </a:r>
+            <a:r>
+              <a:rPr lang="en-US" spc="10">
+                <a:solidFill>
+                  <a:srgbClr val="C00000"/>
+                </a:solidFill>
+              </a:rPr>
+              <a:t>ocal</a:t>
+            </a:r>
+            <a:r>
+              <a:rPr lang="en-US" spc="275">
+                <a:solidFill>
+                  <a:srgbClr val="C00000"/>
+                </a:solidFill>
+                <a:latin typeface="Times New Roman"/>
+                <a:cs typeface="Times New Roman"/>
+              </a:rPr>
+              <a:t> </a:t>
+            </a:r>
+            <a:r>
+              <a:rPr lang="en-US" spc="15" dirty="0">
+                <a:solidFill>
+                  <a:srgbClr val="C00000"/>
+                </a:solidFill>
+              </a:rPr>
+              <a:t>template</a:t>
+            </a:r>
+            <a:r>
+              <a:rPr lang="en-US" spc="245" dirty="0">
+                <a:solidFill>
+                  <a:srgbClr val="C00000"/>
+                </a:solidFill>
+                <a:latin typeface="Times New Roman"/>
+                <a:cs typeface="Times New Roman"/>
+              </a:rPr>
+              <a:t> </a:t>
+            </a:r>
+            <a:r>
+              <a:rPr lang="en-US" spc="15" dirty="0">
+                <a:solidFill>
+                  <a:srgbClr val="C00000"/>
+                </a:solidFill>
+              </a:rPr>
+              <a:t>variable</a:t>
+            </a:r>
+            <a:endParaRPr spc="15" dirty="0"/>
           </a:p>
         </p:txBody>
       </p:sp>
